--- a/Presentation/Eleanor.pptx
+++ b/Presentation/Eleanor.pptx
@@ -5,7 +5,7 @@
     <p:sldMasterId id="2147483658" r:id="rId1"/>
   </p:sldMasterIdLst>
   <p:notesMasterIdLst>
-    <p:notesMasterId r:id="rId24"/>
+    <p:notesMasterId r:id="rId20"/>
   </p:notesMasterIdLst>
   <p:sldIdLst>
     <p:sldId id="256" r:id="rId2"/>
@@ -24,12 +24,8 @@
     <p:sldId id="293" r:id="rId15"/>
     <p:sldId id="294" r:id="rId16"/>
     <p:sldId id="295" r:id="rId17"/>
-    <p:sldId id="296" r:id="rId18"/>
-    <p:sldId id="269" r:id="rId19"/>
-    <p:sldId id="271" r:id="rId20"/>
-    <p:sldId id="273" r:id="rId21"/>
-    <p:sldId id="279" r:id="rId22"/>
-    <p:sldId id="280" r:id="rId23"/>
+    <p:sldId id="269" r:id="rId18"/>
+    <p:sldId id="279" r:id="rId19"/>
   </p:sldIdLst>
   <p:sldSz cx="9144000" cy="6858000" type="screen4x3"/>
   <p:notesSz cx="6858000" cy="9144000"/>
@@ -1358,7 +1354,7 @@
   <p:cSld>
     <p:spTree>
       <p:nvGrpSpPr>
-        <p:cNvPr id="1" name="Shape 131"/>
+        <p:cNvPr id="1" name="Shape 155"/>
         <p:cNvGrpSpPr/>
         <p:nvPr/>
       </p:nvGrpSpPr>
@@ -1372,7 +1368,7 @@
       </p:grpSpPr>
       <p:sp>
         <p:nvSpPr>
-          <p:cNvPr id="132" name="Shape 132"/>
+          <p:cNvPr id="156" name="Shape 156"/>
           <p:cNvSpPr>
             <a:spLocks noGrp="1" noRot="1" noChangeAspect="1"/>
           </p:cNvSpPr>
@@ -1413,7 +1409,7 @@
       </p:sp>
       <p:sp>
         <p:nvSpPr>
-          <p:cNvPr id="133" name="Shape 133"/>
+          <p:cNvPr id="157" name="Shape 157"/>
           <p:cNvSpPr txBox="1">
             <a:spLocks noGrp="1"/>
           </p:cNvSpPr>
@@ -1449,7 +1445,7 @@
     </p:spTree>
     <p:extLst>
       <p:ext uri="{BB962C8B-B14F-4D97-AF65-F5344CB8AC3E}">
-        <p14:creationId xmlns:p14="http://schemas.microsoft.com/office/powerpoint/2010/main" val="675455061"/>
+        <p14:creationId xmlns:p14="http://schemas.microsoft.com/office/powerpoint/2010/main" val="1049068997"/>
       </p:ext>
     </p:extLst>
   </p:cSld>
@@ -1464,7 +1460,7 @@
   <p:cSld>
     <p:spTree>
       <p:nvGrpSpPr>
-        <p:cNvPr id="1" name="Shape 155"/>
+        <p:cNvPr id="1" name="Shape 284"/>
         <p:cNvGrpSpPr/>
         <p:nvPr/>
       </p:nvGrpSpPr>
@@ -1478,7 +1474,7 @@
       </p:grpSpPr>
       <p:sp>
         <p:nvSpPr>
-          <p:cNvPr id="156" name="Shape 156"/>
+          <p:cNvPr id="285" name="Shape 285"/>
           <p:cNvSpPr>
             <a:spLocks noGrp="1" noRot="1" noChangeAspect="1"/>
           </p:cNvSpPr>
@@ -1488,8 +1484,8 @@
         </p:nvSpPr>
         <p:spPr>
           <a:xfrm>
-            <a:off x="1143225" y="685800"/>
-            <a:ext cx="4572299" cy="3429000"/>
+            <a:off x="1143000" y="685800"/>
+            <a:ext cx="4572000" cy="3429000"/>
           </a:xfrm>
           <a:custGeom>
             <a:avLst/>
@@ -1519,7 +1515,7 @@
       </p:sp>
       <p:sp>
         <p:nvSpPr>
-          <p:cNvPr id="157" name="Shape 157"/>
+          <p:cNvPr id="286" name="Shape 286"/>
           <p:cNvSpPr txBox="1">
             <a:spLocks noGrp="1"/>
           </p:cNvSpPr>
@@ -1555,113 +1551,7 @@
     </p:spTree>
     <p:extLst>
       <p:ext uri="{BB962C8B-B14F-4D97-AF65-F5344CB8AC3E}">
-        <p14:creationId xmlns:p14="http://schemas.microsoft.com/office/powerpoint/2010/main" val="1049068997"/>
-      </p:ext>
-    </p:extLst>
-  </p:cSld>
-  <p:clrMapOvr>
-    <a:masterClrMapping/>
-  </p:clrMapOvr>
-</p:notes>
-</file>
-
-<file path=ppt/notesSlides/notesSlide19.xml><?xml version="1.0" encoding="utf-8"?>
-<p:notes xmlns:a="http://schemas.openxmlformats.org/drawingml/2006/main" xmlns:r="http://schemas.openxmlformats.org/officeDocument/2006/relationships" xmlns:p="http://schemas.openxmlformats.org/presentationml/2006/main" showMasterSp="0" showMasterPhAnim="0">
-  <p:cSld>
-    <p:spTree>
-      <p:nvGrpSpPr>
-        <p:cNvPr id="1" name="Shape 186"/>
-        <p:cNvGrpSpPr/>
-        <p:nvPr/>
-      </p:nvGrpSpPr>
-      <p:grpSpPr>
-        <a:xfrm>
-          <a:off x="0" y="0"/>
-          <a:ext cx="0" cy="0"/>
-          <a:chOff x="0" y="0"/>
-          <a:chExt cx="0" cy="0"/>
-        </a:xfrm>
-      </p:grpSpPr>
-      <p:sp>
-        <p:nvSpPr>
-          <p:cNvPr id="187" name="Shape 187"/>
-          <p:cNvSpPr>
-            <a:spLocks noGrp="1" noRot="1" noChangeAspect="1"/>
-          </p:cNvSpPr>
-          <p:nvPr>
-            <p:ph type="sldImg" idx="2"/>
-          </p:nvPr>
-        </p:nvSpPr>
-        <p:spPr>
-          <a:xfrm>
-            <a:off x="1143225" y="685800"/>
-            <a:ext cx="4572299" cy="3429000"/>
-          </a:xfrm>
-          <a:custGeom>
-            <a:avLst/>
-            <a:gdLst/>
-            <a:ahLst/>
-            <a:cxnLst/>
-            <a:rect l="0" t="0" r="0" b="0"/>
-            <a:pathLst>
-              <a:path w="120000" h="120000" extrusionOk="0">
-                <a:moveTo>
-                  <a:pt x="0" y="0"/>
-                </a:moveTo>
-                <a:lnTo>
-                  <a:pt x="120000" y="0"/>
-                </a:lnTo>
-                <a:lnTo>
-                  <a:pt x="120000" y="120000"/>
-                </a:lnTo>
-                <a:lnTo>
-                  <a:pt x="0" y="120000"/>
-                </a:lnTo>
-                <a:close/>
-              </a:path>
-            </a:pathLst>
-          </a:custGeom>
-        </p:spPr>
-      </p:sp>
-      <p:sp>
-        <p:nvSpPr>
-          <p:cNvPr id="188" name="Shape 188"/>
-          <p:cNvSpPr txBox="1">
-            <a:spLocks noGrp="1"/>
-          </p:cNvSpPr>
-          <p:nvPr>
-            <p:ph type="body" idx="1"/>
-          </p:nvPr>
-        </p:nvSpPr>
-        <p:spPr>
-          <a:xfrm>
-            <a:off x="685800" y="4343400"/>
-            <a:ext cx="5486399" cy="4114800"/>
-          </a:xfrm>
-          <a:prstGeom prst="rect">
-            <a:avLst/>
-          </a:prstGeom>
-        </p:spPr>
-        <p:txBody>
-          <a:bodyPr lIns="91425" tIns="91425" rIns="91425" bIns="91425" anchor="t" anchorCtr="0">
-            <a:noAutofit/>
-          </a:bodyPr>
-          <a:lstStyle/>
-          <a:p>
-            <a:pPr lvl="0">
-              <a:spcBef>
-                <a:spcPts val="0"/>
-              </a:spcBef>
-              <a:buNone/>
-            </a:pPr>
-            <a:endParaRPr/>
-          </a:p>
-        </p:txBody>
-      </p:sp>
-    </p:spTree>
-    <p:extLst>
-      <p:ext uri="{BB962C8B-B14F-4D97-AF65-F5344CB8AC3E}">
-        <p14:creationId xmlns:p14="http://schemas.microsoft.com/office/powerpoint/2010/main" val="1019947148"/>
+        <p14:creationId xmlns:p14="http://schemas.microsoft.com/office/powerpoint/2010/main" val="1820356187"/>
       </p:ext>
     </p:extLst>
   </p:cSld>
@@ -1768,324 +1658,6 @@
     <p:extLst>
       <p:ext uri="{BB962C8B-B14F-4D97-AF65-F5344CB8AC3E}">
         <p14:creationId xmlns:p14="http://schemas.microsoft.com/office/powerpoint/2010/main" val="1848282257"/>
-      </p:ext>
-    </p:extLst>
-  </p:cSld>
-  <p:clrMapOvr>
-    <a:masterClrMapping/>
-  </p:clrMapOvr>
-</p:notes>
-</file>
-
-<file path=ppt/notesSlides/notesSlide20.xml><?xml version="1.0" encoding="utf-8"?>
-<p:notes xmlns:a="http://schemas.openxmlformats.org/drawingml/2006/main" xmlns:r="http://schemas.openxmlformats.org/officeDocument/2006/relationships" xmlns:p="http://schemas.openxmlformats.org/presentationml/2006/main" showMasterSp="0" showMasterPhAnim="0">
-  <p:cSld>
-    <p:spTree>
-      <p:nvGrpSpPr>
-        <p:cNvPr id="1" name="Shape 209"/>
-        <p:cNvGrpSpPr/>
-        <p:nvPr/>
-      </p:nvGrpSpPr>
-      <p:grpSpPr>
-        <a:xfrm>
-          <a:off x="0" y="0"/>
-          <a:ext cx="0" cy="0"/>
-          <a:chOff x="0" y="0"/>
-          <a:chExt cx="0" cy="0"/>
-        </a:xfrm>
-      </p:grpSpPr>
-      <p:sp>
-        <p:nvSpPr>
-          <p:cNvPr id="210" name="Shape 210"/>
-          <p:cNvSpPr>
-            <a:spLocks noGrp="1" noRot="1" noChangeAspect="1"/>
-          </p:cNvSpPr>
-          <p:nvPr>
-            <p:ph type="sldImg" idx="2"/>
-          </p:nvPr>
-        </p:nvSpPr>
-        <p:spPr>
-          <a:xfrm>
-            <a:off x="1143225" y="685800"/>
-            <a:ext cx="4572299" cy="3429000"/>
-          </a:xfrm>
-          <a:custGeom>
-            <a:avLst/>
-            <a:gdLst/>
-            <a:ahLst/>
-            <a:cxnLst/>
-            <a:rect l="0" t="0" r="0" b="0"/>
-            <a:pathLst>
-              <a:path w="120000" h="120000" extrusionOk="0">
-                <a:moveTo>
-                  <a:pt x="0" y="0"/>
-                </a:moveTo>
-                <a:lnTo>
-                  <a:pt x="120000" y="0"/>
-                </a:lnTo>
-                <a:lnTo>
-                  <a:pt x="120000" y="120000"/>
-                </a:lnTo>
-                <a:lnTo>
-                  <a:pt x="0" y="120000"/>
-                </a:lnTo>
-                <a:close/>
-              </a:path>
-            </a:pathLst>
-          </a:custGeom>
-        </p:spPr>
-      </p:sp>
-      <p:sp>
-        <p:nvSpPr>
-          <p:cNvPr id="211" name="Shape 211"/>
-          <p:cNvSpPr txBox="1">
-            <a:spLocks noGrp="1"/>
-          </p:cNvSpPr>
-          <p:nvPr>
-            <p:ph type="body" idx="1"/>
-          </p:nvPr>
-        </p:nvSpPr>
-        <p:spPr>
-          <a:xfrm>
-            <a:off x="685800" y="4343400"/>
-            <a:ext cx="5486399" cy="4114800"/>
-          </a:xfrm>
-          <a:prstGeom prst="rect">
-            <a:avLst/>
-          </a:prstGeom>
-        </p:spPr>
-        <p:txBody>
-          <a:bodyPr lIns="91425" tIns="91425" rIns="91425" bIns="91425" anchor="t" anchorCtr="0">
-            <a:noAutofit/>
-          </a:bodyPr>
-          <a:lstStyle/>
-          <a:p>
-            <a:pPr lvl="0">
-              <a:spcBef>
-                <a:spcPts val="0"/>
-              </a:spcBef>
-              <a:buNone/>
-            </a:pPr>
-            <a:endParaRPr/>
-          </a:p>
-        </p:txBody>
-      </p:sp>
-    </p:spTree>
-    <p:extLst>
-      <p:ext uri="{BB962C8B-B14F-4D97-AF65-F5344CB8AC3E}">
-        <p14:creationId xmlns:p14="http://schemas.microsoft.com/office/powerpoint/2010/main" val="1870137475"/>
-      </p:ext>
-    </p:extLst>
-  </p:cSld>
-  <p:clrMapOvr>
-    <a:masterClrMapping/>
-  </p:clrMapOvr>
-</p:notes>
-</file>
-
-<file path=ppt/notesSlides/notesSlide21.xml><?xml version="1.0" encoding="utf-8"?>
-<p:notes xmlns:a="http://schemas.openxmlformats.org/drawingml/2006/main" xmlns:r="http://schemas.openxmlformats.org/officeDocument/2006/relationships" xmlns:p="http://schemas.openxmlformats.org/presentationml/2006/main" showMasterSp="0" showMasterPhAnim="0">
-  <p:cSld>
-    <p:spTree>
-      <p:nvGrpSpPr>
-        <p:cNvPr id="1" name="Shape 284"/>
-        <p:cNvGrpSpPr/>
-        <p:nvPr/>
-      </p:nvGrpSpPr>
-      <p:grpSpPr>
-        <a:xfrm>
-          <a:off x="0" y="0"/>
-          <a:ext cx="0" cy="0"/>
-          <a:chOff x="0" y="0"/>
-          <a:chExt cx="0" cy="0"/>
-        </a:xfrm>
-      </p:grpSpPr>
-      <p:sp>
-        <p:nvSpPr>
-          <p:cNvPr id="285" name="Shape 285"/>
-          <p:cNvSpPr>
-            <a:spLocks noGrp="1" noRot="1" noChangeAspect="1"/>
-          </p:cNvSpPr>
-          <p:nvPr>
-            <p:ph type="sldImg" idx="2"/>
-          </p:nvPr>
-        </p:nvSpPr>
-        <p:spPr>
-          <a:xfrm>
-            <a:off x="1143225" y="685800"/>
-            <a:ext cx="4572299" cy="3429000"/>
-          </a:xfrm>
-          <a:custGeom>
-            <a:avLst/>
-            <a:gdLst/>
-            <a:ahLst/>
-            <a:cxnLst/>
-            <a:rect l="0" t="0" r="0" b="0"/>
-            <a:pathLst>
-              <a:path w="120000" h="120000" extrusionOk="0">
-                <a:moveTo>
-                  <a:pt x="0" y="0"/>
-                </a:moveTo>
-                <a:lnTo>
-                  <a:pt x="120000" y="0"/>
-                </a:lnTo>
-                <a:lnTo>
-                  <a:pt x="120000" y="120000"/>
-                </a:lnTo>
-                <a:lnTo>
-                  <a:pt x="0" y="120000"/>
-                </a:lnTo>
-                <a:close/>
-              </a:path>
-            </a:pathLst>
-          </a:custGeom>
-        </p:spPr>
-      </p:sp>
-      <p:sp>
-        <p:nvSpPr>
-          <p:cNvPr id="286" name="Shape 286"/>
-          <p:cNvSpPr txBox="1">
-            <a:spLocks noGrp="1"/>
-          </p:cNvSpPr>
-          <p:nvPr>
-            <p:ph type="body" idx="1"/>
-          </p:nvPr>
-        </p:nvSpPr>
-        <p:spPr>
-          <a:xfrm>
-            <a:off x="685800" y="4343400"/>
-            <a:ext cx="5486399" cy="4114800"/>
-          </a:xfrm>
-          <a:prstGeom prst="rect">
-            <a:avLst/>
-          </a:prstGeom>
-        </p:spPr>
-        <p:txBody>
-          <a:bodyPr lIns="91425" tIns="91425" rIns="91425" bIns="91425" anchor="t" anchorCtr="0">
-            <a:noAutofit/>
-          </a:bodyPr>
-          <a:lstStyle/>
-          <a:p>
-            <a:pPr lvl="0">
-              <a:spcBef>
-                <a:spcPts val="0"/>
-              </a:spcBef>
-              <a:buNone/>
-            </a:pPr>
-            <a:endParaRPr/>
-          </a:p>
-        </p:txBody>
-      </p:sp>
-    </p:spTree>
-    <p:extLst>
-      <p:ext uri="{BB962C8B-B14F-4D97-AF65-F5344CB8AC3E}">
-        <p14:creationId xmlns:p14="http://schemas.microsoft.com/office/powerpoint/2010/main" val="1820356187"/>
-      </p:ext>
-    </p:extLst>
-  </p:cSld>
-  <p:clrMapOvr>
-    <a:masterClrMapping/>
-  </p:clrMapOvr>
-</p:notes>
-</file>
-
-<file path=ppt/notesSlides/notesSlide22.xml><?xml version="1.0" encoding="utf-8"?>
-<p:notes xmlns:a="http://schemas.openxmlformats.org/drawingml/2006/main" xmlns:r="http://schemas.openxmlformats.org/officeDocument/2006/relationships" xmlns:p="http://schemas.openxmlformats.org/presentationml/2006/main" showMasterSp="0" showMasterPhAnim="0">
-  <p:cSld>
-    <p:spTree>
-      <p:nvGrpSpPr>
-        <p:cNvPr id="1" name="Shape 291"/>
-        <p:cNvGrpSpPr/>
-        <p:nvPr/>
-      </p:nvGrpSpPr>
-      <p:grpSpPr>
-        <a:xfrm>
-          <a:off x="0" y="0"/>
-          <a:ext cx="0" cy="0"/>
-          <a:chOff x="0" y="0"/>
-          <a:chExt cx="0" cy="0"/>
-        </a:xfrm>
-      </p:grpSpPr>
-      <p:sp>
-        <p:nvSpPr>
-          <p:cNvPr id="292" name="Shape 292"/>
-          <p:cNvSpPr>
-            <a:spLocks noGrp="1" noRot="1" noChangeAspect="1"/>
-          </p:cNvSpPr>
-          <p:nvPr>
-            <p:ph type="sldImg" idx="2"/>
-          </p:nvPr>
-        </p:nvSpPr>
-        <p:spPr>
-          <a:xfrm>
-            <a:off x="1143225" y="685800"/>
-            <a:ext cx="4572299" cy="3429000"/>
-          </a:xfrm>
-          <a:custGeom>
-            <a:avLst/>
-            <a:gdLst/>
-            <a:ahLst/>
-            <a:cxnLst/>
-            <a:rect l="0" t="0" r="0" b="0"/>
-            <a:pathLst>
-              <a:path w="120000" h="120000" extrusionOk="0">
-                <a:moveTo>
-                  <a:pt x="0" y="0"/>
-                </a:moveTo>
-                <a:lnTo>
-                  <a:pt x="120000" y="0"/>
-                </a:lnTo>
-                <a:lnTo>
-                  <a:pt x="120000" y="120000"/>
-                </a:lnTo>
-                <a:lnTo>
-                  <a:pt x="0" y="120000"/>
-                </a:lnTo>
-                <a:close/>
-              </a:path>
-            </a:pathLst>
-          </a:custGeom>
-        </p:spPr>
-      </p:sp>
-      <p:sp>
-        <p:nvSpPr>
-          <p:cNvPr id="293" name="Shape 293"/>
-          <p:cNvSpPr txBox="1">
-            <a:spLocks noGrp="1"/>
-          </p:cNvSpPr>
-          <p:nvPr>
-            <p:ph type="body" idx="1"/>
-          </p:nvPr>
-        </p:nvSpPr>
-        <p:spPr>
-          <a:xfrm>
-            <a:off x="685800" y="4343400"/>
-            <a:ext cx="5486399" cy="4114800"/>
-          </a:xfrm>
-          <a:prstGeom prst="rect">
-            <a:avLst/>
-          </a:prstGeom>
-        </p:spPr>
-        <p:txBody>
-          <a:bodyPr lIns="91425" tIns="91425" rIns="91425" bIns="91425" anchor="t" anchorCtr="0">
-            <a:noAutofit/>
-          </a:bodyPr>
-          <a:lstStyle/>
-          <a:p>
-            <a:pPr lvl="0">
-              <a:spcBef>
-                <a:spcPts val="0"/>
-              </a:spcBef>
-              <a:buNone/>
-            </a:pPr>
-            <a:endParaRPr/>
-          </a:p>
-        </p:txBody>
-      </p:sp>
-    </p:spTree>
-    <p:extLst>
-      <p:ext uri="{BB962C8B-B14F-4D97-AF65-F5344CB8AC3E}">
-        <p14:creationId xmlns:p14="http://schemas.microsoft.com/office/powerpoint/2010/main" val="1674399747"/>
       </p:ext>
     </p:extLst>
   </p:cSld>
@@ -6575,8 +6147,25 @@
                   </a:schemeClr>
                 </a:solidFill>
               </a:rPr>
-              <a:t>Vaibhav Kulkarni – DopLab</a:t>
+              <a:t>Vaibhav Kulkarni </a:t>
             </a:r>
+            <a:endParaRPr lang="en-US" sz="2000" dirty="0" smtClean="0">
+              <a:solidFill>
+                <a:schemeClr val="accent4">
+                  <a:lumMod val="75000"/>
+                </a:schemeClr>
+              </a:solidFill>
+            </a:endParaRPr>
+          </a:p>
+          <a:p>
+            <a:pPr algn="ctr"/>
+            <a:endParaRPr lang="en-US" sz="2000" dirty="0" smtClean="0">
+              <a:solidFill>
+                <a:schemeClr val="accent4">
+                  <a:lumMod val="75000"/>
+                </a:schemeClr>
+              </a:solidFill>
+            </a:endParaRPr>
           </a:p>
           <a:p>
             <a:pPr algn="ctr"/>
@@ -6586,7 +6175,15 @@
                   <a:schemeClr val="bg1"/>
                 </a:solidFill>
               </a:rPr>
-              <a:t>Advisor: Prof. </a:t>
+              <a:t>Advisor</a:t>
+            </a:r>
+            <a:r>
+              <a:rPr lang="en-US" sz="2000" dirty="0" smtClean="0">
+                <a:solidFill>
+                  <a:schemeClr val="bg1"/>
+                </a:solidFill>
+              </a:rPr>
+              <a:t>: Prof. </a:t>
             </a:r>
             <a:r>
               <a:rPr lang="en-US" sz="2000" dirty="0">
@@ -6653,7 +6250,7 @@
         </p:nvSpPr>
         <p:spPr>
           <a:xfrm>
-            <a:off x="1183334" y="155174"/>
+            <a:off x="928145" y="155174"/>
             <a:ext cx="6767100" cy="709799"/>
           </a:xfrm>
           <a:prstGeom prst="rect">
@@ -6673,14 +6270,10 @@
               <a:buNone/>
             </a:pPr>
             <a:r>
-              <a:rPr lang="en-US" dirty="0" smtClean="0"/>
-              <a:t>21 October </a:t>
+              <a:rPr lang="en-US" sz="2800" dirty="0" smtClean="0"/>
+              <a:t>21 October 2015</a:t>
             </a:r>
-            <a:r>
-              <a:rPr lang="en-US" dirty="0" smtClean="0"/>
-              <a:t>2015</a:t>
-            </a:r>
-            <a:endParaRPr lang="en" dirty="0"/>
+            <a:endParaRPr lang="en" sz="2800" dirty="0"/>
           </a:p>
         </p:txBody>
       </p:sp>
@@ -10194,10 +9787,10 @@
               <a:buNone/>
             </a:pPr>
             <a:r>
-              <a:rPr lang="en-US" sz="2000" dirty="0" smtClean="0"/>
+              <a:rPr lang="en-US" sz="2800" dirty="0" smtClean="0"/>
               <a:t>Deep Neural Networks</a:t>
             </a:r>
-            <a:endParaRPr lang="en" sz="2000" dirty="0"/>
+            <a:endParaRPr lang="en" sz="2800" dirty="0"/>
           </a:p>
         </p:txBody>
       </p:sp>
@@ -11703,10 +11296,10 @@
               <a:buNone/>
             </a:pPr>
             <a:r>
-              <a:rPr lang="en-US" sz="2400" dirty="0" smtClean="0"/>
+              <a:rPr lang="en-US" sz="2800" dirty="0" smtClean="0"/>
               <a:t>Parameter Training</a:t>
             </a:r>
-            <a:endParaRPr lang="en" sz="2400" dirty="0"/>
+            <a:endParaRPr lang="en" sz="2800" dirty="0"/>
           </a:p>
         </p:txBody>
       </p:sp>
@@ -15029,8 +14622,8 @@
           </a:p>
         </p:txBody>
       </p:sp>
-      <mc:AlternateContent xmlns:mc="http://schemas.openxmlformats.org/markup-compatibility/2006">
-        <mc:Choice xmlns:a14="http://schemas.microsoft.com/office/drawing/2010/main" Requires="a14">
+      <mc:AlternateContent xmlns:mc="http://schemas.openxmlformats.org/markup-compatibility/2006" xmlns:a14="http://schemas.microsoft.com/office/drawing/2010/main">
+        <mc:Choice Requires="a14">
           <p:sp>
             <p:nvSpPr>
               <p:cNvPr id="173" name="TextBox 172"/>
@@ -15053,6 +14646,7 @@
               </a:bodyPr>
               <a:lstStyle/>
               <a:p>
+                <a:pPr/>
                 <a14:m>
                   <m:oMathPara xmlns:m="http://schemas.openxmlformats.org/officeDocument/2006/math">
                     <m:oMathParaPr>
@@ -15158,7 +14752,7 @@
             </p:txBody>
           </p:sp>
         </mc:Choice>
-        <mc:Fallback>
+        <mc:Fallback xmlns="">
           <p:sp>
             <p:nvSpPr>
               <p:cNvPr id="173" name="TextBox 172"/>
@@ -15249,8 +14843,8 @@
           </a:p>
         </p:txBody>
       </p:sp>
-      <mc:AlternateContent xmlns:mc="http://schemas.openxmlformats.org/markup-compatibility/2006">
-        <mc:Choice xmlns:a14="http://schemas.microsoft.com/office/drawing/2010/main" Requires="a14">
+      <mc:AlternateContent xmlns:mc="http://schemas.openxmlformats.org/markup-compatibility/2006" xmlns:a14="http://schemas.microsoft.com/office/drawing/2010/main">
+        <mc:Choice Requires="a14">
           <p:sp>
             <p:nvSpPr>
               <p:cNvPr id="175" name="TextBox 174"/>
@@ -15273,6 +14867,7 @@
               </a:bodyPr>
               <a:lstStyle/>
               <a:p>
+                <a:pPr/>
                 <a14:m>
                   <m:oMathPara xmlns:m="http://schemas.openxmlformats.org/officeDocument/2006/math">
                     <m:oMathParaPr>
@@ -15513,7 +15108,7 @@
             </p:txBody>
           </p:sp>
         </mc:Choice>
-        <mc:Fallback>
+        <mc:Fallback xmlns="">
           <p:sp>
             <p:nvSpPr>
               <p:cNvPr id="175" name="TextBox 174"/>
@@ -15860,8 +15455,8 @@
         </p:nvSpPr>
         <p:spPr>
           <a:xfrm>
-            <a:off x="903708" y="313901"/>
-            <a:ext cx="6858000" cy="459900"/>
+            <a:off x="1056907" y="556970"/>
+            <a:ext cx="6858000" cy="791706"/>
           </a:xfrm>
           <a:prstGeom prst="rect">
             <a:avLst/>
@@ -15875,22 +15470,33 @@
           <a:p>
             <a:pPr lvl="0"/>
             <a:r>
-              <a:rPr lang="en-US" dirty="0"/>
-              <a:t>Distributed Selective </a:t>
+              <a:rPr lang="en-US" sz="2400" dirty="0"/>
+              <a:t>Distributed </a:t>
             </a:r>
             <a:r>
-              <a:rPr lang="en-US" dirty="0" smtClean="0"/>
+              <a:rPr lang="en-US" sz="2400"/>
+              <a:t>Selective </a:t>
+            </a:r>
+            <a:r>
+              <a:rPr lang="en-US" sz="2400" smtClean="0"/>
+              <a:t/>
+            </a:r>
+            <a:br>
+              <a:rPr lang="en-US" sz="2400" smtClean="0"/>
+            </a:br>
+            <a:r>
+              <a:rPr lang="en-US" sz="2400" smtClean="0"/>
               <a:t>SGD </a:t>
             </a:r>
             <a:r>
-              <a:rPr lang="en-US" dirty="0" smtClean="0">
+              <a:rPr lang="en-US" sz="2400" dirty="0" smtClean="0">
                 <a:solidFill>
                   <a:srgbClr val="39C0BA"/>
                 </a:solidFill>
               </a:rPr>
               <a:t>Architecture</a:t>
             </a:r>
-            <a:endParaRPr lang="en" dirty="0">
+            <a:endParaRPr lang="en" sz="2400" dirty="0">
               <a:solidFill>
                 <a:srgbClr val="39C0BA"/>
               </a:solidFill>
@@ -19867,8 +19473,8 @@
         </p:nvSpPr>
         <p:spPr>
           <a:xfrm>
-            <a:off x="4813512" y="4013661"/>
-            <a:ext cx="4244574" cy="1908215"/>
+            <a:off x="4485907" y="4039451"/>
+            <a:ext cx="4244574" cy="1692771"/>
           </a:xfrm>
           <a:prstGeom prst="rect">
             <a:avLst/>
@@ -19922,25 +19528,8 @@
                   </a:schemeClr>
                 </a:solidFill>
               </a:rPr>
-              <a:t>High training </a:t>
+              <a:t>High training stochasticity</a:t>
             </a:r>
-            <a:r>
-              <a:rPr lang="en-US" sz="1800" dirty="0" err="1" smtClean="0">
-                <a:solidFill>
-                  <a:schemeClr val="bg1">
-                    <a:lumMod val="95000"/>
-                  </a:schemeClr>
-                </a:solidFill>
-              </a:rPr>
-              <a:t>stochasticity</a:t>
-            </a:r>
-            <a:endParaRPr lang="en-US" sz="1800" dirty="0" smtClean="0">
-              <a:solidFill>
-                <a:schemeClr val="bg1">
-                  <a:lumMod val="95000"/>
-                </a:schemeClr>
-              </a:solidFill>
-            </a:endParaRPr>
           </a:p>
           <a:p>
             <a:pPr marL="285750" indent="-285750">
@@ -19971,14 +19560,14 @@
               <a:t>Less </a:t>
             </a:r>
             <a:r>
-              <a:rPr lang="en-US" sz="1800" dirty="0" err="1" smtClean="0">
+              <a:rPr lang="en-US" sz="1800" dirty="0" smtClean="0">
                 <a:solidFill>
                   <a:schemeClr val="bg1">
                     <a:lumMod val="95000"/>
                   </a:schemeClr>
                 </a:solidFill>
               </a:rPr>
-              <a:t>overfitting</a:t>
+              <a:t>over-fitting</a:t>
             </a:r>
             <a:endParaRPr lang="en-US" sz="1800" dirty="0" smtClean="0">
               <a:solidFill>
@@ -19989,18 +19578,7 @@
             </a:endParaRPr>
           </a:p>
           <a:p>
-            <a:pPr marL="285750" indent="-285750">
-              <a:buFont typeface="Wingdings" charset="2"/>
-              <a:buChar char="§"/>
-            </a:pPr>
             <a:endParaRPr lang="en-US" dirty="0"/>
-          </a:p>
-          <a:p>
-            <a:pPr marL="285750" indent="-285750">
-              <a:buFont typeface="Wingdings" charset="2"/>
-              <a:buChar char="§"/>
-            </a:pPr>
-            <a:endParaRPr lang="hy-AM" dirty="0"/>
           </a:p>
         </p:txBody>
       </p:sp>
@@ -20056,7 +19634,7 @@
         </p:nvSpPr>
         <p:spPr>
           <a:xfrm>
-            <a:off x="1739621" y="304943"/>
+            <a:off x="1153036" y="285109"/>
             <a:ext cx="6858000" cy="459900"/>
           </a:xfrm>
           <a:prstGeom prst="rect">
@@ -20075,6 +19653,10 @@
               </a:spcBef>
               <a:buNone/>
             </a:pPr>
+            <a:r>
+              <a:rPr lang="en-US" sz="2400" dirty="0" smtClean="0"/>
+              <a:t>Results !</a:t>
+            </a:r>
             <a:endParaRPr lang="en" sz="2400" dirty="0"/>
           </a:p>
         </p:txBody>
@@ -21473,10 +21055,10 @@
               <a:buNone/>
             </a:pPr>
             <a:r>
-              <a:rPr lang="en-US" sz="2000" dirty="0" smtClean="0"/>
+              <a:rPr lang="en-US" sz="2800" dirty="0" smtClean="0"/>
               <a:t>Indirect Information Leakage </a:t>
             </a:r>
-            <a:endParaRPr lang="en" sz="2000" dirty="0"/>
+            <a:endParaRPr lang="en" sz="2800" dirty="0"/>
           </a:p>
         </p:txBody>
       </p:sp>
@@ -24458,9 +24040,7 @@
           </a:solidFill>
           <a:ln>
             <a:solidFill>
-              <a:schemeClr val="accent1">
-                <a:shade val="50000"/>
-              </a:schemeClr>
+              <a:schemeClr val="accent3"/>
             </a:solidFill>
           </a:ln>
         </p:spPr>
@@ -24508,6 +24088,11 @@
               <a:alpha val="9000"/>
             </a:schemeClr>
           </a:solidFill>
+          <a:ln>
+            <a:solidFill>
+              <a:srgbClr val="C00000"/>
+            </a:solidFill>
+          </a:ln>
         </p:spPr>
         <p:style>
           <a:lnRef idx="2">
@@ -24542,7 +24127,7 @@
         </p:nvSpPr>
         <p:spPr>
           <a:xfrm>
-            <a:off x="3345209" y="5599447"/>
+            <a:off x="3343146" y="5592020"/>
             <a:ext cx="1025574" cy="954107"/>
           </a:xfrm>
           <a:prstGeom prst="rect">
@@ -24621,7 +24206,7 @@
         </p:nvSpPr>
         <p:spPr>
           <a:xfrm>
-            <a:off x="4911158" y="5599447"/>
+            <a:off x="4905299" y="5594039"/>
             <a:ext cx="1025574" cy="954107"/>
           </a:xfrm>
           <a:prstGeom prst="rect">
@@ -24744,8 +24329,8 @@
         </p:nvSpPr>
         <p:spPr>
           <a:xfrm>
-            <a:off x="1165475" y="665975"/>
-            <a:ext cx="6858000" cy="459900"/>
+            <a:off x="1165475" y="223284"/>
+            <a:ext cx="6858000" cy="902591"/>
           </a:xfrm>
           <a:prstGeom prst="rect">
             <a:avLst/>
@@ -24764,10 +24349,10 @@
               <a:buNone/>
             </a:pPr>
             <a:r>
-              <a:rPr lang="en-US" sz="2000" dirty="0" smtClean="0"/>
+              <a:rPr lang="en-US" sz="2400" dirty="0" smtClean="0"/>
               <a:t>Indirect Information Leakage – Differentially private comparison</a:t>
             </a:r>
-            <a:endParaRPr lang="en" sz="2000" dirty="0"/>
+            <a:endParaRPr lang="en" sz="2400" dirty="0"/>
           </a:p>
         </p:txBody>
       </p:sp>
@@ -27748,7 +27333,7 @@
   <p:cSld>
     <p:spTree>
       <p:nvGrpSpPr>
-        <p:cNvPr id="1" name="Shape 134"/>
+        <p:cNvPr id="1" name="Shape 158"/>
         <p:cNvGrpSpPr/>
         <p:nvPr/>
       </p:nvGrpSpPr>
@@ -27762,21 +27347,22 @@
       </p:grpSpPr>
       <p:pic>
         <p:nvPicPr>
-          <p:cNvPr id="135" name="Shape 135"/>
+          <p:cNvPr id="159" name="Shape 159"/>
           <p:cNvPicPr preferRelativeResize="0"/>
           <p:nvPr/>
         </p:nvPicPr>
-        <p:blipFill rotWithShape="1">
+        <p:blipFill>
           <a:blip r:embed="rId3">
-            <a:alphaModFix amt="79000"/>
+            <a:alphaModFix amt="38000"/>
           </a:blip>
-          <a:srcRect l="9861" t="20672" b="4320"/>
-          <a:stretch/>
+          <a:stretch>
+            <a:fillRect/>
+          </a:stretch>
         </p:blipFill>
         <p:spPr>
           <a:xfrm>
-            <a:off x="902821" y="0"/>
-            <a:ext cx="8242124" cy="6858000"/>
+            <a:off x="1165475" y="1413100"/>
+            <a:ext cx="7978526" cy="4031798"/>
           </a:xfrm>
           <a:prstGeom prst="rect">
             <a:avLst/>
@@ -27787,123 +27373,9 @@
           </a:ln>
         </p:spPr>
       </p:pic>
-      <p:grpSp>
-        <p:nvGrpSpPr>
-          <p:cNvPr id="137" name="Shape 137"/>
-          <p:cNvGrpSpPr/>
-          <p:nvPr/>
-        </p:nvGrpSpPr>
-        <p:grpSpPr>
-          <a:xfrm>
-            <a:off x="800299" y="-7800"/>
-            <a:ext cx="190200" cy="6857700"/>
-            <a:chOff x="808650" y="-7800"/>
-            <a:chExt cx="190200" cy="6857700"/>
-          </a:xfrm>
-        </p:grpSpPr>
-        <p:sp>
-          <p:nvSpPr>
-            <p:cNvPr id="138" name="Shape 138"/>
-            <p:cNvSpPr/>
-            <p:nvPr/>
-          </p:nvSpPr>
-          <p:spPr>
-            <a:xfrm>
-              <a:off x="808650" y="3333900"/>
-              <a:ext cx="190200" cy="190200"/>
-            </a:xfrm>
-            <a:prstGeom prst="ellipse">
-              <a:avLst/>
-            </a:prstGeom>
-            <a:solidFill>
-              <a:srgbClr val="39C0BA"/>
-            </a:solidFill>
-            <a:ln w="9525" cap="flat" cmpd="sng">
-              <a:solidFill>
-                <a:srgbClr val="FFFFFF"/>
-              </a:solidFill>
-              <a:prstDash val="solid"/>
-              <a:round/>
-              <a:headEnd type="none" w="med" len="med"/>
-              <a:tailEnd type="none" w="med" len="med"/>
-            </a:ln>
-          </p:spPr>
-          <p:txBody>
-            <a:bodyPr lIns="91425" tIns="91425" rIns="91425" bIns="91425" anchor="ctr" anchorCtr="0">
-              <a:noAutofit/>
-            </a:bodyPr>
-            <a:lstStyle/>
-            <a:p>
-              <a:pPr lvl="0">
-                <a:spcBef>
-                  <a:spcPts val="0"/>
-                </a:spcBef>
-                <a:buNone/>
-              </a:pPr>
-              <a:endParaRPr/>
-            </a:p>
-          </p:txBody>
-        </p:sp>
-        <p:cxnSp>
-          <p:nvCxnSpPr>
-            <p:cNvPr id="139" name="Shape 139"/>
-            <p:cNvCxnSpPr>
-              <a:endCxn id="138" idx="0"/>
-            </p:cNvCxnSpPr>
-            <p:nvPr/>
-          </p:nvCxnSpPr>
-          <p:spPr>
-            <a:xfrm>
-              <a:off x="903750" y="-7800"/>
-              <a:ext cx="0" cy="3341700"/>
-            </a:xfrm>
-            <a:prstGeom prst="straightConnector1">
-              <a:avLst/>
-            </a:prstGeom>
-            <a:noFill/>
-            <a:ln w="9525" cap="flat" cmpd="sng">
-              <a:solidFill>
-                <a:srgbClr val="FFFFFF"/>
-              </a:solidFill>
-              <a:prstDash val="solid"/>
-              <a:round/>
-              <a:headEnd type="none" w="lg" len="lg"/>
-              <a:tailEnd type="none" w="lg" len="lg"/>
-            </a:ln>
-          </p:spPr>
-        </p:cxnSp>
-        <p:cxnSp>
-          <p:nvCxnSpPr>
-            <p:cNvPr id="140" name="Shape 140"/>
-            <p:cNvCxnSpPr>
-              <a:stCxn id="138" idx="4"/>
-            </p:cNvCxnSpPr>
-            <p:nvPr/>
-          </p:nvCxnSpPr>
-          <p:spPr>
-            <a:xfrm>
-              <a:off x="903750" y="3524100"/>
-              <a:ext cx="0" cy="3325800"/>
-            </a:xfrm>
-            <a:prstGeom prst="straightConnector1">
-              <a:avLst/>
-            </a:prstGeom>
-            <a:noFill/>
-            <a:ln w="9525" cap="flat" cmpd="sng">
-              <a:solidFill>
-                <a:srgbClr val="FFFFFF"/>
-              </a:solidFill>
-              <a:prstDash val="solid"/>
-              <a:round/>
-              <a:headEnd type="none" w="lg" len="lg"/>
-              <a:tailEnd type="none" w="lg" len="lg"/>
-            </a:ln>
-          </p:spPr>
-        </p:cxnSp>
-      </p:grpSp>
       <p:sp>
         <p:nvSpPr>
-          <p:cNvPr id="8" name="TextBox 7"/>
+          <p:cNvPr id="23" name="TextBox 22"/>
           <p:cNvSpPr txBox="1"/>
           <p:nvPr/>
         </p:nvSpPr>
@@ -27954,13 +27426,13 @@
       </p:sp>
       <p:sp>
         <p:nvSpPr>
-          <p:cNvPr id="2" name="TextBox 1"/>
+          <p:cNvPr id="24" name="TextBox 23"/>
           <p:cNvSpPr txBox="1"/>
           <p:nvPr/>
         </p:nvSpPr>
         <p:spPr>
           <a:xfrm>
-            <a:off x="1149624" y="757771"/>
+            <a:off x="1108656" y="672707"/>
             <a:ext cx="7836195" cy="4832092"/>
           </a:xfrm>
           <a:prstGeom prst="rect">
@@ -28106,11 +27578,6 @@
         </p:txBody>
       </p:sp>
     </p:spTree>
-    <p:extLst>
-      <p:ext uri="{BB962C8B-B14F-4D97-AF65-F5344CB8AC3E}">
-        <p14:creationId xmlns:p14="http://schemas.microsoft.com/office/powerpoint/2010/main" val="1413083662"/>
-      </p:ext>
-    </p:extLst>
   </p:cSld>
   <p:clrMapOvr>
     <a:masterClrMapping/>
@@ -28131,677 +27598,17 @@
 <file path=ppt/slides/slide18.xml><?xml version="1.0" encoding="utf-8"?>
 <p:sld xmlns:a="http://schemas.openxmlformats.org/drawingml/2006/main" xmlns:r="http://schemas.openxmlformats.org/officeDocument/2006/relationships" xmlns:p="http://schemas.openxmlformats.org/presentationml/2006/main">
   <p:cSld>
+    <p:bg>
+      <p:bgPr>
+        <a:solidFill>
+          <a:srgbClr val="2D3037"/>
+        </a:solidFill>
+        <a:effectLst/>
+      </p:bgPr>
+    </p:bg>
     <p:spTree>
       <p:nvGrpSpPr>
-        <p:cNvPr id="1" name="Shape 158"/>
-        <p:cNvGrpSpPr/>
-        <p:nvPr/>
-      </p:nvGrpSpPr>
-      <p:grpSpPr>
-        <a:xfrm>
-          <a:off x="0" y="0"/>
-          <a:ext cx="0" cy="0"/>
-          <a:chOff x="0" y="0"/>
-          <a:chExt cx="0" cy="0"/>
-        </a:xfrm>
-      </p:grpSpPr>
-      <p:pic>
-        <p:nvPicPr>
-          <p:cNvPr id="159" name="Shape 159"/>
-          <p:cNvPicPr preferRelativeResize="0"/>
-          <p:nvPr/>
-        </p:nvPicPr>
-        <p:blipFill>
-          <a:blip r:embed="rId3">
-            <a:alphaModFix amt="38000"/>
-          </a:blip>
-          <a:stretch>
-            <a:fillRect/>
-          </a:stretch>
-        </p:blipFill>
-        <p:spPr>
-          <a:xfrm>
-            <a:off x="1165475" y="1413100"/>
-            <a:ext cx="7978526" cy="4031798"/>
-          </a:xfrm>
-          <a:prstGeom prst="rect">
-            <a:avLst/>
-          </a:prstGeom>
-          <a:noFill/>
-          <a:ln>
-            <a:noFill/>
-          </a:ln>
-        </p:spPr>
-      </p:pic>
-      <p:sp>
-        <p:nvSpPr>
-          <p:cNvPr id="160" name="Shape 160"/>
-          <p:cNvSpPr txBox="1">
-            <a:spLocks noGrp="1"/>
-          </p:cNvSpPr>
-          <p:nvPr>
-            <p:ph type="title"/>
-          </p:nvPr>
-        </p:nvSpPr>
-        <p:spPr>
-          <a:xfrm>
-            <a:off x="1165475" y="665975"/>
-            <a:ext cx="6858000" cy="459900"/>
-          </a:xfrm>
-          <a:prstGeom prst="rect">
-            <a:avLst/>
-          </a:prstGeom>
-        </p:spPr>
-        <p:txBody>
-          <a:bodyPr lIns="91425" tIns="91425" rIns="91425" bIns="91425" anchor="b" anchorCtr="0">
-            <a:noAutofit/>
-          </a:bodyPr>
-          <a:lstStyle/>
-          <a:p>
-            <a:pPr lvl="0" rtl="0">
-              <a:spcBef>
-                <a:spcPts val="0"/>
-              </a:spcBef>
-              <a:buNone/>
-            </a:pPr>
-            <a:r>
-              <a:rPr lang="en"/>
-              <a:t>MAPS</a:t>
-            </a:r>
-          </a:p>
-        </p:txBody>
-      </p:sp>
-      <p:sp>
-        <p:nvSpPr>
-          <p:cNvPr id="161" name="Shape 161"/>
-          <p:cNvSpPr/>
-          <p:nvPr/>
-        </p:nvSpPr>
-        <p:spPr>
-          <a:xfrm>
-            <a:off x="2517200" y="2473650"/>
-            <a:ext cx="701999" cy="270000"/>
-          </a:xfrm>
-          <a:prstGeom prst="wedgeRectCallout">
-            <a:avLst>
-              <a:gd name="adj1" fmla="val -21428"/>
-              <a:gd name="adj2" fmla="val 84287"/>
-            </a:avLst>
-          </a:prstGeom>
-          <a:solidFill>
-            <a:srgbClr val="39C0BA"/>
-          </a:solidFill>
-          <a:ln>
-            <a:noFill/>
-          </a:ln>
-        </p:spPr>
-        <p:txBody>
-          <a:bodyPr lIns="91425" tIns="91425" rIns="91425" bIns="91425" anchor="ctr" anchorCtr="0">
-            <a:noAutofit/>
-          </a:bodyPr>
-          <a:lstStyle/>
-          <a:p>
-            <a:pPr lvl="0">
-              <a:spcBef>
-                <a:spcPts val="0"/>
-              </a:spcBef>
-              <a:buNone/>
-            </a:pPr>
-            <a:r>
-              <a:rPr lang="en" sz="800" b="1">
-                <a:solidFill>
-                  <a:srgbClr val="F3F3F3"/>
-                </a:solidFill>
-                <a:latin typeface="Quicksand"/>
-                <a:ea typeface="Quicksand"/>
-                <a:cs typeface="Quicksand"/>
-                <a:sym typeface="Quicksand"/>
-              </a:rPr>
-              <a:t>our office</a:t>
-            </a:r>
-          </a:p>
-        </p:txBody>
-      </p:sp>
-      <p:grpSp>
-        <p:nvGrpSpPr>
-          <p:cNvPr id="162" name="Shape 162"/>
-          <p:cNvGrpSpPr/>
-          <p:nvPr/>
-        </p:nvGrpSpPr>
-        <p:grpSpPr>
-          <a:xfrm>
-            <a:off x="2018475" y="2678800"/>
-            <a:ext cx="121500" cy="340500"/>
-            <a:chOff x="1532100" y="3453325"/>
-            <a:chExt cx="121500" cy="340500"/>
-          </a:xfrm>
-        </p:grpSpPr>
-        <p:sp>
-          <p:nvSpPr>
-            <p:cNvPr id="163" name="Shape 163"/>
-            <p:cNvSpPr/>
-            <p:nvPr/>
-          </p:nvSpPr>
-          <p:spPr>
-            <a:xfrm>
-              <a:off x="1532100" y="3453325"/>
-              <a:ext cx="121500" cy="121500"/>
-            </a:xfrm>
-            <a:prstGeom prst="ellipse">
-              <a:avLst/>
-            </a:prstGeom>
-            <a:solidFill>
-              <a:srgbClr val="39C0BA"/>
-            </a:solidFill>
-            <a:ln w="28575" cap="flat" cmpd="sng">
-              <a:solidFill>
-                <a:srgbClr val="2E3037"/>
-              </a:solidFill>
-              <a:prstDash val="solid"/>
-              <a:round/>
-              <a:headEnd type="none" w="med" len="med"/>
-              <a:tailEnd type="none" w="med" len="med"/>
-            </a:ln>
-          </p:spPr>
-          <p:txBody>
-            <a:bodyPr lIns="91425" tIns="91425" rIns="91425" bIns="91425" anchor="ctr" anchorCtr="0">
-              <a:noAutofit/>
-            </a:bodyPr>
-            <a:lstStyle/>
-            <a:p>
-              <a:pPr lvl="0">
-                <a:spcBef>
-                  <a:spcPts val="0"/>
-                </a:spcBef>
-                <a:buNone/>
-              </a:pPr>
-              <a:endParaRPr/>
-            </a:p>
-          </p:txBody>
-        </p:sp>
-        <p:cxnSp>
-          <p:nvCxnSpPr>
-            <p:cNvPr id="164" name="Shape 164"/>
-            <p:cNvCxnSpPr>
-              <a:stCxn id="163" idx="4"/>
-            </p:cNvCxnSpPr>
-            <p:nvPr/>
-          </p:nvCxnSpPr>
-          <p:spPr>
-            <a:xfrm>
-              <a:off x="1592850" y="3574825"/>
-              <a:ext cx="0" cy="219000"/>
-            </a:xfrm>
-            <a:prstGeom prst="straightConnector1">
-              <a:avLst/>
-            </a:prstGeom>
-            <a:noFill/>
-            <a:ln w="9525" cap="flat" cmpd="sng">
-              <a:solidFill>
-                <a:srgbClr val="999FA9"/>
-              </a:solidFill>
-              <a:prstDash val="solid"/>
-              <a:round/>
-              <a:headEnd type="none" w="med" len="med"/>
-              <a:tailEnd type="oval" w="med" len="med"/>
-            </a:ln>
-          </p:spPr>
-        </p:cxnSp>
-      </p:grpSp>
-      <p:grpSp>
-        <p:nvGrpSpPr>
-          <p:cNvPr id="165" name="Shape 165"/>
-          <p:cNvGrpSpPr/>
-          <p:nvPr/>
-        </p:nvGrpSpPr>
-        <p:grpSpPr>
-          <a:xfrm>
-            <a:off x="3435475" y="4055250"/>
-            <a:ext cx="121500" cy="340500"/>
-            <a:chOff x="1532100" y="3453325"/>
-            <a:chExt cx="121500" cy="340500"/>
-          </a:xfrm>
-        </p:grpSpPr>
-        <p:sp>
-          <p:nvSpPr>
-            <p:cNvPr id="166" name="Shape 166"/>
-            <p:cNvSpPr/>
-            <p:nvPr/>
-          </p:nvSpPr>
-          <p:spPr>
-            <a:xfrm>
-              <a:off x="1532100" y="3453325"/>
-              <a:ext cx="121500" cy="121500"/>
-            </a:xfrm>
-            <a:prstGeom prst="ellipse">
-              <a:avLst/>
-            </a:prstGeom>
-            <a:solidFill>
-              <a:srgbClr val="39C0BA"/>
-            </a:solidFill>
-            <a:ln w="28575" cap="flat" cmpd="sng">
-              <a:solidFill>
-                <a:srgbClr val="2E3037"/>
-              </a:solidFill>
-              <a:prstDash val="solid"/>
-              <a:round/>
-              <a:headEnd type="none" w="med" len="med"/>
-              <a:tailEnd type="none" w="med" len="med"/>
-            </a:ln>
-          </p:spPr>
-          <p:txBody>
-            <a:bodyPr lIns="91425" tIns="91425" rIns="91425" bIns="91425" anchor="ctr" anchorCtr="0">
-              <a:noAutofit/>
-            </a:bodyPr>
-            <a:lstStyle/>
-            <a:p>
-              <a:pPr lvl="0">
-                <a:spcBef>
-                  <a:spcPts val="0"/>
-                </a:spcBef>
-                <a:buNone/>
-              </a:pPr>
-              <a:endParaRPr/>
-            </a:p>
-          </p:txBody>
-        </p:sp>
-        <p:cxnSp>
-          <p:nvCxnSpPr>
-            <p:cNvPr id="167" name="Shape 167"/>
-            <p:cNvCxnSpPr>
-              <a:stCxn id="166" idx="4"/>
-            </p:cNvCxnSpPr>
-            <p:nvPr/>
-          </p:nvCxnSpPr>
-          <p:spPr>
-            <a:xfrm>
-              <a:off x="1592850" y="3574825"/>
-              <a:ext cx="0" cy="219000"/>
-            </a:xfrm>
-            <a:prstGeom prst="straightConnector1">
-              <a:avLst/>
-            </a:prstGeom>
-            <a:noFill/>
-            <a:ln w="9525" cap="flat" cmpd="sng">
-              <a:solidFill>
-                <a:srgbClr val="999FA9"/>
-              </a:solidFill>
-              <a:prstDash val="solid"/>
-              <a:round/>
-              <a:headEnd type="none" w="med" len="med"/>
-              <a:tailEnd type="oval" w="med" len="med"/>
-            </a:ln>
-          </p:spPr>
-        </p:cxnSp>
-      </p:grpSp>
-      <p:grpSp>
-        <p:nvGrpSpPr>
-          <p:cNvPr id="168" name="Shape 168"/>
-          <p:cNvGrpSpPr/>
-          <p:nvPr/>
-        </p:nvGrpSpPr>
-        <p:grpSpPr>
-          <a:xfrm>
-            <a:off x="5136200" y="4264400"/>
-            <a:ext cx="121500" cy="340500"/>
-            <a:chOff x="1532100" y="3453325"/>
-            <a:chExt cx="121500" cy="340500"/>
-          </a:xfrm>
-        </p:grpSpPr>
-        <p:sp>
-          <p:nvSpPr>
-            <p:cNvPr id="169" name="Shape 169"/>
-            <p:cNvSpPr/>
-            <p:nvPr/>
-          </p:nvSpPr>
-          <p:spPr>
-            <a:xfrm>
-              <a:off x="1532100" y="3453325"/>
-              <a:ext cx="121500" cy="121500"/>
-            </a:xfrm>
-            <a:prstGeom prst="ellipse">
-              <a:avLst/>
-            </a:prstGeom>
-            <a:solidFill>
-              <a:srgbClr val="39C0BA"/>
-            </a:solidFill>
-            <a:ln w="28575" cap="flat" cmpd="sng">
-              <a:solidFill>
-                <a:srgbClr val="2E3037"/>
-              </a:solidFill>
-              <a:prstDash val="solid"/>
-              <a:round/>
-              <a:headEnd type="none" w="med" len="med"/>
-              <a:tailEnd type="none" w="med" len="med"/>
-            </a:ln>
-          </p:spPr>
-          <p:txBody>
-            <a:bodyPr lIns="91425" tIns="91425" rIns="91425" bIns="91425" anchor="ctr" anchorCtr="0">
-              <a:noAutofit/>
-            </a:bodyPr>
-            <a:lstStyle/>
-            <a:p>
-              <a:pPr lvl="0">
-                <a:spcBef>
-                  <a:spcPts val="0"/>
-                </a:spcBef>
-                <a:buNone/>
-              </a:pPr>
-              <a:endParaRPr/>
-            </a:p>
-          </p:txBody>
-        </p:sp>
-        <p:cxnSp>
-          <p:nvCxnSpPr>
-            <p:cNvPr id="170" name="Shape 170"/>
-            <p:cNvCxnSpPr>
-              <a:stCxn id="169" idx="4"/>
-            </p:cNvCxnSpPr>
-            <p:nvPr/>
-          </p:nvCxnSpPr>
-          <p:spPr>
-            <a:xfrm>
-              <a:off x="1592850" y="3574825"/>
-              <a:ext cx="0" cy="219000"/>
-            </a:xfrm>
-            <a:prstGeom prst="straightConnector1">
-              <a:avLst/>
-            </a:prstGeom>
-            <a:noFill/>
-            <a:ln w="9525" cap="flat" cmpd="sng">
-              <a:solidFill>
-                <a:srgbClr val="999FA9"/>
-              </a:solidFill>
-              <a:prstDash val="solid"/>
-              <a:round/>
-              <a:headEnd type="none" w="med" len="med"/>
-              <a:tailEnd type="oval" w="med" len="med"/>
-            </a:ln>
-          </p:spPr>
-        </p:cxnSp>
-      </p:grpSp>
-      <p:grpSp>
-        <p:nvGrpSpPr>
-          <p:cNvPr id="171" name="Shape 171"/>
-          <p:cNvGrpSpPr/>
-          <p:nvPr/>
-        </p:nvGrpSpPr>
-        <p:grpSpPr>
-          <a:xfrm>
-            <a:off x="4511250" y="2338300"/>
-            <a:ext cx="121500" cy="340500"/>
-            <a:chOff x="1532100" y="3453325"/>
-            <a:chExt cx="121500" cy="340500"/>
-          </a:xfrm>
-        </p:grpSpPr>
-        <p:sp>
-          <p:nvSpPr>
-            <p:cNvPr id="172" name="Shape 172"/>
-            <p:cNvSpPr/>
-            <p:nvPr/>
-          </p:nvSpPr>
-          <p:spPr>
-            <a:xfrm>
-              <a:off x="1532100" y="3453325"/>
-              <a:ext cx="121500" cy="121500"/>
-            </a:xfrm>
-            <a:prstGeom prst="ellipse">
-              <a:avLst/>
-            </a:prstGeom>
-            <a:solidFill>
-              <a:srgbClr val="39C0BA"/>
-            </a:solidFill>
-            <a:ln w="28575" cap="flat" cmpd="sng">
-              <a:solidFill>
-                <a:srgbClr val="2E3037"/>
-              </a:solidFill>
-              <a:prstDash val="solid"/>
-              <a:round/>
-              <a:headEnd type="none" w="med" len="med"/>
-              <a:tailEnd type="none" w="med" len="med"/>
-            </a:ln>
-          </p:spPr>
-          <p:txBody>
-            <a:bodyPr lIns="91425" tIns="91425" rIns="91425" bIns="91425" anchor="ctr" anchorCtr="0">
-              <a:noAutofit/>
-            </a:bodyPr>
-            <a:lstStyle/>
-            <a:p>
-              <a:pPr lvl="0">
-                <a:spcBef>
-                  <a:spcPts val="0"/>
-                </a:spcBef>
-                <a:buNone/>
-              </a:pPr>
-              <a:endParaRPr/>
-            </a:p>
-          </p:txBody>
-        </p:sp>
-        <p:cxnSp>
-          <p:nvCxnSpPr>
-            <p:cNvPr id="173" name="Shape 173"/>
-            <p:cNvCxnSpPr>
-              <a:stCxn id="172" idx="4"/>
-            </p:cNvCxnSpPr>
-            <p:nvPr/>
-          </p:nvCxnSpPr>
-          <p:spPr>
-            <a:xfrm>
-              <a:off x="1592850" y="3574825"/>
-              <a:ext cx="0" cy="219000"/>
-            </a:xfrm>
-            <a:prstGeom prst="straightConnector1">
-              <a:avLst/>
-            </a:prstGeom>
-            <a:noFill/>
-            <a:ln w="9525" cap="flat" cmpd="sng">
-              <a:solidFill>
-                <a:srgbClr val="999FA9"/>
-              </a:solidFill>
-              <a:prstDash val="solid"/>
-              <a:round/>
-              <a:headEnd type="none" w="med" len="med"/>
-              <a:tailEnd type="oval" w="med" len="med"/>
-            </a:ln>
-          </p:spPr>
-        </p:cxnSp>
-      </p:grpSp>
-      <p:grpSp>
-        <p:nvGrpSpPr>
-          <p:cNvPr id="174" name="Shape 174"/>
-          <p:cNvGrpSpPr/>
-          <p:nvPr/>
-        </p:nvGrpSpPr>
-        <p:grpSpPr>
-          <a:xfrm>
-            <a:off x="7078475" y="2874975"/>
-            <a:ext cx="121500" cy="340500"/>
-            <a:chOff x="1532100" y="3453325"/>
-            <a:chExt cx="121500" cy="340500"/>
-          </a:xfrm>
-        </p:grpSpPr>
-        <p:sp>
-          <p:nvSpPr>
-            <p:cNvPr id="175" name="Shape 175"/>
-            <p:cNvSpPr/>
-            <p:nvPr/>
-          </p:nvSpPr>
-          <p:spPr>
-            <a:xfrm>
-              <a:off x="1532100" y="3453325"/>
-              <a:ext cx="121500" cy="121500"/>
-            </a:xfrm>
-            <a:prstGeom prst="ellipse">
-              <a:avLst/>
-            </a:prstGeom>
-            <a:solidFill>
-              <a:srgbClr val="39C0BA"/>
-            </a:solidFill>
-            <a:ln w="28575" cap="flat" cmpd="sng">
-              <a:solidFill>
-                <a:srgbClr val="2E3037"/>
-              </a:solidFill>
-              <a:prstDash val="solid"/>
-              <a:round/>
-              <a:headEnd type="none" w="med" len="med"/>
-              <a:tailEnd type="none" w="med" len="med"/>
-            </a:ln>
-          </p:spPr>
-          <p:txBody>
-            <a:bodyPr lIns="91425" tIns="91425" rIns="91425" bIns="91425" anchor="ctr" anchorCtr="0">
-              <a:noAutofit/>
-            </a:bodyPr>
-            <a:lstStyle/>
-            <a:p>
-              <a:pPr lvl="0">
-                <a:spcBef>
-                  <a:spcPts val="0"/>
-                </a:spcBef>
-                <a:buNone/>
-              </a:pPr>
-              <a:endParaRPr/>
-            </a:p>
-          </p:txBody>
-        </p:sp>
-        <p:cxnSp>
-          <p:nvCxnSpPr>
-            <p:cNvPr id="176" name="Shape 176"/>
-            <p:cNvCxnSpPr>
-              <a:stCxn id="175" idx="4"/>
-            </p:cNvCxnSpPr>
-            <p:nvPr/>
-          </p:nvCxnSpPr>
-          <p:spPr>
-            <a:xfrm>
-              <a:off x="1592850" y="3574825"/>
-              <a:ext cx="0" cy="219000"/>
-            </a:xfrm>
-            <a:prstGeom prst="straightConnector1">
-              <a:avLst/>
-            </a:prstGeom>
-            <a:noFill/>
-            <a:ln w="9525" cap="flat" cmpd="sng">
-              <a:solidFill>
-                <a:srgbClr val="999FA9"/>
-              </a:solidFill>
-              <a:prstDash val="solid"/>
-              <a:round/>
-              <a:headEnd type="none" w="med" len="med"/>
-              <a:tailEnd type="oval" w="med" len="med"/>
-            </a:ln>
-          </p:spPr>
-        </p:cxnSp>
-      </p:grpSp>
-      <p:grpSp>
-        <p:nvGrpSpPr>
-          <p:cNvPr id="177" name="Shape 177"/>
-          <p:cNvGrpSpPr/>
-          <p:nvPr/>
-        </p:nvGrpSpPr>
-        <p:grpSpPr>
-          <a:xfrm>
-            <a:off x="7901975" y="4395750"/>
-            <a:ext cx="121500" cy="340500"/>
-            <a:chOff x="1532100" y="3453325"/>
-            <a:chExt cx="121500" cy="340500"/>
-          </a:xfrm>
-        </p:grpSpPr>
-        <p:sp>
-          <p:nvSpPr>
-            <p:cNvPr id="178" name="Shape 178"/>
-            <p:cNvSpPr/>
-            <p:nvPr/>
-          </p:nvSpPr>
-          <p:spPr>
-            <a:xfrm>
-              <a:off x="1532100" y="3453325"/>
-              <a:ext cx="121500" cy="121500"/>
-            </a:xfrm>
-            <a:prstGeom prst="ellipse">
-              <a:avLst/>
-            </a:prstGeom>
-            <a:solidFill>
-              <a:srgbClr val="39C0BA"/>
-            </a:solidFill>
-            <a:ln w="28575" cap="flat" cmpd="sng">
-              <a:solidFill>
-                <a:srgbClr val="2E3037"/>
-              </a:solidFill>
-              <a:prstDash val="solid"/>
-              <a:round/>
-              <a:headEnd type="none" w="med" len="med"/>
-              <a:tailEnd type="none" w="med" len="med"/>
-            </a:ln>
-          </p:spPr>
-          <p:txBody>
-            <a:bodyPr lIns="91425" tIns="91425" rIns="91425" bIns="91425" anchor="ctr" anchorCtr="0">
-              <a:noAutofit/>
-            </a:bodyPr>
-            <a:lstStyle/>
-            <a:p>
-              <a:pPr lvl="0">
-                <a:spcBef>
-                  <a:spcPts val="0"/>
-                </a:spcBef>
-                <a:buNone/>
-              </a:pPr>
-              <a:endParaRPr/>
-            </a:p>
-          </p:txBody>
-        </p:sp>
-        <p:cxnSp>
-          <p:nvCxnSpPr>
-            <p:cNvPr id="179" name="Shape 179"/>
-            <p:cNvCxnSpPr>
-              <a:stCxn id="178" idx="4"/>
-            </p:cNvCxnSpPr>
-            <p:nvPr/>
-          </p:nvCxnSpPr>
-          <p:spPr>
-            <a:xfrm>
-              <a:off x="1592850" y="3574825"/>
-              <a:ext cx="0" cy="219000"/>
-            </a:xfrm>
-            <a:prstGeom prst="straightConnector1">
-              <a:avLst/>
-            </a:prstGeom>
-            <a:noFill/>
-            <a:ln w="9525" cap="flat" cmpd="sng">
-              <a:solidFill>
-                <a:srgbClr val="999FA9"/>
-              </a:solidFill>
-              <a:prstDash val="solid"/>
-              <a:round/>
-              <a:headEnd type="none" w="med" len="med"/>
-              <a:tailEnd type="oval" w="med" len="med"/>
-            </a:ln>
-          </p:spPr>
-        </p:cxnSp>
-      </p:grpSp>
-    </p:spTree>
-  </p:cSld>
-  <p:clrMapOvr>
-    <a:masterClrMapping/>
-  </p:clrMapOvr>
-  <p:transition spd="slow">
-    <p:cut/>
-  </p:transition>
-  <p:timing>
-    <p:tnLst>
-      <p:par>
-        <p:cTn id="1" dur="indefinite" restart="never" nodeType="tmRoot"/>
-      </p:par>
-    </p:tnLst>
-  </p:timing>
-</p:sld>
-</file>
-
-<file path=ppt/slides/slide19.xml><?xml version="1.0" encoding="utf-8"?>
-<p:sld xmlns:a="http://schemas.openxmlformats.org/drawingml/2006/main" xmlns:r="http://schemas.openxmlformats.org/officeDocument/2006/relationships" xmlns:p="http://schemas.openxmlformats.org/presentationml/2006/main">
-  <p:cSld>
-    <p:spTree>
-      <p:nvGrpSpPr>
-        <p:cNvPr id="1" name="Shape 189"/>
+        <p:cNvPr id="1" name="Shape 287"/>
         <p:cNvGrpSpPr/>
         <p:nvPr/>
       </p:nvGrpSpPr>
@@ -28815,7 +27622,7 @@
       </p:grpSpPr>
       <p:sp>
         <p:nvSpPr>
-          <p:cNvPr id="190" name="Shape 190"/>
+          <p:cNvPr id="288" name="Shape 288"/>
           <p:cNvSpPr txBox="1">
             <a:spLocks noGrp="1"/>
           </p:cNvSpPr>
@@ -28825,8 +27632,8 @@
         </p:nvSpPr>
         <p:spPr>
           <a:xfrm>
-            <a:off x="1284950" y="940200"/>
-            <a:ext cx="7097100" cy="1193399"/>
+            <a:off x="1336100" y="1679850"/>
+            <a:ext cx="7337699" cy="1546500"/>
           </a:xfrm>
           <a:prstGeom prst="rect">
             <a:avLst/>
@@ -28838,22 +27645,28 @@
           </a:bodyPr>
           <a:lstStyle/>
           <a:p>
-            <a:pPr lvl="0" algn="l" rtl="0">
+            <a:pPr lvl="0" rtl="0">
               <a:spcBef>
                 <a:spcPts val="0"/>
               </a:spcBef>
               <a:buNone/>
             </a:pPr>
             <a:r>
-              <a:rPr lang="en" sz="4800" b="1"/>
-              <a:t>89,526,124$</a:t>
+              <a:rPr lang="en" sz="2200" b="1" dirty="0">
+                <a:solidFill>
+                  <a:schemeClr val="bg1">
+                    <a:lumMod val="95000"/>
+                  </a:schemeClr>
+                </a:solidFill>
+              </a:rPr>
+              <a:t>Thanks!</a:t>
             </a:r>
           </a:p>
         </p:txBody>
       </p:sp>
       <p:sp>
         <p:nvSpPr>
-          <p:cNvPr id="191" name="Shape 191"/>
+          <p:cNvPr id="289" name="Shape 289"/>
           <p:cNvSpPr txBox="1">
             <a:spLocks noGrp="1"/>
           </p:cNvSpPr>
@@ -28863,267 +27676,100 @@
         </p:nvSpPr>
         <p:spPr>
           <a:xfrm>
-            <a:off x="1284950" y="1957946"/>
-            <a:ext cx="7097100" cy="617699"/>
+            <a:off x="1336100" y="3022650"/>
+            <a:ext cx="7337699" cy="812700"/>
           </a:xfrm>
           <a:prstGeom prst="rect">
             <a:avLst/>
           </a:prstGeom>
         </p:spPr>
         <p:txBody>
-          <a:bodyPr lIns="91425" tIns="91425" rIns="91425" bIns="91425" anchor="t" anchorCtr="0">
+          <a:bodyPr lIns="91425" tIns="91425" rIns="91425" bIns="91425" anchor="ctr" anchorCtr="0">
             <a:noAutofit/>
           </a:bodyPr>
           <a:lstStyle/>
           <a:p>
-            <a:pPr lvl="0" algn="l" rtl="0">
+            <a:pPr lvl="0" rtl="0">
               <a:spcBef>
                 <a:spcPts val="0"/>
               </a:spcBef>
               <a:buNone/>
             </a:pPr>
             <a:r>
-              <a:rPr lang="en" sz="2400"/>
-              <a:t>That’s a lot of money</a:t>
+              <a:rPr lang="en" sz="3600" b="1">
+                <a:solidFill>
+                  <a:srgbClr val="F3F3F3"/>
+                </a:solidFill>
+              </a:rPr>
+              <a:t>ANY QUESTIONS?</a:t>
             </a:r>
           </a:p>
         </p:txBody>
       </p:sp>
       <p:sp>
         <p:nvSpPr>
-          <p:cNvPr id="192" name="Shape 192"/>
+          <p:cNvPr id="290" name="Shape 290"/>
           <p:cNvSpPr txBox="1">
             <a:spLocks noGrp="1"/>
           </p:cNvSpPr>
           <p:nvPr>
-            <p:ph type="ctrTitle" idx="4294967295"/>
+            <p:ph type="body" idx="4294967295"/>
           </p:nvPr>
         </p:nvSpPr>
         <p:spPr>
           <a:xfrm>
-            <a:off x="1284950" y="4445403"/>
-            <a:ext cx="7097100" cy="1193399"/>
+            <a:off x="1336100" y="3797025"/>
+            <a:ext cx="7337699" cy="1134900"/>
           </a:xfrm>
           <a:prstGeom prst="rect">
             <a:avLst/>
           </a:prstGeom>
         </p:spPr>
         <p:txBody>
-          <a:bodyPr lIns="91425" tIns="91425" rIns="91425" bIns="91425" anchor="b" anchorCtr="0">
+          <a:bodyPr lIns="91425" tIns="91425" rIns="91425" bIns="91425" anchor="t" anchorCtr="0">
             <a:noAutofit/>
           </a:bodyPr>
           <a:lstStyle/>
           <a:p>
-            <a:pPr lvl="0" algn="l" rtl="0">
+            <a:pPr lvl="0" rtl="0">
               <a:spcBef>
                 <a:spcPts val="0"/>
               </a:spcBef>
               <a:buNone/>
             </a:pPr>
             <a:r>
-              <a:rPr lang="en" sz="4800" b="1"/>
-              <a:t>100%</a:t>
+              <a:rPr lang="en" sz="2200" dirty="0">
+                <a:solidFill>
+                  <a:srgbClr val="F3F3F3"/>
+                </a:solidFill>
+              </a:rPr>
+              <a:t>You can find me at</a:t>
             </a:r>
           </a:p>
-        </p:txBody>
-      </p:sp>
-      <p:sp>
-        <p:nvSpPr>
-          <p:cNvPr id="193" name="Shape 193"/>
-          <p:cNvSpPr txBox="1">
-            <a:spLocks noGrp="1"/>
-          </p:cNvSpPr>
-          <p:nvPr>
-            <p:ph type="subTitle" idx="4294967295"/>
-          </p:nvPr>
-        </p:nvSpPr>
-        <p:spPr>
-          <a:xfrm>
-            <a:off x="1284950" y="5463150"/>
-            <a:ext cx="7097100" cy="617699"/>
-          </a:xfrm>
-          <a:prstGeom prst="rect">
-            <a:avLst/>
-          </a:prstGeom>
-        </p:spPr>
-        <p:txBody>
-          <a:bodyPr lIns="91425" tIns="91425" rIns="91425" bIns="91425" anchor="t" anchorCtr="0">
-            <a:noAutofit/>
-          </a:bodyPr>
-          <a:lstStyle/>
-          <a:p>
-            <a:pPr lvl="0" algn="l" rtl="0">
+          <a:p>
+            <a:pPr lvl="0" rtl="0">
               <a:spcBef>
                 <a:spcPts val="0"/>
               </a:spcBef>
               <a:buNone/>
             </a:pPr>
             <a:r>
-              <a:rPr lang="en" sz="2400"/>
-              <a:t>Total success!</a:t>
+              <a:rPr lang="en" sz="2200" dirty="0" smtClean="0">
+                <a:solidFill>
+                  <a:srgbClr val="F3F3F3"/>
+                </a:solidFill>
+              </a:rPr>
+              <a:t>@</a:t>
             </a:r>
-          </a:p>
-        </p:txBody>
-      </p:sp>
-      <p:sp>
-        <p:nvSpPr>
-          <p:cNvPr id="194" name="Shape 194"/>
-          <p:cNvSpPr txBox="1">
-            <a:spLocks noGrp="1"/>
-          </p:cNvSpPr>
-          <p:nvPr>
-            <p:ph type="ctrTitle" idx="4294967295"/>
-          </p:nvPr>
-        </p:nvSpPr>
-        <p:spPr>
-          <a:xfrm>
-            <a:off x="1284950" y="2692801"/>
-            <a:ext cx="7097100" cy="1193399"/>
-          </a:xfrm>
-          <a:prstGeom prst="rect">
-            <a:avLst/>
-          </a:prstGeom>
-        </p:spPr>
-        <p:txBody>
-          <a:bodyPr lIns="91425" tIns="91425" rIns="91425" bIns="91425" anchor="b" anchorCtr="0">
-            <a:noAutofit/>
-          </a:bodyPr>
-          <a:lstStyle/>
-          <a:p>
-            <a:pPr lvl="0" algn="l" rtl="0">
-              <a:spcBef>
-                <a:spcPts val="0"/>
-              </a:spcBef>
-              <a:buNone/>
-            </a:pPr>
             <a:r>
-              <a:rPr lang="en" sz="4800" b="1"/>
-              <a:t>185,244 users</a:t>
+              <a:rPr lang="en-US" sz="2200" dirty="0" err="1" smtClean="0"/>
+              <a:t>napstervab</a:t>
             </a:r>
-          </a:p>
-        </p:txBody>
-      </p:sp>
-      <p:sp>
-        <p:nvSpPr>
-          <p:cNvPr id="195" name="Shape 195"/>
-          <p:cNvSpPr txBox="1">
-            <a:spLocks noGrp="1"/>
-          </p:cNvSpPr>
-          <p:nvPr>
-            <p:ph type="subTitle" idx="4294967295"/>
-          </p:nvPr>
-        </p:nvSpPr>
-        <p:spPr>
-          <a:xfrm>
-            <a:off x="1284950" y="3710548"/>
-            <a:ext cx="7097100" cy="617699"/>
-          </a:xfrm>
-          <a:prstGeom prst="rect">
-            <a:avLst/>
-          </a:prstGeom>
-        </p:spPr>
-        <p:txBody>
-          <a:bodyPr lIns="91425" tIns="91425" rIns="91425" bIns="91425" anchor="t" anchorCtr="0">
-            <a:noAutofit/>
-          </a:bodyPr>
-          <a:lstStyle/>
-          <a:p>
-            <a:pPr lvl="0" algn="l" rtl="0">
-              <a:spcBef>
-                <a:spcPts val="0"/>
-              </a:spcBef>
-              <a:buNone/>
-            </a:pPr>
-            <a:r>
-              <a:rPr lang="en" sz="2400"/>
-              <a:t>And a lot of users</a:t>
-            </a:r>
-          </a:p>
-        </p:txBody>
-      </p:sp>
-      <p:sp>
-        <p:nvSpPr>
-          <p:cNvPr id="196" name="Shape 196"/>
-          <p:cNvSpPr/>
-          <p:nvPr/>
-        </p:nvSpPr>
-        <p:spPr>
-          <a:xfrm>
-            <a:off x="808650" y="5091712"/>
-            <a:ext cx="190200" cy="190200"/>
-          </a:xfrm>
-          <a:prstGeom prst="ellipse">
-            <a:avLst/>
-          </a:prstGeom>
-          <a:solidFill>
-            <a:srgbClr val="2E3037"/>
-          </a:solidFill>
-          <a:ln w="9525" cap="flat" cmpd="sng">
-            <a:solidFill>
-              <a:srgbClr val="999FA9"/>
-            </a:solidFill>
-            <a:prstDash val="solid"/>
-            <a:round/>
-            <a:headEnd type="none" w="med" len="med"/>
-            <a:tailEnd type="none" w="med" len="med"/>
-          </a:ln>
-        </p:spPr>
-        <p:txBody>
-          <a:bodyPr lIns="91425" tIns="91425" rIns="91425" bIns="91425" anchor="ctr" anchorCtr="0">
-            <a:noAutofit/>
-          </a:bodyPr>
-          <a:lstStyle/>
-          <a:p>
-            <a:pPr lvl="0">
-              <a:spcBef>
-                <a:spcPts val="0"/>
-              </a:spcBef>
-              <a:buNone/>
-            </a:pPr>
-            <a:endParaRPr/>
-          </a:p>
-        </p:txBody>
-      </p:sp>
-      <p:sp>
-        <p:nvSpPr>
-          <p:cNvPr id="197" name="Shape 197"/>
-          <p:cNvSpPr/>
-          <p:nvPr/>
-        </p:nvSpPr>
-        <p:spPr>
-          <a:xfrm>
-            <a:off x="808650" y="1576087"/>
-            <a:ext cx="190200" cy="190200"/>
-          </a:xfrm>
-          <a:prstGeom prst="ellipse">
-            <a:avLst/>
-          </a:prstGeom>
-          <a:solidFill>
-            <a:srgbClr val="2E3037"/>
-          </a:solidFill>
-          <a:ln w="9525" cap="flat" cmpd="sng">
-            <a:solidFill>
-              <a:srgbClr val="999FA9"/>
-            </a:solidFill>
-            <a:prstDash val="solid"/>
-            <a:round/>
-            <a:headEnd type="none" w="med" len="med"/>
-            <a:tailEnd type="none" w="med" len="med"/>
-          </a:ln>
-        </p:spPr>
-        <p:txBody>
-          <a:bodyPr lIns="91425" tIns="91425" rIns="91425" bIns="91425" anchor="ctr" anchorCtr="0">
-            <a:noAutofit/>
-          </a:bodyPr>
-          <a:lstStyle/>
-          <a:p>
-            <a:pPr lvl="0">
-              <a:spcBef>
-                <a:spcPts val="0"/>
-              </a:spcBef>
-              <a:buNone/>
-            </a:pPr>
-            <a:endParaRPr/>
+            <a:endParaRPr lang="en" sz="2200" dirty="0">
+              <a:solidFill>
+                <a:srgbClr val="F3F3F3"/>
+              </a:solidFill>
+            </a:endParaRPr>
           </a:p>
         </p:txBody>
       </p:sp>
@@ -31476,4589 +30122,6 @@
 </p:sld>
 </file>
 
-<file path=ppt/slides/slide20.xml><?xml version="1.0" encoding="utf-8"?>
-<p:sld xmlns:a="http://schemas.openxmlformats.org/drawingml/2006/main" xmlns:r="http://schemas.openxmlformats.org/officeDocument/2006/relationships" xmlns:p="http://schemas.openxmlformats.org/presentationml/2006/main">
-  <p:cSld>
-    <p:spTree>
-      <p:nvGrpSpPr>
-        <p:cNvPr id="1" name="Shape 212"/>
-        <p:cNvGrpSpPr/>
-        <p:nvPr/>
-      </p:nvGrpSpPr>
-      <p:grpSpPr>
-        <a:xfrm>
-          <a:off x="0" y="0"/>
-          <a:ext cx="0" cy="0"/>
-          <a:chOff x="0" y="0"/>
-          <a:chExt cx="0" cy="0"/>
-        </a:xfrm>
-      </p:grpSpPr>
-      <p:sp>
-        <p:nvSpPr>
-          <p:cNvPr id="213" name="Shape 213"/>
-          <p:cNvSpPr txBox="1">
-            <a:spLocks noGrp="1"/>
-          </p:cNvSpPr>
-          <p:nvPr>
-            <p:ph type="title"/>
-          </p:nvPr>
-        </p:nvSpPr>
-        <p:spPr>
-          <a:xfrm>
-            <a:off x="1165475" y="665975"/>
-            <a:ext cx="6858000" cy="459900"/>
-          </a:xfrm>
-          <a:prstGeom prst="rect">
-            <a:avLst/>
-          </a:prstGeom>
-        </p:spPr>
-        <p:txBody>
-          <a:bodyPr lIns="91425" tIns="91425" rIns="91425" bIns="91425" anchor="b" anchorCtr="0">
-            <a:noAutofit/>
-          </a:bodyPr>
-          <a:lstStyle/>
-          <a:p>
-            <a:pPr lvl="0" rtl="0">
-              <a:spcBef>
-                <a:spcPts val="0"/>
-              </a:spcBef>
-              <a:buNone/>
-            </a:pPr>
-            <a:r>
-              <a:rPr lang="en"/>
-              <a:t>LET’S REVIEW SOME CONCEPTS</a:t>
-            </a:r>
-          </a:p>
-        </p:txBody>
-      </p:sp>
-      <p:sp>
-        <p:nvSpPr>
-          <p:cNvPr id="214" name="Shape 214"/>
-          <p:cNvSpPr txBox="1">
-            <a:spLocks noGrp="1"/>
-          </p:cNvSpPr>
-          <p:nvPr>
-            <p:ph type="body" idx="1"/>
-          </p:nvPr>
-        </p:nvSpPr>
-        <p:spPr>
-          <a:xfrm>
-            <a:off x="1165475" y="1673975"/>
-            <a:ext cx="2403599" cy="1608000"/>
-          </a:xfrm>
-          <a:prstGeom prst="rect">
-            <a:avLst/>
-          </a:prstGeom>
-        </p:spPr>
-        <p:txBody>
-          <a:bodyPr lIns="91425" tIns="91425" rIns="91425" bIns="91425" anchor="t" anchorCtr="0">
-            <a:noAutofit/>
-          </a:bodyPr>
-          <a:lstStyle/>
-          <a:p>
-            <a:pPr lvl="0" rtl="0">
-              <a:spcBef>
-                <a:spcPts val="0"/>
-              </a:spcBef>
-              <a:buNone/>
-            </a:pPr>
-            <a:r>
-              <a:rPr lang="en" b="1"/>
-              <a:t>Yellow</a:t>
-            </a:r>
-          </a:p>
-          <a:p>
-            <a:pPr lvl="0" rtl="0">
-              <a:spcBef>
-                <a:spcPts val="0"/>
-              </a:spcBef>
-              <a:buNone/>
-            </a:pPr>
-            <a:r>
-              <a:rPr lang="en" sz="1200"/>
-              <a:t>Is the color of gold, butter and ripe lemons. In the spectrum of visible light, yellow is found between green and orange.</a:t>
-            </a:r>
-          </a:p>
-        </p:txBody>
-      </p:sp>
-      <p:sp>
-        <p:nvSpPr>
-          <p:cNvPr id="215" name="Shape 215"/>
-          <p:cNvSpPr txBox="1">
-            <a:spLocks noGrp="1"/>
-          </p:cNvSpPr>
-          <p:nvPr>
-            <p:ph type="body" idx="2"/>
-          </p:nvPr>
-        </p:nvSpPr>
-        <p:spPr>
-          <a:xfrm>
-            <a:off x="3692249" y="1673975"/>
-            <a:ext cx="2403599" cy="1608000"/>
-          </a:xfrm>
-          <a:prstGeom prst="rect">
-            <a:avLst/>
-          </a:prstGeom>
-        </p:spPr>
-        <p:txBody>
-          <a:bodyPr lIns="91425" tIns="91425" rIns="91425" bIns="91425" anchor="t" anchorCtr="0">
-            <a:noAutofit/>
-          </a:bodyPr>
-          <a:lstStyle/>
-          <a:p>
-            <a:pPr lvl="0" rtl="0">
-              <a:spcBef>
-                <a:spcPts val="0"/>
-              </a:spcBef>
-              <a:buNone/>
-            </a:pPr>
-            <a:r>
-              <a:rPr lang="en" b="1"/>
-              <a:t>Blue</a:t>
-            </a:r>
-          </a:p>
-          <a:p>
-            <a:pPr lvl="0" rtl="0">
-              <a:spcBef>
-                <a:spcPts val="0"/>
-              </a:spcBef>
-              <a:buNone/>
-            </a:pPr>
-            <a:r>
-              <a:rPr lang="en" sz="1200"/>
-              <a:t>Is the colour of the clear sky and the deep sea. It is located between violet and green on the optical spectrum.</a:t>
-            </a:r>
-          </a:p>
-        </p:txBody>
-      </p:sp>
-      <p:sp>
-        <p:nvSpPr>
-          <p:cNvPr id="216" name="Shape 216"/>
-          <p:cNvSpPr txBox="1">
-            <a:spLocks noGrp="1"/>
-          </p:cNvSpPr>
-          <p:nvPr>
-            <p:ph type="body" idx="3"/>
-          </p:nvPr>
-        </p:nvSpPr>
-        <p:spPr>
-          <a:xfrm>
-            <a:off x="6219024" y="1673975"/>
-            <a:ext cx="2403599" cy="1608000"/>
-          </a:xfrm>
-          <a:prstGeom prst="rect">
-            <a:avLst/>
-          </a:prstGeom>
-        </p:spPr>
-        <p:txBody>
-          <a:bodyPr lIns="91425" tIns="91425" rIns="91425" bIns="91425" anchor="t" anchorCtr="0">
-            <a:noAutofit/>
-          </a:bodyPr>
-          <a:lstStyle/>
-          <a:p>
-            <a:pPr lvl="0" rtl="0">
-              <a:spcBef>
-                <a:spcPts val="0"/>
-              </a:spcBef>
-              <a:buNone/>
-            </a:pPr>
-            <a:r>
-              <a:rPr lang="en" b="1"/>
-              <a:t>Red</a:t>
-            </a:r>
-          </a:p>
-          <a:p>
-            <a:pPr lvl="0" rtl="0">
-              <a:spcBef>
-                <a:spcPts val="0"/>
-              </a:spcBef>
-              <a:buNone/>
-            </a:pPr>
-            <a:r>
-              <a:rPr lang="en" sz="1200"/>
-              <a:t>Is the color of blood, and because of this it has historically been associated with sacrifice, danger and courage. </a:t>
-            </a:r>
-          </a:p>
-          <a:p>
-            <a:pPr lvl="0" rtl="0">
-              <a:spcBef>
-                <a:spcPts val="0"/>
-              </a:spcBef>
-              <a:buNone/>
-            </a:pPr>
-            <a:endParaRPr sz="1200"/>
-          </a:p>
-        </p:txBody>
-      </p:sp>
-      <p:sp>
-        <p:nvSpPr>
-          <p:cNvPr id="217" name="Shape 217"/>
-          <p:cNvSpPr txBox="1">
-            <a:spLocks noGrp="1"/>
-          </p:cNvSpPr>
-          <p:nvPr>
-            <p:ph type="body" idx="1"/>
-          </p:nvPr>
-        </p:nvSpPr>
-        <p:spPr>
-          <a:xfrm>
-            <a:off x="1165475" y="3959975"/>
-            <a:ext cx="2403599" cy="1608000"/>
-          </a:xfrm>
-          <a:prstGeom prst="rect">
-            <a:avLst/>
-          </a:prstGeom>
-        </p:spPr>
-        <p:txBody>
-          <a:bodyPr lIns="91425" tIns="91425" rIns="91425" bIns="91425" anchor="t" anchorCtr="0">
-            <a:noAutofit/>
-          </a:bodyPr>
-          <a:lstStyle/>
-          <a:p>
-            <a:pPr lvl="0" rtl="0">
-              <a:spcBef>
-                <a:spcPts val="0"/>
-              </a:spcBef>
-              <a:buNone/>
-            </a:pPr>
-            <a:r>
-              <a:rPr lang="en" b="1"/>
-              <a:t>Yellow</a:t>
-            </a:r>
-          </a:p>
-          <a:p>
-            <a:pPr lvl="0" rtl="0">
-              <a:spcBef>
-                <a:spcPts val="0"/>
-              </a:spcBef>
-              <a:buNone/>
-            </a:pPr>
-            <a:r>
-              <a:rPr lang="en" sz="1200"/>
-              <a:t>Is the color of gold, butter and ripe lemons. In the spectrum of visible light, yellow is found between green and orange.</a:t>
-            </a:r>
-          </a:p>
-        </p:txBody>
-      </p:sp>
-      <p:sp>
-        <p:nvSpPr>
-          <p:cNvPr id="218" name="Shape 218"/>
-          <p:cNvSpPr txBox="1">
-            <a:spLocks noGrp="1"/>
-          </p:cNvSpPr>
-          <p:nvPr>
-            <p:ph type="body" idx="2"/>
-          </p:nvPr>
-        </p:nvSpPr>
-        <p:spPr>
-          <a:xfrm>
-            <a:off x="3692249" y="3959975"/>
-            <a:ext cx="2403599" cy="1608000"/>
-          </a:xfrm>
-          <a:prstGeom prst="rect">
-            <a:avLst/>
-          </a:prstGeom>
-        </p:spPr>
-        <p:txBody>
-          <a:bodyPr lIns="91425" tIns="91425" rIns="91425" bIns="91425" anchor="t" anchorCtr="0">
-            <a:noAutofit/>
-          </a:bodyPr>
-          <a:lstStyle/>
-          <a:p>
-            <a:pPr lvl="0" rtl="0">
-              <a:spcBef>
-                <a:spcPts val="0"/>
-              </a:spcBef>
-              <a:buNone/>
-            </a:pPr>
-            <a:r>
-              <a:rPr lang="en" b="1"/>
-              <a:t>Blue</a:t>
-            </a:r>
-          </a:p>
-          <a:p>
-            <a:pPr lvl="0" rtl="0">
-              <a:spcBef>
-                <a:spcPts val="0"/>
-              </a:spcBef>
-              <a:buNone/>
-            </a:pPr>
-            <a:r>
-              <a:rPr lang="en" sz="1200"/>
-              <a:t>Is the colour of the clear sky and the deep sea. It is located between violet and green on the optical spectrum.</a:t>
-            </a:r>
-          </a:p>
-        </p:txBody>
-      </p:sp>
-      <p:sp>
-        <p:nvSpPr>
-          <p:cNvPr id="219" name="Shape 219"/>
-          <p:cNvSpPr txBox="1">
-            <a:spLocks noGrp="1"/>
-          </p:cNvSpPr>
-          <p:nvPr>
-            <p:ph type="body" idx="3"/>
-          </p:nvPr>
-        </p:nvSpPr>
-        <p:spPr>
-          <a:xfrm>
-            <a:off x="6219024" y="3959975"/>
-            <a:ext cx="2403599" cy="1608000"/>
-          </a:xfrm>
-          <a:prstGeom prst="rect">
-            <a:avLst/>
-          </a:prstGeom>
-        </p:spPr>
-        <p:txBody>
-          <a:bodyPr lIns="91425" tIns="91425" rIns="91425" bIns="91425" anchor="t" anchorCtr="0">
-            <a:noAutofit/>
-          </a:bodyPr>
-          <a:lstStyle/>
-          <a:p>
-            <a:pPr lvl="0" rtl="0">
-              <a:spcBef>
-                <a:spcPts val="0"/>
-              </a:spcBef>
-              <a:buNone/>
-            </a:pPr>
-            <a:r>
-              <a:rPr lang="en" b="1"/>
-              <a:t>Red</a:t>
-            </a:r>
-          </a:p>
-          <a:p>
-            <a:pPr lvl="0" rtl="0">
-              <a:spcBef>
-                <a:spcPts val="0"/>
-              </a:spcBef>
-              <a:buNone/>
-            </a:pPr>
-            <a:r>
-              <a:rPr lang="en" sz="1200"/>
-              <a:t>Is the color of blood, and because of this it has historically been associated with sacrifice, danger and courage. </a:t>
-            </a:r>
-          </a:p>
-          <a:p>
-            <a:pPr lvl="0" rtl="0">
-              <a:spcBef>
-                <a:spcPts val="0"/>
-              </a:spcBef>
-              <a:buNone/>
-            </a:pPr>
-            <a:endParaRPr sz="1200"/>
-          </a:p>
-        </p:txBody>
-      </p:sp>
-      <p:grpSp>
-        <p:nvGrpSpPr>
-          <p:cNvPr id="220" name="Shape 220"/>
-          <p:cNvGrpSpPr/>
-          <p:nvPr/>
-        </p:nvGrpSpPr>
-        <p:grpSpPr>
-          <a:xfrm>
-            <a:off x="1286531" y="1401044"/>
-            <a:ext cx="391000" cy="382826"/>
-            <a:chOff x="1236875" y="1623900"/>
-            <a:chExt cx="465200" cy="455475"/>
-          </a:xfrm>
-        </p:grpSpPr>
-        <p:sp>
-          <p:nvSpPr>
-            <p:cNvPr id="221" name="Shape 221"/>
-            <p:cNvSpPr/>
-            <p:nvPr/>
-          </p:nvSpPr>
-          <p:spPr>
-            <a:xfrm>
-              <a:off x="1236875" y="1623900"/>
-              <a:ext cx="465200" cy="445125"/>
-            </a:xfrm>
-            <a:custGeom>
-              <a:avLst/>
-              <a:gdLst/>
-              <a:ahLst/>
-              <a:cxnLst/>
-              <a:rect l="0" t="0" r="0" b="0"/>
-              <a:pathLst>
-                <a:path w="18608" h="17805" fill="none" extrusionOk="0">
-                  <a:moveTo>
-                    <a:pt x="13493" y="14127"/>
-                  </a:moveTo>
-                  <a:lnTo>
-                    <a:pt x="18608" y="17804"/>
-                  </a:lnTo>
-                  <a:lnTo>
-                    <a:pt x="18608" y="17804"/>
-                  </a:lnTo>
-                  <a:lnTo>
-                    <a:pt x="18608" y="17731"/>
-                  </a:lnTo>
-                  <a:lnTo>
-                    <a:pt x="18608" y="6723"/>
-                  </a:lnTo>
-                  <a:lnTo>
-                    <a:pt x="9304" y="1"/>
-                  </a:lnTo>
-                  <a:lnTo>
-                    <a:pt x="1" y="6723"/>
-                  </a:lnTo>
-                  <a:lnTo>
-                    <a:pt x="1" y="17731"/>
-                  </a:lnTo>
-                  <a:lnTo>
-                    <a:pt x="1" y="17731"/>
-                  </a:lnTo>
-                  <a:lnTo>
-                    <a:pt x="1" y="17804"/>
-                  </a:lnTo>
-                  <a:lnTo>
-                    <a:pt x="5115" y="14127"/>
-                  </a:lnTo>
-                </a:path>
-              </a:pathLst>
-            </a:custGeom>
-            <a:noFill/>
-            <a:ln w="12175" cap="rnd" cmpd="sng">
-              <a:solidFill>
-                <a:srgbClr val="FFFFFF"/>
-              </a:solidFill>
-              <a:prstDash val="solid"/>
-              <a:round/>
-              <a:headEnd type="none" w="med" len="med"/>
-              <a:tailEnd type="none" w="med" len="med"/>
-            </a:ln>
-          </p:spPr>
-          <p:txBody>
-            <a:bodyPr lIns="91425" tIns="91425" rIns="91425" bIns="91425" anchor="ctr" anchorCtr="0">
-              <a:noAutofit/>
-            </a:bodyPr>
-            <a:lstStyle/>
-            <a:p>
-              <a:pPr lvl="0">
-                <a:spcBef>
-                  <a:spcPts val="0"/>
-                </a:spcBef>
-                <a:buNone/>
-              </a:pPr>
-              <a:endParaRPr/>
-            </a:p>
-          </p:txBody>
-        </p:sp>
-        <p:sp>
-          <p:nvSpPr>
-            <p:cNvPr id="222" name="Shape 222"/>
-            <p:cNvSpPr/>
-            <p:nvPr/>
-          </p:nvSpPr>
-          <p:spPr>
-            <a:xfrm>
-              <a:off x="1244800" y="2078750"/>
-              <a:ext cx="449375" cy="625"/>
-            </a:xfrm>
-            <a:custGeom>
-              <a:avLst/>
-              <a:gdLst/>
-              <a:ahLst/>
-              <a:cxnLst/>
-              <a:rect l="0" t="0" r="0" b="0"/>
-              <a:pathLst>
-                <a:path w="17975" h="25" fill="none" extrusionOk="0">
-                  <a:moveTo>
-                    <a:pt x="0" y="0"/>
-                  </a:moveTo>
-                  <a:lnTo>
-                    <a:pt x="0" y="0"/>
-                  </a:lnTo>
-                  <a:lnTo>
-                    <a:pt x="98" y="0"/>
-                  </a:lnTo>
-                  <a:lnTo>
-                    <a:pt x="171" y="24"/>
-                  </a:lnTo>
-                  <a:lnTo>
-                    <a:pt x="17804" y="24"/>
-                  </a:lnTo>
-                  <a:lnTo>
-                    <a:pt x="17804" y="24"/>
-                  </a:lnTo>
-                  <a:lnTo>
-                    <a:pt x="17877" y="0"/>
-                  </a:lnTo>
-                  <a:lnTo>
-                    <a:pt x="17974" y="0"/>
-                  </a:lnTo>
-                </a:path>
-              </a:pathLst>
-            </a:custGeom>
-            <a:noFill/>
-            <a:ln w="12175" cap="rnd" cmpd="sng">
-              <a:solidFill>
-                <a:srgbClr val="FFFFFF"/>
-              </a:solidFill>
-              <a:prstDash val="solid"/>
-              <a:round/>
-              <a:headEnd type="none" w="med" len="med"/>
-              <a:tailEnd type="none" w="med" len="med"/>
-            </a:ln>
-          </p:spPr>
-          <p:txBody>
-            <a:bodyPr lIns="91425" tIns="91425" rIns="91425" bIns="91425" anchor="ctr" anchorCtr="0">
-              <a:noAutofit/>
-            </a:bodyPr>
-            <a:lstStyle/>
-            <a:p>
-              <a:pPr lvl="0">
-                <a:spcBef>
-                  <a:spcPts val="0"/>
-                </a:spcBef>
-                <a:buNone/>
-              </a:pPr>
-              <a:endParaRPr/>
-            </a:p>
-          </p:txBody>
-        </p:sp>
-        <p:sp>
-          <p:nvSpPr>
-            <p:cNvPr id="223" name="Shape 223"/>
-            <p:cNvSpPr/>
-            <p:nvPr/>
-          </p:nvSpPr>
-          <p:spPr>
-            <a:xfrm>
-              <a:off x="1236875" y="1791950"/>
-              <a:ext cx="465200" cy="171725"/>
-            </a:xfrm>
-            <a:custGeom>
-              <a:avLst/>
-              <a:gdLst/>
-              <a:ahLst/>
-              <a:cxnLst/>
-              <a:rect l="0" t="0" r="0" b="0"/>
-              <a:pathLst>
-                <a:path w="18608" h="6869" fill="none" extrusionOk="0">
-                  <a:moveTo>
-                    <a:pt x="18608" y="1"/>
-                  </a:moveTo>
-                  <a:lnTo>
-                    <a:pt x="9450" y="6820"/>
-                  </a:lnTo>
-                  <a:lnTo>
-                    <a:pt x="9450" y="6820"/>
-                  </a:lnTo>
-                  <a:lnTo>
-                    <a:pt x="9377" y="6845"/>
-                  </a:lnTo>
-                  <a:lnTo>
-                    <a:pt x="9304" y="6869"/>
-                  </a:lnTo>
-                  <a:lnTo>
-                    <a:pt x="9304" y="6869"/>
-                  </a:lnTo>
-                  <a:lnTo>
-                    <a:pt x="9231" y="6845"/>
-                  </a:lnTo>
-                  <a:lnTo>
-                    <a:pt x="9158" y="6820"/>
-                  </a:lnTo>
-                  <a:lnTo>
-                    <a:pt x="1" y="1"/>
-                  </a:lnTo>
-                </a:path>
-              </a:pathLst>
-            </a:custGeom>
-            <a:noFill/>
-            <a:ln w="12175" cap="rnd" cmpd="sng">
-              <a:solidFill>
-                <a:srgbClr val="FFFFFF"/>
-              </a:solidFill>
-              <a:prstDash val="solid"/>
-              <a:round/>
-              <a:headEnd type="none" w="med" len="med"/>
-              <a:tailEnd type="none" w="med" len="med"/>
-            </a:ln>
-          </p:spPr>
-          <p:txBody>
-            <a:bodyPr lIns="91425" tIns="91425" rIns="91425" bIns="91425" anchor="ctr" anchorCtr="0">
-              <a:noAutofit/>
-            </a:bodyPr>
-            <a:lstStyle/>
-            <a:p>
-              <a:pPr lvl="0">
-                <a:spcBef>
-                  <a:spcPts val="0"/>
-                </a:spcBef>
-                <a:buNone/>
-              </a:pPr>
-              <a:endParaRPr/>
-            </a:p>
-          </p:txBody>
-        </p:sp>
-        <p:sp>
-          <p:nvSpPr>
-            <p:cNvPr id="224" name="Shape 224"/>
-            <p:cNvSpPr/>
-            <p:nvPr/>
-          </p:nvSpPr>
-          <p:spPr>
-            <a:xfrm>
-              <a:off x="1330025" y="1750550"/>
-              <a:ext cx="278900" cy="110850"/>
-            </a:xfrm>
-            <a:custGeom>
-              <a:avLst/>
-              <a:gdLst/>
-              <a:ahLst/>
-              <a:cxnLst/>
-              <a:rect l="0" t="0" r="0" b="0"/>
-              <a:pathLst>
-                <a:path w="11156" h="4434" fill="none" extrusionOk="0">
-                  <a:moveTo>
-                    <a:pt x="1" y="4433"/>
-                  </a:moveTo>
-                  <a:lnTo>
-                    <a:pt x="1" y="1"/>
-                  </a:lnTo>
-                  <a:lnTo>
-                    <a:pt x="11155" y="1"/>
-                  </a:lnTo>
-                  <a:lnTo>
-                    <a:pt x="11155" y="4433"/>
-                  </a:lnTo>
-                </a:path>
-              </a:pathLst>
-            </a:custGeom>
-            <a:noFill/>
-            <a:ln w="12175" cap="rnd" cmpd="sng">
-              <a:solidFill>
-                <a:srgbClr val="FFFFFF"/>
-              </a:solidFill>
-              <a:prstDash val="solid"/>
-              <a:round/>
-              <a:headEnd type="none" w="med" len="med"/>
-              <a:tailEnd type="none" w="med" len="med"/>
-            </a:ln>
-          </p:spPr>
-          <p:txBody>
-            <a:bodyPr lIns="91425" tIns="91425" rIns="91425" bIns="91425" anchor="ctr" anchorCtr="0">
-              <a:noAutofit/>
-            </a:bodyPr>
-            <a:lstStyle/>
-            <a:p>
-              <a:pPr lvl="0">
-                <a:spcBef>
-                  <a:spcPts val="0"/>
-                </a:spcBef>
-                <a:buNone/>
-              </a:pPr>
-              <a:endParaRPr/>
-            </a:p>
-          </p:txBody>
-        </p:sp>
-        <p:sp>
-          <p:nvSpPr>
-            <p:cNvPr id="225" name="Shape 225"/>
-            <p:cNvSpPr/>
-            <p:nvPr/>
-          </p:nvSpPr>
-          <p:spPr>
-            <a:xfrm>
-              <a:off x="1402500" y="1810225"/>
-              <a:ext cx="133975" cy="25"/>
-            </a:xfrm>
-            <a:custGeom>
-              <a:avLst/>
-              <a:gdLst/>
-              <a:ahLst/>
-              <a:cxnLst/>
-              <a:rect l="0" t="0" r="0" b="0"/>
-              <a:pathLst>
-                <a:path w="5359" h="1" fill="none" extrusionOk="0">
-                  <a:moveTo>
-                    <a:pt x="0" y="0"/>
-                  </a:moveTo>
-                  <a:lnTo>
-                    <a:pt x="5358" y="0"/>
-                  </a:lnTo>
-                </a:path>
-              </a:pathLst>
-            </a:custGeom>
-            <a:noFill/>
-            <a:ln w="12175" cap="rnd" cmpd="sng">
-              <a:solidFill>
-                <a:srgbClr val="FFFFFF"/>
-              </a:solidFill>
-              <a:prstDash val="solid"/>
-              <a:round/>
-              <a:headEnd type="none" w="med" len="med"/>
-              <a:tailEnd type="none" w="med" len="med"/>
-            </a:ln>
-          </p:spPr>
-          <p:txBody>
-            <a:bodyPr lIns="91425" tIns="91425" rIns="91425" bIns="91425" anchor="ctr" anchorCtr="0">
-              <a:noAutofit/>
-            </a:bodyPr>
-            <a:lstStyle/>
-            <a:p>
-              <a:pPr lvl="0">
-                <a:spcBef>
-                  <a:spcPts val="0"/>
-                </a:spcBef>
-                <a:buNone/>
-              </a:pPr>
-              <a:endParaRPr/>
-            </a:p>
-          </p:txBody>
-        </p:sp>
-        <p:sp>
-          <p:nvSpPr>
-            <p:cNvPr id="226" name="Shape 226"/>
-            <p:cNvSpPr/>
-            <p:nvPr/>
-          </p:nvSpPr>
-          <p:spPr>
-            <a:xfrm>
-              <a:off x="1402500" y="1844325"/>
-              <a:ext cx="133975" cy="25"/>
-            </a:xfrm>
-            <a:custGeom>
-              <a:avLst/>
-              <a:gdLst/>
-              <a:ahLst/>
-              <a:cxnLst/>
-              <a:rect l="0" t="0" r="0" b="0"/>
-              <a:pathLst>
-                <a:path w="5359" h="1" fill="none" extrusionOk="0">
-                  <a:moveTo>
-                    <a:pt x="0" y="0"/>
-                  </a:moveTo>
-                  <a:lnTo>
-                    <a:pt x="5358" y="0"/>
-                  </a:lnTo>
-                </a:path>
-              </a:pathLst>
-            </a:custGeom>
-            <a:noFill/>
-            <a:ln w="12175" cap="rnd" cmpd="sng">
-              <a:solidFill>
-                <a:srgbClr val="FFFFFF"/>
-              </a:solidFill>
-              <a:prstDash val="solid"/>
-              <a:round/>
-              <a:headEnd type="none" w="med" len="med"/>
-              <a:tailEnd type="none" w="med" len="med"/>
-            </a:ln>
-          </p:spPr>
-          <p:txBody>
-            <a:bodyPr lIns="91425" tIns="91425" rIns="91425" bIns="91425" anchor="ctr" anchorCtr="0">
-              <a:noAutofit/>
-            </a:bodyPr>
-            <a:lstStyle/>
-            <a:p>
-              <a:pPr lvl="0">
-                <a:spcBef>
-                  <a:spcPts val="0"/>
-                </a:spcBef>
-                <a:buNone/>
-              </a:pPr>
-              <a:endParaRPr/>
-            </a:p>
-          </p:txBody>
-        </p:sp>
-        <p:sp>
-          <p:nvSpPr>
-            <p:cNvPr id="227" name="Shape 227"/>
-            <p:cNvSpPr/>
-            <p:nvPr/>
-          </p:nvSpPr>
-          <p:spPr>
-            <a:xfrm>
-              <a:off x="1402500" y="1878425"/>
-              <a:ext cx="85250" cy="25"/>
-            </a:xfrm>
-            <a:custGeom>
-              <a:avLst/>
-              <a:gdLst/>
-              <a:ahLst/>
-              <a:cxnLst/>
-              <a:rect l="0" t="0" r="0" b="0"/>
-              <a:pathLst>
-                <a:path w="3410" h="1" fill="none" extrusionOk="0">
-                  <a:moveTo>
-                    <a:pt x="0" y="0"/>
-                  </a:moveTo>
-                  <a:lnTo>
-                    <a:pt x="3410" y="0"/>
-                  </a:lnTo>
-                </a:path>
-              </a:pathLst>
-            </a:custGeom>
-            <a:noFill/>
-            <a:ln w="12175" cap="rnd" cmpd="sng">
-              <a:solidFill>
-                <a:srgbClr val="FFFFFF"/>
-              </a:solidFill>
-              <a:prstDash val="solid"/>
-              <a:round/>
-              <a:headEnd type="none" w="med" len="med"/>
-              <a:tailEnd type="none" w="med" len="med"/>
-            </a:ln>
-          </p:spPr>
-          <p:txBody>
-            <a:bodyPr lIns="91425" tIns="91425" rIns="91425" bIns="91425" anchor="ctr" anchorCtr="0">
-              <a:noAutofit/>
-            </a:bodyPr>
-            <a:lstStyle/>
-            <a:p>
-              <a:pPr lvl="0">
-                <a:spcBef>
-                  <a:spcPts val="0"/>
-                </a:spcBef>
-                <a:buNone/>
-              </a:pPr>
-              <a:endParaRPr/>
-            </a:p>
-          </p:txBody>
-        </p:sp>
-      </p:grpSp>
-      <p:grpSp>
-        <p:nvGrpSpPr>
-          <p:cNvPr id="228" name="Shape 228"/>
-          <p:cNvGrpSpPr/>
-          <p:nvPr/>
-        </p:nvGrpSpPr>
-        <p:grpSpPr>
-          <a:xfrm>
-            <a:off x="3848736" y="1404877"/>
-            <a:ext cx="366457" cy="366436"/>
-            <a:chOff x="1923675" y="1633650"/>
-            <a:chExt cx="436000" cy="435975"/>
-          </a:xfrm>
-        </p:grpSpPr>
-        <p:sp>
-          <p:nvSpPr>
-            <p:cNvPr id="229" name="Shape 229"/>
-            <p:cNvSpPr/>
-            <p:nvPr/>
-          </p:nvSpPr>
-          <p:spPr>
-            <a:xfrm>
-              <a:off x="2209250" y="1633650"/>
-              <a:ext cx="150425" cy="150425"/>
-            </a:xfrm>
-            <a:custGeom>
-              <a:avLst/>
-              <a:gdLst/>
-              <a:ahLst/>
-              <a:cxnLst/>
-              <a:rect l="0" t="0" r="0" b="0"/>
-              <a:pathLst>
-                <a:path w="6017" h="6017" fill="none" extrusionOk="0">
-                  <a:moveTo>
-                    <a:pt x="5846" y="3605"/>
-                  </a:moveTo>
-                  <a:lnTo>
-                    <a:pt x="2412" y="171"/>
-                  </a:lnTo>
-                  <a:lnTo>
-                    <a:pt x="2412" y="171"/>
-                  </a:lnTo>
-                  <a:lnTo>
-                    <a:pt x="2314" y="98"/>
-                  </a:lnTo>
-                  <a:lnTo>
-                    <a:pt x="2217" y="49"/>
-                  </a:lnTo>
-                  <a:lnTo>
-                    <a:pt x="2095" y="25"/>
-                  </a:lnTo>
-                  <a:lnTo>
-                    <a:pt x="1997" y="1"/>
-                  </a:lnTo>
-                  <a:lnTo>
-                    <a:pt x="1876" y="25"/>
-                  </a:lnTo>
-                  <a:lnTo>
-                    <a:pt x="1778" y="49"/>
-                  </a:lnTo>
-                  <a:lnTo>
-                    <a:pt x="1681" y="98"/>
-                  </a:lnTo>
-                  <a:lnTo>
-                    <a:pt x="1583" y="171"/>
-                  </a:lnTo>
-                  <a:lnTo>
-                    <a:pt x="0" y="1778"/>
-                  </a:lnTo>
-                  <a:lnTo>
-                    <a:pt x="4238" y="6016"/>
-                  </a:lnTo>
-                  <a:lnTo>
-                    <a:pt x="5846" y="4433"/>
-                  </a:lnTo>
-                  <a:lnTo>
-                    <a:pt x="5846" y="4433"/>
-                  </a:lnTo>
-                  <a:lnTo>
-                    <a:pt x="5919" y="4336"/>
-                  </a:lnTo>
-                  <a:lnTo>
-                    <a:pt x="5967" y="4238"/>
-                  </a:lnTo>
-                  <a:lnTo>
-                    <a:pt x="5992" y="4141"/>
-                  </a:lnTo>
-                  <a:lnTo>
-                    <a:pt x="6016" y="4019"/>
-                  </a:lnTo>
-                  <a:lnTo>
-                    <a:pt x="5992" y="3922"/>
-                  </a:lnTo>
-                  <a:lnTo>
-                    <a:pt x="5967" y="3800"/>
-                  </a:lnTo>
-                  <a:lnTo>
-                    <a:pt x="5919" y="3703"/>
-                  </a:lnTo>
-                  <a:lnTo>
-                    <a:pt x="5846" y="3605"/>
-                  </a:lnTo>
-                  <a:lnTo>
-                    <a:pt x="5846" y="3605"/>
-                  </a:lnTo>
-                  <a:close/>
-                </a:path>
-              </a:pathLst>
-            </a:custGeom>
-            <a:noFill/>
-            <a:ln w="12175" cap="rnd" cmpd="sng">
-              <a:solidFill>
-                <a:srgbClr val="FFFFFF"/>
-              </a:solidFill>
-              <a:prstDash val="solid"/>
-              <a:round/>
-              <a:headEnd type="none" w="med" len="med"/>
-              <a:tailEnd type="none" w="med" len="med"/>
-            </a:ln>
-          </p:spPr>
-          <p:txBody>
-            <a:bodyPr lIns="91425" tIns="91425" rIns="91425" bIns="91425" anchor="ctr" anchorCtr="0">
-              <a:noAutofit/>
-            </a:bodyPr>
-            <a:lstStyle/>
-            <a:p>
-              <a:pPr lvl="0">
-                <a:spcBef>
-                  <a:spcPts val="0"/>
-                </a:spcBef>
-                <a:buNone/>
-              </a:pPr>
-              <a:endParaRPr/>
-            </a:p>
-          </p:txBody>
-        </p:sp>
-        <p:sp>
-          <p:nvSpPr>
-            <p:cNvPr id="230" name="Shape 230"/>
-            <p:cNvSpPr/>
-            <p:nvPr/>
-          </p:nvSpPr>
-          <p:spPr>
-            <a:xfrm>
-              <a:off x="2019900" y="1757250"/>
-              <a:ext cx="261825" cy="261850"/>
-            </a:xfrm>
-            <a:custGeom>
-              <a:avLst/>
-              <a:gdLst/>
-              <a:ahLst/>
-              <a:cxnLst/>
-              <a:rect l="0" t="0" r="0" b="0"/>
-              <a:pathLst>
-                <a:path w="10473" h="10474" fill="none" extrusionOk="0">
-                  <a:moveTo>
-                    <a:pt x="10473" y="1"/>
-                  </a:moveTo>
-                  <a:lnTo>
-                    <a:pt x="0" y="10473"/>
-                  </a:lnTo>
-                </a:path>
-              </a:pathLst>
-            </a:custGeom>
-            <a:noFill/>
-            <a:ln w="12175" cap="rnd" cmpd="sng">
-              <a:solidFill>
-                <a:srgbClr val="FFFFFF"/>
-              </a:solidFill>
-              <a:prstDash val="solid"/>
-              <a:round/>
-              <a:headEnd type="none" w="med" len="med"/>
-              <a:tailEnd type="none" w="med" len="med"/>
-            </a:ln>
-          </p:spPr>
-          <p:txBody>
-            <a:bodyPr lIns="91425" tIns="91425" rIns="91425" bIns="91425" anchor="ctr" anchorCtr="0">
-              <a:noAutofit/>
-            </a:bodyPr>
-            <a:lstStyle/>
-            <a:p>
-              <a:pPr lvl="0">
-                <a:spcBef>
-                  <a:spcPts val="0"/>
-                </a:spcBef>
-                <a:buNone/>
-              </a:pPr>
-              <a:endParaRPr/>
-            </a:p>
-          </p:txBody>
-        </p:sp>
-        <p:sp>
-          <p:nvSpPr>
-            <p:cNvPr id="231" name="Shape 231"/>
-            <p:cNvSpPr/>
-            <p:nvPr/>
-          </p:nvSpPr>
-          <p:spPr>
-            <a:xfrm>
-              <a:off x="1923675" y="1681150"/>
-              <a:ext cx="388500" cy="388475"/>
-            </a:xfrm>
-            <a:custGeom>
-              <a:avLst/>
-              <a:gdLst/>
-              <a:ahLst/>
-              <a:cxnLst/>
-              <a:rect l="0" t="0" r="0" b="0"/>
-              <a:pathLst>
-                <a:path w="15540" h="15539" fill="none" extrusionOk="0">
-                  <a:moveTo>
-                    <a:pt x="11277" y="0"/>
-                  </a:moveTo>
-                  <a:lnTo>
-                    <a:pt x="756" y="10546"/>
-                  </a:lnTo>
-                  <a:lnTo>
-                    <a:pt x="756" y="10546"/>
-                  </a:lnTo>
-                  <a:lnTo>
-                    <a:pt x="683" y="10619"/>
-                  </a:lnTo>
-                  <a:lnTo>
-                    <a:pt x="634" y="10692"/>
-                  </a:lnTo>
-                  <a:lnTo>
-                    <a:pt x="610" y="10765"/>
-                  </a:lnTo>
-                  <a:lnTo>
-                    <a:pt x="585" y="10863"/>
-                  </a:lnTo>
-                  <a:lnTo>
-                    <a:pt x="1" y="14881"/>
-                  </a:lnTo>
-                  <a:lnTo>
-                    <a:pt x="1" y="14881"/>
-                  </a:lnTo>
-                  <a:lnTo>
-                    <a:pt x="1" y="15003"/>
-                  </a:lnTo>
-                  <a:lnTo>
-                    <a:pt x="25" y="15149"/>
-                  </a:lnTo>
-                  <a:lnTo>
-                    <a:pt x="98" y="15271"/>
-                  </a:lnTo>
-                  <a:lnTo>
-                    <a:pt x="171" y="15368"/>
-                  </a:lnTo>
-                  <a:lnTo>
-                    <a:pt x="171" y="15368"/>
-                  </a:lnTo>
-                  <a:lnTo>
-                    <a:pt x="269" y="15441"/>
-                  </a:lnTo>
-                  <a:lnTo>
-                    <a:pt x="366" y="15490"/>
-                  </a:lnTo>
-                  <a:lnTo>
-                    <a:pt x="464" y="15514"/>
-                  </a:lnTo>
-                  <a:lnTo>
-                    <a:pt x="585" y="15539"/>
-                  </a:lnTo>
-                  <a:lnTo>
-                    <a:pt x="585" y="15539"/>
-                  </a:lnTo>
-                  <a:lnTo>
-                    <a:pt x="659" y="15539"/>
-                  </a:lnTo>
-                  <a:lnTo>
-                    <a:pt x="4677" y="14954"/>
-                  </a:lnTo>
-                  <a:lnTo>
-                    <a:pt x="4677" y="14954"/>
-                  </a:lnTo>
-                  <a:lnTo>
-                    <a:pt x="4848" y="14905"/>
-                  </a:lnTo>
-                  <a:lnTo>
-                    <a:pt x="4921" y="14857"/>
-                  </a:lnTo>
-                  <a:lnTo>
-                    <a:pt x="4994" y="14784"/>
-                  </a:lnTo>
-                  <a:lnTo>
-                    <a:pt x="15539" y="4262"/>
-                  </a:lnTo>
-                </a:path>
-              </a:pathLst>
-            </a:custGeom>
-            <a:noFill/>
-            <a:ln w="12175" cap="rnd" cmpd="sng">
-              <a:solidFill>
-                <a:srgbClr val="FFFFFF"/>
-              </a:solidFill>
-              <a:prstDash val="solid"/>
-              <a:round/>
-              <a:headEnd type="none" w="med" len="med"/>
-              <a:tailEnd type="none" w="med" len="med"/>
-            </a:ln>
-          </p:spPr>
-          <p:txBody>
-            <a:bodyPr lIns="91425" tIns="91425" rIns="91425" bIns="91425" anchor="ctr" anchorCtr="0">
-              <a:noAutofit/>
-            </a:bodyPr>
-            <a:lstStyle/>
-            <a:p>
-              <a:pPr lvl="0">
-                <a:spcBef>
-                  <a:spcPts val="0"/>
-                </a:spcBef>
-                <a:buNone/>
-              </a:pPr>
-              <a:endParaRPr/>
-            </a:p>
-          </p:txBody>
-        </p:sp>
-        <p:sp>
-          <p:nvSpPr>
-            <p:cNvPr id="232" name="Shape 232"/>
-            <p:cNvSpPr/>
-            <p:nvPr/>
-          </p:nvSpPr>
-          <p:spPr>
-            <a:xfrm>
-              <a:off x="1974225" y="1711575"/>
-              <a:ext cx="261825" cy="261850"/>
-            </a:xfrm>
-            <a:custGeom>
-              <a:avLst/>
-              <a:gdLst/>
-              <a:ahLst/>
-              <a:cxnLst/>
-              <a:rect l="0" t="0" r="0" b="0"/>
-              <a:pathLst>
-                <a:path w="10473" h="10474" fill="none" extrusionOk="0">
-                  <a:moveTo>
-                    <a:pt x="0" y="10474"/>
-                  </a:moveTo>
-                  <a:lnTo>
-                    <a:pt x="10473" y="1"/>
-                  </a:lnTo>
-                </a:path>
-              </a:pathLst>
-            </a:custGeom>
-            <a:noFill/>
-            <a:ln w="12175" cap="rnd" cmpd="sng">
-              <a:solidFill>
-                <a:srgbClr val="FFFFFF"/>
-              </a:solidFill>
-              <a:prstDash val="solid"/>
-              <a:round/>
-              <a:headEnd type="none" w="med" len="med"/>
-              <a:tailEnd type="none" w="med" len="med"/>
-            </a:ln>
-          </p:spPr>
-          <p:txBody>
-            <a:bodyPr lIns="91425" tIns="91425" rIns="91425" bIns="91425" anchor="ctr" anchorCtr="0">
-              <a:noAutofit/>
-            </a:bodyPr>
-            <a:lstStyle/>
-            <a:p>
-              <a:pPr lvl="0">
-                <a:spcBef>
-                  <a:spcPts val="0"/>
-                </a:spcBef>
-                <a:buNone/>
-              </a:pPr>
-              <a:endParaRPr/>
-            </a:p>
-          </p:txBody>
-        </p:sp>
-        <p:sp>
-          <p:nvSpPr>
-            <p:cNvPr id="233" name="Shape 233"/>
-            <p:cNvSpPr/>
-            <p:nvPr/>
-          </p:nvSpPr>
-          <p:spPr>
-            <a:xfrm>
-              <a:off x="1934650" y="2014200"/>
-              <a:ext cx="44475" cy="44475"/>
-            </a:xfrm>
-            <a:custGeom>
-              <a:avLst/>
-              <a:gdLst/>
-              <a:ahLst/>
-              <a:cxnLst/>
-              <a:rect l="0" t="0" r="0" b="0"/>
-              <a:pathLst>
-                <a:path w="1779" h="1779" fill="none" extrusionOk="0">
-                  <a:moveTo>
-                    <a:pt x="1778" y="1778"/>
-                  </a:moveTo>
-                  <a:lnTo>
-                    <a:pt x="0" y="0"/>
-                  </a:lnTo>
-                </a:path>
-              </a:pathLst>
-            </a:custGeom>
-            <a:noFill/>
-            <a:ln w="12175" cap="rnd" cmpd="sng">
-              <a:solidFill>
-                <a:srgbClr val="FFFFFF"/>
-              </a:solidFill>
-              <a:prstDash val="solid"/>
-              <a:round/>
-              <a:headEnd type="none" w="med" len="med"/>
-              <a:tailEnd type="none" w="med" len="med"/>
-            </a:ln>
-          </p:spPr>
-          <p:txBody>
-            <a:bodyPr lIns="91425" tIns="91425" rIns="91425" bIns="91425" anchor="ctr" anchorCtr="0">
-              <a:noAutofit/>
-            </a:bodyPr>
-            <a:lstStyle/>
-            <a:p>
-              <a:pPr lvl="0">
-                <a:spcBef>
-                  <a:spcPts val="0"/>
-                </a:spcBef>
-                <a:buNone/>
-              </a:pPr>
-              <a:endParaRPr/>
-            </a:p>
-          </p:txBody>
-        </p:sp>
-        <p:sp>
-          <p:nvSpPr>
-            <p:cNvPr id="234" name="Shape 234"/>
-            <p:cNvSpPr/>
-            <p:nvPr/>
-          </p:nvSpPr>
-          <p:spPr>
-            <a:xfrm>
-              <a:off x="1944375" y="1947225"/>
-              <a:ext cx="101725" cy="101700"/>
-            </a:xfrm>
-            <a:custGeom>
-              <a:avLst/>
-              <a:gdLst/>
-              <a:ahLst/>
-              <a:cxnLst/>
-              <a:rect l="0" t="0" r="0" b="0"/>
-              <a:pathLst>
-                <a:path w="4069" h="4068" fill="none" extrusionOk="0">
-                  <a:moveTo>
-                    <a:pt x="1" y="49"/>
-                  </a:moveTo>
-                  <a:lnTo>
-                    <a:pt x="1" y="49"/>
-                  </a:lnTo>
-                  <a:lnTo>
-                    <a:pt x="25" y="0"/>
-                  </a:lnTo>
-                  <a:lnTo>
-                    <a:pt x="25" y="0"/>
-                  </a:lnTo>
-                  <a:lnTo>
-                    <a:pt x="4068" y="4043"/>
-                  </a:lnTo>
-                  <a:lnTo>
-                    <a:pt x="4068" y="4043"/>
-                  </a:lnTo>
-                  <a:lnTo>
-                    <a:pt x="4068" y="4043"/>
-                  </a:lnTo>
-                  <a:lnTo>
-                    <a:pt x="4020" y="4068"/>
-                  </a:lnTo>
-                </a:path>
-              </a:pathLst>
-            </a:custGeom>
-            <a:noFill/>
-            <a:ln w="12175" cap="rnd" cmpd="sng">
-              <a:solidFill>
-                <a:srgbClr val="FFFFFF"/>
-              </a:solidFill>
-              <a:prstDash val="solid"/>
-              <a:round/>
-              <a:headEnd type="none" w="med" len="med"/>
-              <a:tailEnd type="none" w="med" len="med"/>
-            </a:ln>
-          </p:spPr>
-          <p:txBody>
-            <a:bodyPr lIns="91425" tIns="91425" rIns="91425" bIns="91425" anchor="ctr" anchorCtr="0">
-              <a:noAutofit/>
-            </a:bodyPr>
-            <a:lstStyle/>
-            <a:p>
-              <a:pPr lvl="0">
-                <a:spcBef>
-                  <a:spcPts val="0"/>
-                </a:spcBef>
-                <a:buNone/>
-              </a:pPr>
-              <a:endParaRPr/>
-            </a:p>
-          </p:txBody>
-        </p:sp>
-      </p:grpSp>
-      <p:sp>
-        <p:nvSpPr>
-          <p:cNvPr id="235" name="Shape 235"/>
-          <p:cNvSpPr/>
-          <p:nvPr/>
-        </p:nvSpPr>
-        <p:spPr>
-          <a:xfrm>
-            <a:off x="1285548" y="3715564"/>
-            <a:ext cx="336767" cy="336767"/>
-          </a:xfrm>
-          <a:custGeom>
-            <a:avLst/>
-            <a:gdLst/>
-            <a:ahLst/>
-            <a:cxnLst/>
-            <a:rect l="0" t="0" r="0" b="0"/>
-            <a:pathLst>
-              <a:path w="16027" h="16027" fill="none" extrusionOk="0">
-                <a:moveTo>
-                  <a:pt x="14029" y="4019"/>
-                </a:moveTo>
-                <a:lnTo>
-                  <a:pt x="14029" y="4019"/>
-                </a:lnTo>
-                <a:lnTo>
-                  <a:pt x="14200" y="3849"/>
-                </a:lnTo>
-                <a:lnTo>
-                  <a:pt x="14395" y="3752"/>
-                </a:lnTo>
-                <a:lnTo>
-                  <a:pt x="14614" y="3678"/>
-                </a:lnTo>
-                <a:lnTo>
-                  <a:pt x="14809" y="3630"/>
-                </a:lnTo>
-                <a:lnTo>
-                  <a:pt x="15028" y="3581"/>
-                </a:lnTo>
-                <a:lnTo>
-                  <a:pt x="15247" y="3484"/>
-                </a:lnTo>
-                <a:lnTo>
-                  <a:pt x="15442" y="3362"/>
-                </a:lnTo>
-                <a:lnTo>
-                  <a:pt x="15661" y="3191"/>
-                </a:lnTo>
-                <a:lnTo>
-                  <a:pt x="15661" y="3191"/>
-                </a:lnTo>
-                <a:lnTo>
-                  <a:pt x="15832" y="2997"/>
-                </a:lnTo>
-                <a:lnTo>
-                  <a:pt x="15929" y="2777"/>
-                </a:lnTo>
-                <a:lnTo>
-                  <a:pt x="16002" y="2534"/>
-                </a:lnTo>
-                <a:lnTo>
-                  <a:pt x="16026" y="2266"/>
-                </a:lnTo>
-                <a:lnTo>
-                  <a:pt x="16026" y="2266"/>
-                </a:lnTo>
-                <a:lnTo>
-                  <a:pt x="16002" y="2047"/>
-                </a:lnTo>
-                <a:lnTo>
-                  <a:pt x="15978" y="1827"/>
-                </a:lnTo>
-                <a:lnTo>
-                  <a:pt x="15905" y="1633"/>
-                </a:lnTo>
-                <a:lnTo>
-                  <a:pt x="15807" y="1413"/>
-                </a:lnTo>
-                <a:lnTo>
-                  <a:pt x="15710" y="1243"/>
-                </a:lnTo>
-                <a:lnTo>
-                  <a:pt x="15588" y="1048"/>
-                </a:lnTo>
-                <a:lnTo>
-                  <a:pt x="15466" y="878"/>
-                </a:lnTo>
-                <a:lnTo>
-                  <a:pt x="15320" y="707"/>
-                </a:lnTo>
-                <a:lnTo>
-                  <a:pt x="15320" y="707"/>
-                </a:lnTo>
-                <a:lnTo>
-                  <a:pt x="15150" y="561"/>
-                </a:lnTo>
-                <a:lnTo>
-                  <a:pt x="14979" y="439"/>
-                </a:lnTo>
-                <a:lnTo>
-                  <a:pt x="14784" y="317"/>
-                </a:lnTo>
-                <a:lnTo>
-                  <a:pt x="14590" y="196"/>
-                </a:lnTo>
-                <a:lnTo>
-                  <a:pt x="14395" y="123"/>
-                </a:lnTo>
-                <a:lnTo>
-                  <a:pt x="14175" y="50"/>
-                </a:lnTo>
-                <a:lnTo>
-                  <a:pt x="13981" y="25"/>
-                </a:lnTo>
-                <a:lnTo>
-                  <a:pt x="13761" y="1"/>
-                </a:lnTo>
-                <a:lnTo>
-                  <a:pt x="13761" y="1"/>
-                </a:lnTo>
-                <a:lnTo>
-                  <a:pt x="13494" y="25"/>
-                </a:lnTo>
-                <a:lnTo>
-                  <a:pt x="13250" y="98"/>
-                </a:lnTo>
-                <a:lnTo>
-                  <a:pt x="13031" y="196"/>
-                </a:lnTo>
-                <a:lnTo>
-                  <a:pt x="12836" y="366"/>
-                </a:lnTo>
-                <a:lnTo>
-                  <a:pt x="12836" y="366"/>
-                </a:lnTo>
-                <a:lnTo>
-                  <a:pt x="12665" y="561"/>
-                </a:lnTo>
-                <a:lnTo>
-                  <a:pt x="12544" y="780"/>
-                </a:lnTo>
-                <a:lnTo>
-                  <a:pt x="12471" y="975"/>
-                </a:lnTo>
-                <a:lnTo>
-                  <a:pt x="12422" y="1194"/>
-                </a:lnTo>
-                <a:lnTo>
-                  <a:pt x="12349" y="1413"/>
-                </a:lnTo>
-                <a:lnTo>
-                  <a:pt x="12276" y="1608"/>
-                </a:lnTo>
-                <a:lnTo>
-                  <a:pt x="12178" y="1827"/>
-                </a:lnTo>
-                <a:lnTo>
-                  <a:pt x="12008" y="1998"/>
-                </a:lnTo>
-                <a:lnTo>
-                  <a:pt x="12008" y="1998"/>
-                </a:lnTo>
-                <a:lnTo>
-                  <a:pt x="11740" y="2266"/>
-                </a:lnTo>
-                <a:lnTo>
-                  <a:pt x="11496" y="2436"/>
-                </a:lnTo>
-                <a:lnTo>
-                  <a:pt x="11277" y="2534"/>
-                </a:lnTo>
-                <a:lnTo>
-                  <a:pt x="11082" y="2582"/>
-                </a:lnTo>
-                <a:lnTo>
-                  <a:pt x="10888" y="2582"/>
-                </a:lnTo>
-                <a:lnTo>
-                  <a:pt x="10717" y="2534"/>
-                </a:lnTo>
-                <a:lnTo>
-                  <a:pt x="10547" y="2412"/>
-                </a:lnTo>
-                <a:lnTo>
-                  <a:pt x="10376" y="2290"/>
-                </a:lnTo>
-                <a:lnTo>
-                  <a:pt x="10206" y="2095"/>
-                </a:lnTo>
-                <a:lnTo>
-                  <a:pt x="10035" y="1901"/>
-                </a:lnTo>
-                <a:lnTo>
-                  <a:pt x="9670" y="1413"/>
-                </a:lnTo>
-                <a:lnTo>
-                  <a:pt x="9231" y="878"/>
-                </a:lnTo>
-                <a:lnTo>
-                  <a:pt x="8988" y="585"/>
-                </a:lnTo>
-                <a:lnTo>
-                  <a:pt x="8720" y="293"/>
-                </a:lnTo>
-                <a:lnTo>
-                  <a:pt x="8720" y="293"/>
-                </a:lnTo>
-                <a:lnTo>
-                  <a:pt x="8574" y="171"/>
-                </a:lnTo>
-                <a:lnTo>
-                  <a:pt x="8379" y="74"/>
-                </a:lnTo>
-                <a:lnTo>
-                  <a:pt x="8209" y="25"/>
-                </a:lnTo>
-                <a:lnTo>
-                  <a:pt x="8014" y="1"/>
-                </a:lnTo>
-                <a:lnTo>
-                  <a:pt x="8014" y="1"/>
-                </a:lnTo>
-                <a:lnTo>
-                  <a:pt x="7916" y="25"/>
-                </a:lnTo>
-                <a:lnTo>
-                  <a:pt x="7770" y="98"/>
-                </a:lnTo>
-                <a:lnTo>
-                  <a:pt x="7307" y="366"/>
-                </a:lnTo>
-                <a:lnTo>
-                  <a:pt x="7039" y="537"/>
-                </a:lnTo>
-                <a:lnTo>
-                  <a:pt x="6747" y="756"/>
-                </a:lnTo>
-                <a:lnTo>
-                  <a:pt x="6431" y="975"/>
-                </a:lnTo>
-                <a:lnTo>
-                  <a:pt x="6138" y="1243"/>
-                </a:lnTo>
-                <a:lnTo>
-                  <a:pt x="5870" y="1511"/>
-                </a:lnTo>
-                <a:lnTo>
-                  <a:pt x="5627" y="1803"/>
-                </a:lnTo>
-                <a:lnTo>
-                  <a:pt x="5432" y="2095"/>
-                </a:lnTo>
-                <a:lnTo>
-                  <a:pt x="5359" y="2242"/>
-                </a:lnTo>
-                <a:lnTo>
-                  <a:pt x="5310" y="2412"/>
-                </a:lnTo>
-                <a:lnTo>
-                  <a:pt x="5262" y="2558"/>
-                </a:lnTo>
-                <a:lnTo>
-                  <a:pt x="5237" y="2704"/>
-                </a:lnTo>
-                <a:lnTo>
-                  <a:pt x="5237" y="2850"/>
-                </a:lnTo>
-                <a:lnTo>
-                  <a:pt x="5262" y="3021"/>
-                </a:lnTo>
-                <a:lnTo>
-                  <a:pt x="5310" y="3167"/>
-                </a:lnTo>
-                <a:lnTo>
-                  <a:pt x="5383" y="3313"/>
-                </a:lnTo>
-                <a:lnTo>
-                  <a:pt x="5481" y="3459"/>
-                </a:lnTo>
-                <a:lnTo>
-                  <a:pt x="5603" y="3605"/>
-                </a:lnTo>
-                <a:lnTo>
-                  <a:pt x="5603" y="3605"/>
-                </a:lnTo>
-                <a:lnTo>
-                  <a:pt x="5797" y="3752"/>
-                </a:lnTo>
-                <a:lnTo>
-                  <a:pt x="5992" y="3849"/>
-                </a:lnTo>
-                <a:lnTo>
-                  <a:pt x="6187" y="3946"/>
-                </a:lnTo>
-                <a:lnTo>
-                  <a:pt x="6406" y="3995"/>
-                </a:lnTo>
-                <a:lnTo>
-                  <a:pt x="6625" y="4044"/>
-                </a:lnTo>
-                <a:lnTo>
-                  <a:pt x="6845" y="4141"/>
-                </a:lnTo>
-                <a:lnTo>
-                  <a:pt x="7039" y="4239"/>
-                </a:lnTo>
-                <a:lnTo>
-                  <a:pt x="7234" y="4409"/>
-                </a:lnTo>
-                <a:lnTo>
-                  <a:pt x="7234" y="4409"/>
-                </a:lnTo>
-                <a:lnTo>
-                  <a:pt x="7405" y="4604"/>
-                </a:lnTo>
-                <a:lnTo>
-                  <a:pt x="7502" y="4823"/>
-                </a:lnTo>
-                <a:lnTo>
-                  <a:pt x="7575" y="5067"/>
-                </a:lnTo>
-                <a:lnTo>
-                  <a:pt x="7600" y="5359"/>
-                </a:lnTo>
-                <a:lnTo>
-                  <a:pt x="7600" y="5359"/>
-                </a:lnTo>
-                <a:lnTo>
-                  <a:pt x="7575" y="5554"/>
-                </a:lnTo>
-                <a:lnTo>
-                  <a:pt x="7551" y="5773"/>
-                </a:lnTo>
-                <a:lnTo>
-                  <a:pt x="7478" y="5968"/>
-                </a:lnTo>
-                <a:lnTo>
-                  <a:pt x="7405" y="6163"/>
-                </a:lnTo>
-                <a:lnTo>
-                  <a:pt x="7307" y="6357"/>
-                </a:lnTo>
-                <a:lnTo>
-                  <a:pt x="7186" y="6552"/>
-                </a:lnTo>
-                <a:lnTo>
-                  <a:pt x="7039" y="6723"/>
-                </a:lnTo>
-                <a:lnTo>
-                  <a:pt x="6893" y="6893"/>
-                </a:lnTo>
-                <a:lnTo>
-                  <a:pt x="6893" y="6893"/>
-                </a:lnTo>
-                <a:lnTo>
-                  <a:pt x="6723" y="7039"/>
-                </a:lnTo>
-                <a:lnTo>
-                  <a:pt x="6552" y="7186"/>
-                </a:lnTo>
-                <a:lnTo>
-                  <a:pt x="6382" y="7283"/>
-                </a:lnTo>
-                <a:lnTo>
-                  <a:pt x="6187" y="7405"/>
-                </a:lnTo>
-                <a:lnTo>
-                  <a:pt x="5992" y="7478"/>
-                </a:lnTo>
-                <a:lnTo>
-                  <a:pt x="5773" y="7551"/>
-                </a:lnTo>
-                <a:lnTo>
-                  <a:pt x="5554" y="7575"/>
-                </a:lnTo>
-                <a:lnTo>
-                  <a:pt x="5359" y="7600"/>
-                </a:lnTo>
-                <a:lnTo>
-                  <a:pt x="5359" y="7600"/>
-                </a:lnTo>
-                <a:lnTo>
-                  <a:pt x="5091" y="7575"/>
-                </a:lnTo>
-                <a:lnTo>
-                  <a:pt x="4848" y="7502"/>
-                </a:lnTo>
-                <a:lnTo>
-                  <a:pt x="4604" y="7405"/>
-                </a:lnTo>
-                <a:lnTo>
-                  <a:pt x="4409" y="7234"/>
-                </a:lnTo>
-                <a:lnTo>
-                  <a:pt x="4409" y="7234"/>
-                </a:lnTo>
-                <a:lnTo>
-                  <a:pt x="4239" y="7039"/>
-                </a:lnTo>
-                <a:lnTo>
-                  <a:pt x="4117" y="6820"/>
-                </a:lnTo>
-                <a:lnTo>
-                  <a:pt x="4044" y="6601"/>
-                </a:lnTo>
-                <a:lnTo>
-                  <a:pt x="3971" y="6382"/>
-                </a:lnTo>
-                <a:lnTo>
-                  <a:pt x="3922" y="6187"/>
-                </a:lnTo>
-                <a:lnTo>
-                  <a:pt x="3849" y="5992"/>
-                </a:lnTo>
-                <a:lnTo>
-                  <a:pt x="3752" y="5797"/>
-                </a:lnTo>
-                <a:lnTo>
-                  <a:pt x="3605" y="5602"/>
-                </a:lnTo>
-                <a:lnTo>
-                  <a:pt x="3605" y="5602"/>
-                </a:lnTo>
-                <a:lnTo>
-                  <a:pt x="3459" y="5481"/>
-                </a:lnTo>
-                <a:lnTo>
-                  <a:pt x="3313" y="5383"/>
-                </a:lnTo>
-                <a:lnTo>
-                  <a:pt x="3167" y="5310"/>
-                </a:lnTo>
-                <a:lnTo>
-                  <a:pt x="3021" y="5262"/>
-                </a:lnTo>
-                <a:lnTo>
-                  <a:pt x="2850" y="5237"/>
-                </a:lnTo>
-                <a:lnTo>
-                  <a:pt x="2704" y="5237"/>
-                </a:lnTo>
-                <a:lnTo>
-                  <a:pt x="2558" y="5262"/>
-                </a:lnTo>
-                <a:lnTo>
-                  <a:pt x="2412" y="5310"/>
-                </a:lnTo>
-                <a:lnTo>
-                  <a:pt x="2242" y="5359"/>
-                </a:lnTo>
-                <a:lnTo>
-                  <a:pt x="2095" y="5432"/>
-                </a:lnTo>
-                <a:lnTo>
-                  <a:pt x="1803" y="5627"/>
-                </a:lnTo>
-                <a:lnTo>
-                  <a:pt x="1511" y="5870"/>
-                </a:lnTo>
-                <a:lnTo>
-                  <a:pt x="1243" y="6138"/>
-                </a:lnTo>
-                <a:lnTo>
-                  <a:pt x="975" y="6431"/>
-                </a:lnTo>
-                <a:lnTo>
-                  <a:pt x="756" y="6747"/>
-                </a:lnTo>
-                <a:lnTo>
-                  <a:pt x="537" y="7039"/>
-                </a:lnTo>
-                <a:lnTo>
-                  <a:pt x="366" y="7307"/>
-                </a:lnTo>
-                <a:lnTo>
-                  <a:pt x="98" y="7770"/>
-                </a:lnTo>
-                <a:lnTo>
-                  <a:pt x="25" y="7916"/>
-                </a:lnTo>
-                <a:lnTo>
-                  <a:pt x="1" y="8014"/>
-                </a:lnTo>
-                <a:lnTo>
-                  <a:pt x="1" y="8014"/>
-                </a:lnTo>
-                <a:lnTo>
-                  <a:pt x="25" y="8208"/>
-                </a:lnTo>
-                <a:lnTo>
-                  <a:pt x="74" y="8379"/>
-                </a:lnTo>
-                <a:lnTo>
-                  <a:pt x="171" y="8574"/>
-                </a:lnTo>
-                <a:lnTo>
-                  <a:pt x="293" y="8720"/>
-                </a:lnTo>
-                <a:lnTo>
-                  <a:pt x="293" y="8720"/>
-                </a:lnTo>
-                <a:lnTo>
-                  <a:pt x="585" y="8988"/>
-                </a:lnTo>
-                <a:lnTo>
-                  <a:pt x="878" y="9231"/>
-                </a:lnTo>
-                <a:lnTo>
-                  <a:pt x="1413" y="9670"/>
-                </a:lnTo>
-                <a:lnTo>
-                  <a:pt x="1901" y="10035"/>
-                </a:lnTo>
-                <a:lnTo>
-                  <a:pt x="2095" y="10206"/>
-                </a:lnTo>
-                <a:lnTo>
-                  <a:pt x="2290" y="10376"/>
-                </a:lnTo>
-                <a:lnTo>
-                  <a:pt x="2412" y="10547"/>
-                </a:lnTo>
-                <a:lnTo>
-                  <a:pt x="2534" y="10717"/>
-                </a:lnTo>
-                <a:lnTo>
-                  <a:pt x="2583" y="10888"/>
-                </a:lnTo>
-                <a:lnTo>
-                  <a:pt x="2583" y="11082"/>
-                </a:lnTo>
-                <a:lnTo>
-                  <a:pt x="2534" y="11277"/>
-                </a:lnTo>
-                <a:lnTo>
-                  <a:pt x="2436" y="11496"/>
-                </a:lnTo>
-                <a:lnTo>
-                  <a:pt x="2266" y="11740"/>
-                </a:lnTo>
-                <a:lnTo>
-                  <a:pt x="1998" y="12008"/>
-                </a:lnTo>
-                <a:lnTo>
-                  <a:pt x="1998" y="12008"/>
-                </a:lnTo>
-                <a:lnTo>
-                  <a:pt x="1828" y="12178"/>
-                </a:lnTo>
-                <a:lnTo>
-                  <a:pt x="1633" y="12276"/>
-                </a:lnTo>
-                <a:lnTo>
-                  <a:pt x="1413" y="12349"/>
-                </a:lnTo>
-                <a:lnTo>
-                  <a:pt x="1219" y="12398"/>
-                </a:lnTo>
-                <a:lnTo>
-                  <a:pt x="999" y="12446"/>
-                </a:lnTo>
-                <a:lnTo>
-                  <a:pt x="780" y="12544"/>
-                </a:lnTo>
-                <a:lnTo>
-                  <a:pt x="585" y="12665"/>
-                </a:lnTo>
-                <a:lnTo>
-                  <a:pt x="366" y="12836"/>
-                </a:lnTo>
-                <a:lnTo>
-                  <a:pt x="366" y="12836"/>
-                </a:lnTo>
-                <a:lnTo>
-                  <a:pt x="196" y="13031"/>
-                </a:lnTo>
-                <a:lnTo>
-                  <a:pt x="98" y="13250"/>
-                </a:lnTo>
-                <a:lnTo>
-                  <a:pt x="25" y="13493"/>
-                </a:lnTo>
-                <a:lnTo>
-                  <a:pt x="1" y="13761"/>
-                </a:lnTo>
-                <a:lnTo>
-                  <a:pt x="1" y="13761"/>
-                </a:lnTo>
-                <a:lnTo>
-                  <a:pt x="25" y="13981"/>
-                </a:lnTo>
-                <a:lnTo>
-                  <a:pt x="50" y="14200"/>
-                </a:lnTo>
-                <a:lnTo>
-                  <a:pt x="123" y="14395"/>
-                </a:lnTo>
-                <a:lnTo>
-                  <a:pt x="220" y="14614"/>
-                </a:lnTo>
-                <a:lnTo>
-                  <a:pt x="318" y="14784"/>
-                </a:lnTo>
-                <a:lnTo>
-                  <a:pt x="439" y="14979"/>
-                </a:lnTo>
-                <a:lnTo>
-                  <a:pt x="561" y="15150"/>
-                </a:lnTo>
-                <a:lnTo>
-                  <a:pt x="707" y="15320"/>
-                </a:lnTo>
-                <a:lnTo>
-                  <a:pt x="707" y="15320"/>
-                </a:lnTo>
-                <a:lnTo>
-                  <a:pt x="878" y="15466"/>
-                </a:lnTo>
-                <a:lnTo>
-                  <a:pt x="1048" y="15588"/>
-                </a:lnTo>
-                <a:lnTo>
-                  <a:pt x="1243" y="15710"/>
-                </a:lnTo>
-                <a:lnTo>
-                  <a:pt x="1438" y="15832"/>
-                </a:lnTo>
-                <a:lnTo>
-                  <a:pt x="1633" y="15905"/>
-                </a:lnTo>
-                <a:lnTo>
-                  <a:pt x="1852" y="15978"/>
-                </a:lnTo>
-                <a:lnTo>
-                  <a:pt x="2047" y="16002"/>
-                </a:lnTo>
-                <a:lnTo>
-                  <a:pt x="2266" y="16026"/>
-                </a:lnTo>
-                <a:lnTo>
-                  <a:pt x="2266" y="16026"/>
-                </a:lnTo>
-                <a:lnTo>
-                  <a:pt x="2534" y="16002"/>
-                </a:lnTo>
-                <a:lnTo>
-                  <a:pt x="2777" y="15929"/>
-                </a:lnTo>
-                <a:lnTo>
-                  <a:pt x="2997" y="15832"/>
-                </a:lnTo>
-                <a:lnTo>
-                  <a:pt x="3191" y="15661"/>
-                </a:lnTo>
-                <a:lnTo>
-                  <a:pt x="3191" y="15661"/>
-                </a:lnTo>
-                <a:lnTo>
-                  <a:pt x="3362" y="15466"/>
-                </a:lnTo>
-                <a:lnTo>
-                  <a:pt x="3484" y="15247"/>
-                </a:lnTo>
-                <a:lnTo>
-                  <a:pt x="3557" y="15052"/>
-                </a:lnTo>
-                <a:lnTo>
-                  <a:pt x="3605" y="14833"/>
-                </a:lnTo>
-                <a:lnTo>
-                  <a:pt x="3679" y="14614"/>
-                </a:lnTo>
-                <a:lnTo>
-                  <a:pt x="3752" y="14419"/>
-                </a:lnTo>
-                <a:lnTo>
-                  <a:pt x="3849" y="14200"/>
-                </a:lnTo>
-                <a:lnTo>
-                  <a:pt x="4019" y="14029"/>
-                </a:lnTo>
-                <a:lnTo>
-                  <a:pt x="4019" y="14029"/>
-                </a:lnTo>
-                <a:lnTo>
-                  <a:pt x="4287" y="13786"/>
-                </a:lnTo>
-                <a:lnTo>
-                  <a:pt x="4531" y="13591"/>
-                </a:lnTo>
-                <a:lnTo>
-                  <a:pt x="4750" y="13493"/>
-                </a:lnTo>
-                <a:lnTo>
-                  <a:pt x="4945" y="13445"/>
-                </a:lnTo>
-                <a:lnTo>
-                  <a:pt x="5140" y="13445"/>
-                </a:lnTo>
-                <a:lnTo>
-                  <a:pt x="5310" y="13493"/>
-                </a:lnTo>
-                <a:lnTo>
-                  <a:pt x="5481" y="13615"/>
-                </a:lnTo>
-                <a:lnTo>
-                  <a:pt x="5651" y="13737"/>
-                </a:lnTo>
-                <a:lnTo>
-                  <a:pt x="5822" y="13932"/>
-                </a:lnTo>
-                <a:lnTo>
-                  <a:pt x="5992" y="14127"/>
-                </a:lnTo>
-                <a:lnTo>
-                  <a:pt x="6358" y="14614"/>
-                </a:lnTo>
-                <a:lnTo>
-                  <a:pt x="6796" y="15150"/>
-                </a:lnTo>
-                <a:lnTo>
-                  <a:pt x="7039" y="15442"/>
-                </a:lnTo>
-                <a:lnTo>
-                  <a:pt x="7307" y="15734"/>
-                </a:lnTo>
-                <a:lnTo>
-                  <a:pt x="7307" y="15734"/>
-                </a:lnTo>
-                <a:lnTo>
-                  <a:pt x="7454" y="15856"/>
-                </a:lnTo>
-                <a:lnTo>
-                  <a:pt x="7648" y="15953"/>
-                </a:lnTo>
-                <a:lnTo>
-                  <a:pt x="7819" y="16002"/>
-                </a:lnTo>
-                <a:lnTo>
-                  <a:pt x="8014" y="16026"/>
-                </a:lnTo>
-                <a:lnTo>
-                  <a:pt x="8014" y="16026"/>
-                </a:lnTo>
-                <a:lnTo>
-                  <a:pt x="8111" y="16002"/>
-                </a:lnTo>
-                <a:lnTo>
-                  <a:pt x="8257" y="15929"/>
-                </a:lnTo>
-                <a:lnTo>
-                  <a:pt x="8720" y="15661"/>
-                </a:lnTo>
-                <a:lnTo>
-                  <a:pt x="8988" y="15491"/>
-                </a:lnTo>
-                <a:lnTo>
-                  <a:pt x="9280" y="15271"/>
-                </a:lnTo>
-                <a:lnTo>
-                  <a:pt x="9597" y="15052"/>
-                </a:lnTo>
-                <a:lnTo>
-                  <a:pt x="9889" y="14784"/>
-                </a:lnTo>
-                <a:lnTo>
-                  <a:pt x="10157" y="14516"/>
-                </a:lnTo>
-                <a:lnTo>
-                  <a:pt x="10400" y="14224"/>
-                </a:lnTo>
-                <a:lnTo>
-                  <a:pt x="10595" y="13932"/>
-                </a:lnTo>
-                <a:lnTo>
-                  <a:pt x="10668" y="13786"/>
-                </a:lnTo>
-                <a:lnTo>
-                  <a:pt x="10717" y="13615"/>
-                </a:lnTo>
-                <a:lnTo>
-                  <a:pt x="10766" y="13469"/>
-                </a:lnTo>
-                <a:lnTo>
-                  <a:pt x="10790" y="13323"/>
-                </a:lnTo>
-                <a:lnTo>
-                  <a:pt x="10790" y="13177"/>
-                </a:lnTo>
-                <a:lnTo>
-                  <a:pt x="10766" y="13006"/>
-                </a:lnTo>
-                <a:lnTo>
-                  <a:pt x="10717" y="12860"/>
-                </a:lnTo>
-                <a:lnTo>
-                  <a:pt x="10644" y="12714"/>
-                </a:lnTo>
-                <a:lnTo>
-                  <a:pt x="10547" y="12568"/>
-                </a:lnTo>
-                <a:lnTo>
-                  <a:pt x="10425" y="12422"/>
-                </a:lnTo>
-                <a:lnTo>
-                  <a:pt x="10425" y="12422"/>
-                </a:lnTo>
-                <a:lnTo>
-                  <a:pt x="10230" y="12276"/>
-                </a:lnTo>
-                <a:lnTo>
-                  <a:pt x="10035" y="12178"/>
-                </a:lnTo>
-                <a:lnTo>
-                  <a:pt x="9840" y="12105"/>
-                </a:lnTo>
-                <a:lnTo>
-                  <a:pt x="9621" y="12032"/>
-                </a:lnTo>
-                <a:lnTo>
-                  <a:pt x="9402" y="11983"/>
-                </a:lnTo>
-                <a:lnTo>
-                  <a:pt x="9183" y="11886"/>
-                </a:lnTo>
-                <a:lnTo>
-                  <a:pt x="8988" y="11789"/>
-                </a:lnTo>
-                <a:lnTo>
-                  <a:pt x="8793" y="11618"/>
-                </a:lnTo>
-                <a:lnTo>
-                  <a:pt x="8793" y="11618"/>
-                </a:lnTo>
-                <a:lnTo>
-                  <a:pt x="8623" y="11423"/>
-                </a:lnTo>
-                <a:lnTo>
-                  <a:pt x="8525" y="11204"/>
-                </a:lnTo>
-                <a:lnTo>
-                  <a:pt x="8452" y="10961"/>
-                </a:lnTo>
-                <a:lnTo>
-                  <a:pt x="8428" y="10668"/>
-                </a:lnTo>
-                <a:lnTo>
-                  <a:pt x="8428" y="10668"/>
-                </a:lnTo>
-                <a:lnTo>
-                  <a:pt x="8452" y="10473"/>
-                </a:lnTo>
-                <a:lnTo>
-                  <a:pt x="8476" y="10254"/>
-                </a:lnTo>
-                <a:lnTo>
-                  <a:pt x="8549" y="10059"/>
-                </a:lnTo>
-                <a:lnTo>
-                  <a:pt x="8623" y="9865"/>
-                </a:lnTo>
-                <a:lnTo>
-                  <a:pt x="8720" y="9670"/>
-                </a:lnTo>
-                <a:lnTo>
-                  <a:pt x="8842" y="9475"/>
-                </a:lnTo>
-                <a:lnTo>
-                  <a:pt x="8988" y="9304"/>
-                </a:lnTo>
-                <a:lnTo>
-                  <a:pt x="9134" y="9134"/>
-                </a:lnTo>
-                <a:lnTo>
-                  <a:pt x="9134" y="9134"/>
-                </a:lnTo>
-                <a:lnTo>
-                  <a:pt x="9304" y="8988"/>
-                </a:lnTo>
-                <a:lnTo>
-                  <a:pt x="9475" y="8866"/>
-                </a:lnTo>
-                <a:lnTo>
-                  <a:pt x="9645" y="8744"/>
-                </a:lnTo>
-                <a:lnTo>
-                  <a:pt x="9840" y="8622"/>
-                </a:lnTo>
-                <a:lnTo>
-                  <a:pt x="10035" y="8549"/>
-                </a:lnTo>
-                <a:lnTo>
-                  <a:pt x="10254" y="8476"/>
-                </a:lnTo>
-                <a:lnTo>
-                  <a:pt x="10474" y="8452"/>
-                </a:lnTo>
-                <a:lnTo>
-                  <a:pt x="10668" y="8428"/>
-                </a:lnTo>
-                <a:lnTo>
-                  <a:pt x="10668" y="8428"/>
-                </a:lnTo>
-                <a:lnTo>
-                  <a:pt x="10936" y="8452"/>
-                </a:lnTo>
-                <a:lnTo>
-                  <a:pt x="11180" y="8525"/>
-                </a:lnTo>
-                <a:lnTo>
-                  <a:pt x="11423" y="8622"/>
-                </a:lnTo>
-                <a:lnTo>
-                  <a:pt x="11618" y="8793"/>
-                </a:lnTo>
-                <a:lnTo>
-                  <a:pt x="11618" y="8793"/>
-                </a:lnTo>
-                <a:lnTo>
-                  <a:pt x="11789" y="8988"/>
-                </a:lnTo>
-                <a:lnTo>
-                  <a:pt x="11910" y="9207"/>
-                </a:lnTo>
-                <a:lnTo>
-                  <a:pt x="11984" y="9426"/>
-                </a:lnTo>
-                <a:lnTo>
-                  <a:pt x="12057" y="9645"/>
-                </a:lnTo>
-                <a:lnTo>
-                  <a:pt x="12105" y="9840"/>
-                </a:lnTo>
-                <a:lnTo>
-                  <a:pt x="12178" y="10035"/>
-                </a:lnTo>
-                <a:lnTo>
-                  <a:pt x="12276" y="10230"/>
-                </a:lnTo>
-                <a:lnTo>
-                  <a:pt x="12422" y="10425"/>
-                </a:lnTo>
-                <a:lnTo>
-                  <a:pt x="12422" y="10425"/>
-                </a:lnTo>
-                <a:lnTo>
-                  <a:pt x="12568" y="10547"/>
-                </a:lnTo>
-                <a:lnTo>
-                  <a:pt x="12714" y="10644"/>
-                </a:lnTo>
-                <a:lnTo>
-                  <a:pt x="12860" y="10717"/>
-                </a:lnTo>
-                <a:lnTo>
-                  <a:pt x="13006" y="10766"/>
-                </a:lnTo>
-                <a:lnTo>
-                  <a:pt x="13177" y="10790"/>
-                </a:lnTo>
-                <a:lnTo>
-                  <a:pt x="13323" y="10790"/>
-                </a:lnTo>
-                <a:lnTo>
-                  <a:pt x="13469" y="10766"/>
-                </a:lnTo>
-                <a:lnTo>
-                  <a:pt x="13615" y="10717"/>
-                </a:lnTo>
-                <a:lnTo>
-                  <a:pt x="13786" y="10668"/>
-                </a:lnTo>
-                <a:lnTo>
-                  <a:pt x="13932" y="10595"/>
-                </a:lnTo>
-                <a:lnTo>
-                  <a:pt x="14224" y="10400"/>
-                </a:lnTo>
-                <a:lnTo>
-                  <a:pt x="14516" y="10157"/>
-                </a:lnTo>
-                <a:lnTo>
-                  <a:pt x="14784" y="9889"/>
-                </a:lnTo>
-                <a:lnTo>
-                  <a:pt x="15052" y="9597"/>
-                </a:lnTo>
-                <a:lnTo>
-                  <a:pt x="15271" y="9280"/>
-                </a:lnTo>
-                <a:lnTo>
-                  <a:pt x="15491" y="8988"/>
-                </a:lnTo>
-                <a:lnTo>
-                  <a:pt x="15661" y="8720"/>
-                </a:lnTo>
-                <a:lnTo>
-                  <a:pt x="15929" y="8257"/>
-                </a:lnTo>
-                <a:lnTo>
-                  <a:pt x="16002" y="8111"/>
-                </a:lnTo>
-                <a:lnTo>
-                  <a:pt x="16026" y="8014"/>
-                </a:lnTo>
-                <a:lnTo>
-                  <a:pt x="16026" y="8014"/>
-                </a:lnTo>
-                <a:lnTo>
-                  <a:pt x="16002" y="7819"/>
-                </a:lnTo>
-                <a:lnTo>
-                  <a:pt x="15953" y="7648"/>
-                </a:lnTo>
-                <a:lnTo>
-                  <a:pt x="15856" y="7453"/>
-                </a:lnTo>
-                <a:lnTo>
-                  <a:pt x="15734" y="7307"/>
-                </a:lnTo>
-                <a:lnTo>
-                  <a:pt x="15734" y="7307"/>
-                </a:lnTo>
-                <a:lnTo>
-                  <a:pt x="15442" y="7039"/>
-                </a:lnTo>
-                <a:lnTo>
-                  <a:pt x="15150" y="6796"/>
-                </a:lnTo>
-                <a:lnTo>
-                  <a:pt x="14614" y="6357"/>
-                </a:lnTo>
-                <a:lnTo>
-                  <a:pt x="14127" y="5992"/>
-                </a:lnTo>
-                <a:lnTo>
-                  <a:pt x="13932" y="5822"/>
-                </a:lnTo>
-                <a:lnTo>
-                  <a:pt x="13737" y="5651"/>
-                </a:lnTo>
-                <a:lnTo>
-                  <a:pt x="13615" y="5481"/>
-                </a:lnTo>
-                <a:lnTo>
-                  <a:pt x="13494" y="5310"/>
-                </a:lnTo>
-                <a:lnTo>
-                  <a:pt x="13445" y="5140"/>
-                </a:lnTo>
-                <a:lnTo>
-                  <a:pt x="13445" y="4945"/>
-                </a:lnTo>
-                <a:lnTo>
-                  <a:pt x="13494" y="4750"/>
-                </a:lnTo>
-                <a:lnTo>
-                  <a:pt x="13591" y="4531"/>
-                </a:lnTo>
-                <a:lnTo>
-                  <a:pt x="13761" y="4287"/>
-                </a:lnTo>
-                <a:lnTo>
-                  <a:pt x="14029" y="4019"/>
-                </a:lnTo>
-                <a:lnTo>
-                  <a:pt x="14029" y="4019"/>
-                </a:lnTo>
-                <a:close/>
-              </a:path>
-            </a:pathLst>
-          </a:custGeom>
-          <a:noFill/>
-          <a:ln w="12175" cap="rnd" cmpd="sng">
-            <a:solidFill>
-              <a:srgbClr val="FFFFFF"/>
-            </a:solidFill>
-            <a:prstDash val="solid"/>
-            <a:round/>
-            <a:headEnd type="none" w="med" len="med"/>
-            <a:tailEnd type="none" w="med" len="med"/>
-          </a:ln>
-        </p:spPr>
-        <p:txBody>
-          <a:bodyPr lIns="91425" tIns="91425" rIns="91425" bIns="91425" anchor="ctr" anchorCtr="0">
-            <a:noAutofit/>
-          </a:bodyPr>
-          <a:lstStyle/>
-          <a:p>
-            <a:pPr lvl="0">
-              <a:spcBef>
-                <a:spcPts val="0"/>
-              </a:spcBef>
-              <a:buNone/>
-            </a:pPr>
-            <a:endParaRPr/>
-          </a:p>
-        </p:txBody>
-      </p:sp>
-      <p:grpSp>
-        <p:nvGrpSpPr>
-          <p:cNvPr id="236" name="Shape 236"/>
-          <p:cNvGrpSpPr/>
-          <p:nvPr/>
-        </p:nvGrpSpPr>
-        <p:grpSpPr>
-          <a:xfrm>
-            <a:off x="3835130" y="3671574"/>
-            <a:ext cx="299911" cy="424767"/>
-            <a:chOff x="3979850" y="1598950"/>
-            <a:chExt cx="356825" cy="505375"/>
-          </a:xfrm>
-        </p:grpSpPr>
-        <p:sp>
-          <p:nvSpPr>
-            <p:cNvPr id="237" name="Shape 237"/>
-            <p:cNvSpPr/>
-            <p:nvPr/>
-          </p:nvSpPr>
-          <p:spPr>
-            <a:xfrm>
-              <a:off x="3979850" y="1602600"/>
-              <a:ext cx="44475" cy="501725"/>
-            </a:xfrm>
-            <a:custGeom>
-              <a:avLst/>
-              <a:gdLst/>
-              <a:ahLst/>
-              <a:cxnLst/>
-              <a:rect l="0" t="0" r="0" b="0"/>
-              <a:pathLst>
-                <a:path w="1779" h="20069" fill="none" extrusionOk="0">
-                  <a:moveTo>
-                    <a:pt x="1778" y="20069"/>
-                  </a:moveTo>
-                  <a:lnTo>
-                    <a:pt x="1778" y="488"/>
-                  </a:lnTo>
-                  <a:lnTo>
-                    <a:pt x="1778" y="488"/>
-                  </a:lnTo>
-                  <a:lnTo>
-                    <a:pt x="1778" y="390"/>
-                  </a:lnTo>
-                  <a:lnTo>
-                    <a:pt x="1730" y="293"/>
-                  </a:lnTo>
-                  <a:lnTo>
-                    <a:pt x="1705" y="220"/>
-                  </a:lnTo>
-                  <a:lnTo>
-                    <a:pt x="1632" y="147"/>
-                  </a:lnTo>
-                  <a:lnTo>
-                    <a:pt x="1559" y="74"/>
-                  </a:lnTo>
-                  <a:lnTo>
-                    <a:pt x="1486" y="25"/>
-                  </a:lnTo>
-                  <a:lnTo>
-                    <a:pt x="1389" y="0"/>
-                  </a:lnTo>
-                  <a:lnTo>
-                    <a:pt x="1291" y="0"/>
-                  </a:lnTo>
-                  <a:lnTo>
-                    <a:pt x="488" y="0"/>
-                  </a:lnTo>
-                  <a:lnTo>
-                    <a:pt x="488" y="0"/>
-                  </a:lnTo>
-                  <a:lnTo>
-                    <a:pt x="390" y="0"/>
-                  </a:lnTo>
-                  <a:lnTo>
-                    <a:pt x="293" y="25"/>
-                  </a:lnTo>
-                  <a:lnTo>
-                    <a:pt x="220" y="74"/>
-                  </a:lnTo>
-                  <a:lnTo>
-                    <a:pt x="147" y="147"/>
-                  </a:lnTo>
-                  <a:lnTo>
-                    <a:pt x="98" y="220"/>
-                  </a:lnTo>
-                  <a:lnTo>
-                    <a:pt x="49" y="293"/>
-                  </a:lnTo>
-                  <a:lnTo>
-                    <a:pt x="25" y="390"/>
-                  </a:lnTo>
-                  <a:lnTo>
-                    <a:pt x="1" y="488"/>
-                  </a:lnTo>
-                  <a:lnTo>
-                    <a:pt x="1" y="20069"/>
-                  </a:lnTo>
-                  <a:lnTo>
-                    <a:pt x="1778" y="20069"/>
-                  </a:lnTo>
-                  <a:close/>
-                </a:path>
-              </a:pathLst>
-            </a:custGeom>
-            <a:noFill/>
-            <a:ln w="12175" cap="rnd" cmpd="sng">
-              <a:solidFill>
-                <a:srgbClr val="FFFFFF"/>
-              </a:solidFill>
-              <a:prstDash val="solid"/>
-              <a:round/>
-              <a:headEnd type="none" w="med" len="med"/>
-              <a:tailEnd type="none" w="med" len="med"/>
-            </a:ln>
-          </p:spPr>
-          <p:txBody>
-            <a:bodyPr lIns="91425" tIns="91425" rIns="91425" bIns="91425" anchor="ctr" anchorCtr="0">
-              <a:noAutofit/>
-            </a:bodyPr>
-            <a:lstStyle/>
-            <a:p>
-              <a:pPr lvl="0">
-                <a:spcBef>
-                  <a:spcPts val="0"/>
-                </a:spcBef>
-                <a:buNone/>
-              </a:pPr>
-              <a:endParaRPr/>
-            </a:p>
-          </p:txBody>
-        </p:sp>
-        <p:sp>
-          <p:nvSpPr>
-            <p:cNvPr id="238" name="Shape 238"/>
-            <p:cNvSpPr/>
-            <p:nvPr/>
-          </p:nvSpPr>
-          <p:spPr>
-            <a:xfrm>
-              <a:off x="4037075" y="1598950"/>
-              <a:ext cx="299600" cy="228950"/>
-            </a:xfrm>
-            <a:custGeom>
-              <a:avLst/>
-              <a:gdLst/>
-              <a:ahLst/>
-              <a:cxnLst/>
-              <a:rect l="0" t="0" r="0" b="0"/>
-              <a:pathLst>
-                <a:path w="11984" h="9158" fill="none" extrusionOk="0">
-                  <a:moveTo>
-                    <a:pt x="1" y="8403"/>
-                  </a:moveTo>
-                  <a:lnTo>
-                    <a:pt x="1" y="8403"/>
-                  </a:lnTo>
-                  <a:lnTo>
-                    <a:pt x="366" y="8184"/>
-                  </a:lnTo>
-                  <a:lnTo>
-                    <a:pt x="732" y="8013"/>
-                  </a:lnTo>
-                  <a:lnTo>
-                    <a:pt x="1097" y="7867"/>
-                  </a:lnTo>
-                  <a:lnTo>
-                    <a:pt x="1438" y="7770"/>
-                  </a:lnTo>
-                  <a:lnTo>
-                    <a:pt x="1803" y="7696"/>
-                  </a:lnTo>
-                  <a:lnTo>
-                    <a:pt x="2168" y="7672"/>
-                  </a:lnTo>
-                  <a:lnTo>
-                    <a:pt x="2534" y="7648"/>
-                  </a:lnTo>
-                  <a:lnTo>
-                    <a:pt x="2875" y="7672"/>
-                  </a:lnTo>
-                  <a:lnTo>
-                    <a:pt x="3240" y="7696"/>
-                  </a:lnTo>
-                  <a:lnTo>
-                    <a:pt x="3605" y="7745"/>
-                  </a:lnTo>
-                  <a:lnTo>
-                    <a:pt x="3971" y="7818"/>
-                  </a:lnTo>
-                  <a:lnTo>
-                    <a:pt x="4312" y="7891"/>
-                  </a:lnTo>
-                  <a:lnTo>
-                    <a:pt x="5042" y="8111"/>
-                  </a:lnTo>
-                  <a:lnTo>
-                    <a:pt x="5749" y="8330"/>
-                  </a:lnTo>
-                  <a:lnTo>
-                    <a:pt x="6479" y="8549"/>
-                  </a:lnTo>
-                  <a:lnTo>
-                    <a:pt x="7186" y="8768"/>
-                  </a:lnTo>
-                  <a:lnTo>
-                    <a:pt x="7916" y="8963"/>
-                  </a:lnTo>
-                  <a:lnTo>
-                    <a:pt x="8282" y="9036"/>
-                  </a:lnTo>
-                  <a:lnTo>
-                    <a:pt x="8623" y="9085"/>
-                  </a:lnTo>
-                  <a:lnTo>
-                    <a:pt x="8988" y="9133"/>
-                  </a:lnTo>
-                  <a:lnTo>
-                    <a:pt x="9353" y="9158"/>
-                  </a:lnTo>
-                  <a:lnTo>
-                    <a:pt x="9719" y="9133"/>
-                  </a:lnTo>
-                  <a:lnTo>
-                    <a:pt x="10059" y="9109"/>
-                  </a:lnTo>
-                  <a:lnTo>
-                    <a:pt x="10425" y="9060"/>
-                  </a:lnTo>
-                  <a:lnTo>
-                    <a:pt x="10790" y="8963"/>
-                  </a:lnTo>
-                  <a:lnTo>
-                    <a:pt x="11155" y="8841"/>
-                  </a:lnTo>
-                  <a:lnTo>
-                    <a:pt x="11496" y="8671"/>
-                  </a:lnTo>
-                  <a:lnTo>
-                    <a:pt x="11496" y="8671"/>
-                  </a:lnTo>
-                  <a:lnTo>
-                    <a:pt x="11667" y="8573"/>
-                  </a:lnTo>
-                  <a:lnTo>
-                    <a:pt x="11789" y="8476"/>
-                  </a:lnTo>
-                  <a:lnTo>
-                    <a:pt x="11862" y="8354"/>
-                  </a:lnTo>
-                  <a:lnTo>
-                    <a:pt x="11935" y="8232"/>
-                  </a:lnTo>
-                  <a:lnTo>
-                    <a:pt x="11984" y="8111"/>
-                  </a:lnTo>
-                  <a:lnTo>
-                    <a:pt x="11984" y="7989"/>
-                  </a:lnTo>
-                  <a:lnTo>
-                    <a:pt x="11935" y="7891"/>
-                  </a:lnTo>
-                  <a:lnTo>
-                    <a:pt x="11886" y="7794"/>
-                  </a:lnTo>
-                  <a:lnTo>
-                    <a:pt x="11886" y="7794"/>
-                  </a:lnTo>
-                  <a:lnTo>
-                    <a:pt x="11496" y="7404"/>
-                  </a:lnTo>
-                  <a:lnTo>
-                    <a:pt x="11107" y="6941"/>
-                  </a:lnTo>
-                  <a:lnTo>
-                    <a:pt x="10741" y="6454"/>
-                  </a:lnTo>
-                  <a:lnTo>
-                    <a:pt x="10352" y="5943"/>
-                  </a:lnTo>
-                  <a:lnTo>
-                    <a:pt x="10352" y="5943"/>
-                  </a:lnTo>
-                  <a:lnTo>
-                    <a:pt x="10279" y="5797"/>
-                  </a:lnTo>
-                  <a:lnTo>
-                    <a:pt x="10230" y="5651"/>
-                  </a:lnTo>
-                  <a:lnTo>
-                    <a:pt x="10206" y="5480"/>
-                  </a:lnTo>
-                  <a:lnTo>
-                    <a:pt x="10181" y="5285"/>
-                  </a:lnTo>
-                  <a:lnTo>
-                    <a:pt x="10206" y="5115"/>
-                  </a:lnTo>
-                  <a:lnTo>
-                    <a:pt x="10230" y="4944"/>
-                  </a:lnTo>
-                  <a:lnTo>
-                    <a:pt x="10279" y="4774"/>
-                  </a:lnTo>
-                  <a:lnTo>
-                    <a:pt x="10352" y="4603"/>
-                  </a:lnTo>
-                  <a:lnTo>
-                    <a:pt x="10352" y="4603"/>
-                  </a:lnTo>
-                  <a:lnTo>
-                    <a:pt x="10741" y="3873"/>
-                  </a:lnTo>
-                  <a:lnTo>
-                    <a:pt x="11107" y="3118"/>
-                  </a:lnTo>
-                  <a:lnTo>
-                    <a:pt x="11496" y="2338"/>
-                  </a:lnTo>
-                  <a:lnTo>
-                    <a:pt x="11886" y="1486"/>
-                  </a:lnTo>
-                  <a:lnTo>
-                    <a:pt x="11886" y="1486"/>
-                  </a:lnTo>
-                  <a:lnTo>
-                    <a:pt x="11959" y="1315"/>
-                  </a:lnTo>
-                  <a:lnTo>
-                    <a:pt x="11984" y="1169"/>
-                  </a:lnTo>
-                  <a:lnTo>
-                    <a:pt x="11984" y="1048"/>
-                  </a:lnTo>
-                  <a:lnTo>
-                    <a:pt x="11935" y="975"/>
-                  </a:lnTo>
-                  <a:lnTo>
-                    <a:pt x="11862" y="950"/>
-                  </a:lnTo>
-                  <a:lnTo>
-                    <a:pt x="11789" y="926"/>
-                  </a:lnTo>
-                  <a:lnTo>
-                    <a:pt x="11667" y="975"/>
-                  </a:lnTo>
-                  <a:lnTo>
-                    <a:pt x="11496" y="1023"/>
-                  </a:lnTo>
-                  <a:lnTo>
-                    <a:pt x="11496" y="1023"/>
-                  </a:lnTo>
-                  <a:lnTo>
-                    <a:pt x="11155" y="1194"/>
-                  </a:lnTo>
-                  <a:lnTo>
-                    <a:pt x="10790" y="1315"/>
-                  </a:lnTo>
-                  <a:lnTo>
-                    <a:pt x="10425" y="1413"/>
-                  </a:lnTo>
-                  <a:lnTo>
-                    <a:pt x="10059" y="1462"/>
-                  </a:lnTo>
-                  <a:lnTo>
-                    <a:pt x="9719" y="1510"/>
-                  </a:lnTo>
-                  <a:lnTo>
-                    <a:pt x="9353" y="1510"/>
-                  </a:lnTo>
-                  <a:lnTo>
-                    <a:pt x="8988" y="1486"/>
-                  </a:lnTo>
-                  <a:lnTo>
-                    <a:pt x="8623" y="1462"/>
-                  </a:lnTo>
-                  <a:lnTo>
-                    <a:pt x="8282" y="1389"/>
-                  </a:lnTo>
-                  <a:lnTo>
-                    <a:pt x="7916" y="1315"/>
-                  </a:lnTo>
-                  <a:lnTo>
-                    <a:pt x="7186" y="1145"/>
-                  </a:lnTo>
-                  <a:lnTo>
-                    <a:pt x="6479" y="926"/>
-                  </a:lnTo>
-                  <a:lnTo>
-                    <a:pt x="5749" y="682"/>
-                  </a:lnTo>
-                  <a:lnTo>
-                    <a:pt x="5042" y="463"/>
-                  </a:lnTo>
-                  <a:lnTo>
-                    <a:pt x="4312" y="268"/>
-                  </a:lnTo>
-                  <a:lnTo>
-                    <a:pt x="3971" y="171"/>
-                  </a:lnTo>
-                  <a:lnTo>
-                    <a:pt x="3605" y="98"/>
-                  </a:lnTo>
-                  <a:lnTo>
-                    <a:pt x="3240" y="49"/>
-                  </a:lnTo>
-                  <a:lnTo>
-                    <a:pt x="2875" y="25"/>
-                  </a:lnTo>
-                  <a:lnTo>
-                    <a:pt x="2534" y="0"/>
-                  </a:lnTo>
-                  <a:lnTo>
-                    <a:pt x="2168" y="25"/>
-                  </a:lnTo>
-                  <a:lnTo>
-                    <a:pt x="1803" y="73"/>
-                  </a:lnTo>
-                  <a:lnTo>
-                    <a:pt x="1438" y="122"/>
-                  </a:lnTo>
-                  <a:lnTo>
-                    <a:pt x="1097" y="244"/>
-                  </a:lnTo>
-                  <a:lnTo>
-                    <a:pt x="732" y="366"/>
-                  </a:lnTo>
-                  <a:lnTo>
-                    <a:pt x="366" y="536"/>
-                  </a:lnTo>
-                  <a:lnTo>
-                    <a:pt x="1" y="755"/>
-                  </a:lnTo>
-                </a:path>
-              </a:pathLst>
-            </a:custGeom>
-            <a:noFill/>
-            <a:ln w="12175" cap="rnd" cmpd="sng">
-              <a:solidFill>
-                <a:srgbClr val="FFFFFF"/>
-              </a:solidFill>
-              <a:prstDash val="solid"/>
-              <a:round/>
-              <a:headEnd type="none" w="med" len="med"/>
-              <a:tailEnd type="none" w="med" len="med"/>
-            </a:ln>
-          </p:spPr>
-          <p:txBody>
-            <a:bodyPr lIns="91425" tIns="91425" rIns="91425" bIns="91425" anchor="ctr" anchorCtr="0">
-              <a:noAutofit/>
-            </a:bodyPr>
-            <a:lstStyle/>
-            <a:p>
-              <a:pPr lvl="0">
-                <a:spcBef>
-                  <a:spcPts val="0"/>
-                </a:spcBef>
-                <a:buNone/>
-              </a:pPr>
-              <a:endParaRPr/>
-            </a:p>
-          </p:txBody>
-        </p:sp>
-      </p:grpSp>
-      <p:grpSp>
-        <p:nvGrpSpPr>
-          <p:cNvPr id="239" name="Shape 239"/>
-          <p:cNvGrpSpPr/>
-          <p:nvPr/>
-        </p:nvGrpSpPr>
-        <p:grpSpPr>
-          <a:xfrm>
-            <a:off x="6347846" y="3762663"/>
-            <a:ext cx="395098" cy="242589"/>
-            <a:chOff x="4595425" y="1707325"/>
-            <a:chExt cx="470075" cy="288625"/>
-          </a:xfrm>
-        </p:grpSpPr>
-        <p:sp>
-          <p:nvSpPr>
-            <p:cNvPr id="240" name="Shape 240"/>
-            <p:cNvSpPr/>
-            <p:nvPr/>
-          </p:nvSpPr>
-          <p:spPr>
-            <a:xfrm>
-              <a:off x="4809750" y="1707325"/>
-              <a:ext cx="41425" cy="41425"/>
-            </a:xfrm>
-            <a:custGeom>
-              <a:avLst/>
-              <a:gdLst/>
-              <a:ahLst/>
-              <a:cxnLst/>
-              <a:rect l="0" t="0" r="0" b="0"/>
-              <a:pathLst>
-                <a:path w="1657" h="1657" fill="none" extrusionOk="0">
-                  <a:moveTo>
-                    <a:pt x="0" y="829"/>
-                  </a:moveTo>
-                  <a:lnTo>
-                    <a:pt x="0" y="829"/>
-                  </a:lnTo>
-                  <a:lnTo>
-                    <a:pt x="25" y="658"/>
-                  </a:lnTo>
-                  <a:lnTo>
-                    <a:pt x="73" y="512"/>
-                  </a:lnTo>
-                  <a:lnTo>
-                    <a:pt x="146" y="366"/>
-                  </a:lnTo>
-                  <a:lnTo>
-                    <a:pt x="244" y="244"/>
-                  </a:lnTo>
-                  <a:lnTo>
-                    <a:pt x="366" y="147"/>
-                  </a:lnTo>
-                  <a:lnTo>
-                    <a:pt x="512" y="74"/>
-                  </a:lnTo>
-                  <a:lnTo>
-                    <a:pt x="658" y="25"/>
-                  </a:lnTo>
-                  <a:lnTo>
-                    <a:pt x="828" y="1"/>
-                  </a:lnTo>
-                  <a:lnTo>
-                    <a:pt x="828" y="1"/>
-                  </a:lnTo>
-                  <a:lnTo>
-                    <a:pt x="999" y="25"/>
-                  </a:lnTo>
-                  <a:lnTo>
-                    <a:pt x="1145" y="74"/>
-                  </a:lnTo>
-                  <a:lnTo>
-                    <a:pt x="1291" y="147"/>
-                  </a:lnTo>
-                  <a:lnTo>
-                    <a:pt x="1413" y="244"/>
-                  </a:lnTo>
-                  <a:lnTo>
-                    <a:pt x="1510" y="366"/>
-                  </a:lnTo>
-                  <a:lnTo>
-                    <a:pt x="1583" y="512"/>
-                  </a:lnTo>
-                  <a:lnTo>
-                    <a:pt x="1632" y="658"/>
-                  </a:lnTo>
-                  <a:lnTo>
-                    <a:pt x="1656" y="829"/>
-                  </a:lnTo>
-                  <a:lnTo>
-                    <a:pt x="1656" y="829"/>
-                  </a:lnTo>
-                  <a:lnTo>
-                    <a:pt x="1632" y="999"/>
-                  </a:lnTo>
-                  <a:lnTo>
-                    <a:pt x="1583" y="1170"/>
-                  </a:lnTo>
-                  <a:lnTo>
-                    <a:pt x="1510" y="1291"/>
-                  </a:lnTo>
-                  <a:lnTo>
-                    <a:pt x="1413" y="1413"/>
-                  </a:lnTo>
-                  <a:lnTo>
-                    <a:pt x="1291" y="1535"/>
-                  </a:lnTo>
-                  <a:lnTo>
-                    <a:pt x="1145" y="1608"/>
-                  </a:lnTo>
-                  <a:lnTo>
-                    <a:pt x="999" y="1657"/>
-                  </a:lnTo>
-                  <a:lnTo>
-                    <a:pt x="828" y="1657"/>
-                  </a:lnTo>
-                  <a:lnTo>
-                    <a:pt x="828" y="1657"/>
-                  </a:lnTo>
-                  <a:lnTo>
-                    <a:pt x="658" y="1657"/>
-                  </a:lnTo>
-                  <a:lnTo>
-                    <a:pt x="512" y="1608"/>
-                  </a:lnTo>
-                  <a:lnTo>
-                    <a:pt x="366" y="1535"/>
-                  </a:lnTo>
-                  <a:lnTo>
-                    <a:pt x="244" y="1413"/>
-                  </a:lnTo>
-                  <a:lnTo>
-                    <a:pt x="146" y="1291"/>
-                  </a:lnTo>
-                  <a:lnTo>
-                    <a:pt x="73" y="1170"/>
-                  </a:lnTo>
-                  <a:lnTo>
-                    <a:pt x="25" y="999"/>
-                  </a:lnTo>
-                  <a:lnTo>
-                    <a:pt x="0" y="829"/>
-                  </a:lnTo>
-                  <a:lnTo>
-                    <a:pt x="0" y="829"/>
-                  </a:lnTo>
-                  <a:close/>
-                </a:path>
-              </a:pathLst>
-            </a:custGeom>
-            <a:noFill/>
-            <a:ln w="12175" cap="rnd" cmpd="sng">
-              <a:solidFill>
-                <a:srgbClr val="FFFFFF"/>
-              </a:solidFill>
-              <a:prstDash val="solid"/>
-              <a:round/>
-              <a:headEnd type="none" w="med" len="med"/>
-              <a:tailEnd type="none" w="med" len="med"/>
-            </a:ln>
-          </p:spPr>
-          <p:txBody>
-            <a:bodyPr lIns="91425" tIns="91425" rIns="91425" bIns="91425" anchor="ctr" anchorCtr="0">
-              <a:noAutofit/>
-            </a:bodyPr>
-            <a:lstStyle/>
-            <a:p>
-              <a:pPr lvl="0">
-                <a:spcBef>
-                  <a:spcPts val="0"/>
-                </a:spcBef>
-                <a:buNone/>
-              </a:pPr>
-              <a:endParaRPr/>
-            </a:p>
-          </p:txBody>
-        </p:sp>
-        <p:sp>
-          <p:nvSpPr>
-            <p:cNvPr id="241" name="Shape 241"/>
-            <p:cNvSpPr/>
-            <p:nvPr/>
-          </p:nvSpPr>
-          <p:spPr>
-            <a:xfrm>
-              <a:off x="5024075" y="1761525"/>
-              <a:ext cx="41425" cy="41425"/>
-            </a:xfrm>
-            <a:custGeom>
-              <a:avLst/>
-              <a:gdLst/>
-              <a:ahLst/>
-              <a:cxnLst/>
-              <a:rect l="0" t="0" r="0" b="0"/>
-              <a:pathLst>
-                <a:path w="1657" h="1657" fill="none" extrusionOk="0">
-                  <a:moveTo>
-                    <a:pt x="0" y="828"/>
-                  </a:moveTo>
-                  <a:lnTo>
-                    <a:pt x="0" y="828"/>
-                  </a:lnTo>
-                  <a:lnTo>
-                    <a:pt x="25" y="682"/>
-                  </a:lnTo>
-                  <a:lnTo>
-                    <a:pt x="73" y="512"/>
-                  </a:lnTo>
-                  <a:lnTo>
-                    <a:pt x="146" y="365"/>
-                  </a:lnTo>
-                  <a:lnTo>
-                    <a:pt x="244" y="244"/>
-                  </a:lnTo>
-                  <a:lnTo>
-                    <a:pt x="366" y="146"/>
-                  </a:lnTo>
-                  <a:lnTo>
-                    <a:pt x="512" y="73"/>
-                  </a:lnTo>
-                  <a:lnTo>
-                    <a:pt x="658" y="24"/>
-                  </a:lnTo>
-                  <a:lnTo>
-                    <a:pt x="828" y="0"/>
-                  </a:lnTo>
-                  <a:lnTo>
-                    <a:pt x="828" y="0"/>
-                  </a:lnTo>
-                  <a:lnTo>
-                    <a:pt x="999" y="24"/>
-                  </a:lnTo>
-                  <a:lnTo>
-                    <a:pt x="1145" y="73"/>
-                  </a:lnTo>
-                  <a:lnTo>
-                    <a:pt x="1291" y="146"/>
-                  </a:lnTo>
-                  <a:lnTo>
-                    <a:pt x="1413" y="244"/>
-                  </a:lnTo>
-                  <a:lnTo>
-                    <a:pt x="1510" y="365"/>
-                  </a:lnTo>
-                  <a:lnTo>
-                    <a:pt x="1583" y="512"/>
-                  </a:lnTo>
-                  <a:lnTo>
-                    <a:pt x="1632" y="682"/>
-                  </a:lnTo>
-                  <a:lnTo>
-                    <a:pt x="1656" y="828"/>
-                  </a:lnTo>
-                  <a:lnTo>
-                    <a:pt x="1656" y="828"/>
-                  </a:lnTo>
-                  <a:lnTo>
-                    <a:pt x="1632" y="999"/>
-                  </a:lnTo>
-                  <a:lnTo>
-                    <a:pt x="1583" y="1169"/>
-                  </a:lnTo>
-                  <a:lnTo>
-                    <a:pt x="1510" y="1291"/>
-                  </a:lnTo>
-                  <a:lnTo>
-                    <a:pt x="1413" y="1413"/>
-                  </a:lnTo>
-                  <a:lnTo>
-                    <a:pt x="1291" y="1534"/>
-                  </a:lnTo>
-                  <a:lnTo>
-                    <a:pt x="1145" y="1608"/>
-                  </a:lnTo>
-                  <a:lnTo>
-                    <a:pt x="999" y="1656"/>
-                  </a:lnTo>
-                  <a:lnTo>
-                    <a:pt x="828" y="1656"/>
-                  </a:lnTo>
-                  <a:lnTo>
-                    <a:pt x="828" y="1656"/>
-                  </a:lnTo>
-                  <a:lnTo>
-                    <a:pt x="658" y="1656"/>
-                  </a:lnTo>
-                  <a:lnTo>
-                    <a:pt x="512" y="1608"/>
-                  </a:lnTo>
-                  <a:lnTo>
-                    <a:pt x="366" y="1534"/>
-                  </a:lnTo>
-                  <a:lnTo>
-                    <a:pt x="244" y="1413"/>
-                  </a:lnTo>
-                  <a:lnTo>
-                    <a:pt x="146" y="1291"/>
-                  </a:lnTo>
-                  <a:lnTo>
-                    <a:pt x="73" y="1169"/>
-                  </a:lnTo>
-                  <a:lnTo>
-                    <a:pt x="25" y="999"/>
-                  </a:lnTo>
-                  <a:lnTo>
-                    <a:pt x="0" y="828"/>
-                  </a:lnTo>
-                  <a:lnTo>
-                    <a:pt x="0" y="828"/>
-                  </a:lnTo>
-                  <a:close/>
-                </a:path>
-              </a:pathLst>
-            </a:custGeom>
-            <a:noFill/>
-            <a:ln w="12175" cap="rnd" cmpd="sng">
-              <a:solidFill>
-                <a:srgbClr val="FFFFFF"/>
-              </a:solidFill>
-              <a:prstDash val="solid"/>
-              <a:round/>
-              <a:headEnd type="none" w="med" len="med"/>
-              <a:tailEnd type="none" w="med" len="med"/>
-            </a:ln>
-          </p:spPr>
-          <p:txBody>
-            <a:bodyPr lIns="91425" tIns="91425" rIns="91425" bIns="91425" anchor="ctr" anchorCtr="0">
-              <a:noAutofit/>
-            </a:bodyPr>
-            <a:lstStyle/>
-            <a:p>
-              <a:pPr lvl="0">
-                <a:spcBef>
-                  <a:spcPts val="0"/>
-                </a:spcBef>
-                <a:buNone/>
-              </a:pPr>
-              <a:endParaRPr/>
-            </a:p>
-          </p:txBody>
-        </p:sp>
-        <p:sp>
-          <p:nvSpPr>
-            <p:cNvPr id="242" name="Shape 242"/>
-            <p:cNvSpPr/>
-            <p:nvPr/>
-          </p:nvSpPr>
-          <p:spPr>
-            <a:xfrm>
-              <a:off x="4628900" y="1760300"/>
-              <a:ext cx="403100" cy="177825"/>
-            </a:xfrm>
-            <a:custGeom>
-              <a:avLst/>
-              <a:gdLst/>
-              <a:ahLst/>
-              <a:cxnLst/>
-              <a:rect l="0" t="0" r="0" b="0"/>
-              <a:pathLst>
-                <a:path w="16124" h="7113" fill="none" extrusionOk="0">
-                  <a:moveTo>
-                    <a:pt x="14663" y="7112"/>
-                  </a:moveTo>
-                  <a:lnTo>
-                    <a:pt x="16124" y="2095"/>
-                  </a:lnTo>
-                  <a:lnTo>
-                    <a:pt x="16124" y="2095"/>
-                  </a:lnTo>
-                  <a:lnTo>
-                    <a:pt x="16002" y="2046"/>
-                  </a:lnTo>
-                  <a:lnTo>
-                    <a:pt x="15880" y="1973"/>
-                  </a:lnTo>
-                  <a:lnTo>
-                    <a:pt x="15759" y="1876"/>
-                  </a:lnTo>
-                  <a:lnTo>
-                    <a:pt x="15661" y="1778"/>
-                  </a:lnTo>
-                  <a:lnTo>
-                    <a:pt x="11131" y="3434"/>
-                  </a:lnTo>
-                  <a:lnTo>
-                    <a:pt x="8403" y="0"/>
-                  </a:lnTo>
-                  <a:lnTo>
-                    <a:pt x="8403" y="0"/>
-                  </a:lnTo>
-                  <a:lnTo>
-                    <a:pt x="8233" y="25"/>
-                  </a:lnTo>
-                  <a:lnTo>
-                    <a:pt x="8062" y="25"/>
-                  </a:lnTo>
-                  <a:lnTo>
-                    <a:pt x="8062" y="25"/>
-                  </a:lnTo>
-                  <a:lnTo>
-                    <a:pt x="7892" y="25"/>
-                  </a:lnTo>
-                  <a:lnTo>
-                    <a:pt x="7721" y="0"/>
-                  </a:lnTo>
-                  <a:lnTo>
-                    <a:pt x="4994" y="3434"/>
-                  </a:lnTo>
-                  <a:lnTo>
-                    <a:pt x="464" y="1778"/>
-                  </a:lnTo>
-                  <a:lnTo>
-                    <a:pt x="464" y="1778"/>
-                  </a:lnTo>
-                  <a:lnTo>
-                    <a:pt x="366" y="1876"/>
-                  </a:lnTo>
-                  <a:lnTo>
-                    <a:pt x="244" y="1973"/>
-                  </a:lnTo>
-                  <a:lnTo>
-                    <a:pt x="123" y="2046"/>
-                  </a:lnTo>
-                  <a:lnTo>
-                    <a:pt x="1" y="2095"/>
-                  </a:lnTo>
-                  <a:lnTo>
-                    <a:pt x="1462" y="7112"/>
-                  </a:lnTo>
-                </a:path>
-              </a:pathLst>
-            </a:custGeom>
-            <a:noFill/>
-            <a:ln w="12175" cap="rnd" cmpd="sng">
-              <a:solidFill>
-                <a:srgbClr val="FFFFFF"/>
-              </a:solidFill>
-              <a:prstDash val="solid"/>
-              <a:round/>
-              <a:headEnd type="none" w="med" len="med"/>
-              <a:tailEnd type="none" w="med" len="med"/>
-            </a:ln>
-          </p:spPr>
-          <p:txBody>
-            <a:bodyPr lIns="91425" tIns="91425" rIns="91425" bIns="91425" anchor="ctr" anchorCtr="0">
-              <a:noAutofit/>
-            </a:bodyPr>
-            <a:lstStyle/>
-            <a:p>
-              <a:pPr lvl="0">
-                <a:spcBef>
-                  <a:spcPts val="0"/>
-                </a:spcBef>
-                <a:buNone/>
-              </a:pPr>
-              <a:endParaRPr/>
-            </a:p>
-          </p:txBody>
-        </p:sp>
-        <p:sp>
-          <p:nvSpPr>
-            <p:cNvPr id="243" name="Shape 243"/>
-            <p:cNvSpPr/>
-            <p:nvPr/>
-          </p:nvSpPr>
-          <p:spPr>
-            <a:xfrm>
-              <a:off x="4595425" y="1761525"/>
-              <a:ext cx="41425" cy="41425"/>
-            </a:xfrm>
-            <a:custGeom>
-              <a:avLst/>
-              <a:gdLst/>
-              <a:ahLst/>
-              <a:cxnLst/>
-              <a:rect l="0" t="0" r="0" b="0"/>
-              <a:pathLst>
-                <a:path w="1657" h="1657" fill="none" extrusionOk="0">
-                  <a:moveTo>
-                    <a:pt x="0" y="828"/>
-                  </a:moveTo>
-                  <a:lnTo>
-                    <a:pt x="0" y="828"/>
-                  </a:lnTo>
-                  <a:lnTo>
-                    <a:pt x="25" y="682"/>
-                  </a:lnTo>
-                  <a:lnTo>
-                    <a:pt x="73" y="512"/>
-                  </a:lnTo>
-                  <a:lnTo>
-                    <a:pt x="146" y="365"/>
-                  </a:lnTo>
-                  <a:lnTo>
-                    <a:pt x="244" y="244"/>
-                  </a:lnTo>
-                  <a:lnTo>
-                    <a:pt x="366" y="146"/>
-                  </a:lnTo>
-                  <a:lnTo>
-                    <a:pt x="512" y="73"/>
-                  </a:lnTo>
-                  <a:lnTo>
-                    <a:pt x="658" y="24"/>
-                  </a:lnTo>
-                  <a:lnTo>
-                    <a:pt x="828" y="0"/>
-                  </a:lnTo>
-                  <a:lnTo>
-                    <a:pt x="828" y="0"/>
-                  </a:lnTo>
-                  <a:lnTo>
-                    <a:pt x="999" y="24"/>
-                  </a:lnTo>
-                  <a:lnTo>
-                    <a:pt x="1145" y="73"/>
-                  </a:lnTo>
-                  <a:lnTo>
-                    <a:pt x="1291" y="146"/>
-                  </a:lnTo>
-                  <a:lnTo>
-                    <a:pt x="1413" y="244"/>
-                  </a:lnTo>
-                  <a:lnTo>
-                    <a:pt x="1510" y="365"/>
-                  </a:lnTo>
-                  <a:lnTo>
-                    <a:pt x="1583" y="512"/>
-                  </a:lnTo>
-                  <a:lnTo>
-                    <a:pt x="1632" y="682"/>
-                  </a:lnTo>
-                  <a:lnTo>
-                    <a:pt x="1657" y="828"/>
-                  </a:lnTo>
-                  <a:lnTo>
-                    <a:pt x="1657" y="828"/>
-                  </a:lnTo>
-                  <a:lnTo>
-                    <a:pt x="1632" y="999"/>
-                  </a:lnTo>
-                  <a:lnTo>
-                    <a:pt x="1583" y="1169"/>
-                  </a:lnTo>
-                  <a:lnTo>
-                    <a:pt x="1510" y="1291"/>
-                  </a:lnTo>
-                  <a:lnTo>
-                    <a:pt x="1413" y="1413"/>
-                  </a:lnTo>
-                  <a:lnTo>
-                    <a:pt x="1291" y="1534"/>
-                  </a:lnTo>
-                  <a:lnTo>
-                    <a:pt x="1145" y="1608"/>
-                  </a:lnTo>
-                  <a:lnTo>
-                    <a:pt x="999" y="1656"/>
-                  </a:lnTo>
-                  <a:lnTo>
-                    <a:pt x="828" y="1656"/>
-                  </a:lnTo>
-                  <a:lnTo>
-                    <a:pt x="828" y="1656"/>
-                  </a:lnTo>
-                  <a:lnTo>
-                    <a:pt x="658" y="1656"/>
-                  </a:lnTo>
-                  <a:lnTo>
-                    <a:pt x="512" y="1608"/>
-                  </a:lnTo>
-                  <a:lnTo>
-                    <a:pt x="366" y="1534"/>
-                  </a:lnTo>
-                  <a:lnTo>
-                    <a:pt x="244" y="1413"/>
-                  </a:lnTo>
-                  <a:lnTo>
-                    <a:pt x="146" y="1291"/>
-                  </a:lnTo>
-                  <a:lnTo>
-                    <a:pt x="73" y="1169"/>
-                  </a:lnTo>
-                  <a:lnTo>
-                    <a:pt x="25" y="999"/>
-                  </a:lnTo>
-                  <a:lnTo>
-                    <a:pt x="0" y="828"/>
-                  </a:lnTo>
-                  <a:lnTo>
-                    <a:pt x="0" y="828"/>
-                  </a:lnTo>
-                  <a:close/>
-                </a:path>
-              </a:pathLst>
-            </a:custGeom>
-            <a:noFill/>
-            <a:ln w="12175" cap="rnd" cmpd="sng">
-              <a:solidFill>
-                <a:srgbClr val="FFFFFF"/>
-              </a:solidFill>
-              <a:prstDash val="solid"/>
-              <a:round/>
-              <a:headEnd type="none" w="med" len="med"/>
-              <a:tailEnd type="none" w="med" len="med"/>
-            </a:ln>
-          </p:spPr>
-          <p:txBody>
-            <a:bodyPr lIns="91425" tIns="91425" rIns="91425" bIns="91425" anchor="ctr" anchorCtr="0">
-              <a:noAutofit/>
-            </a:bodyPr>
-            <a:lstStyle/>
-            <a:p>
-              <a:pPr lvl="0">
-                <a:spcBef>
-                  <a:spcPts val="0"/>
-                </a:spcBef>
-                <a:buNone/>
-              </a:pPr>
-              <a:endParaRPr/>
-            </a:p>
-          </p:txBody>
-        </p:sp>
-        <p:sp>
-          <p:nvSpPr>
-            <p:cNvPr id="244" name="Shape 244"/>
-            <p:cNvSpPr/>
-            <p:nvPr/>
-          </p:nvSpPr>
-          <p:spPr>
-            <a:xfrm>
-              <a:off x="4667275" y="1951475"/>
-              <a:ext cx="326375" cy="44475"/>
-            </a:xfrm>
-            <a:custGeom>
-              <a:avLst/>
-              <a:gdLst/>
-              <a:ahLst/>
-              <a:cxnLst/>
-              <a:rect l="0" t="0" r="0" b="0"/>
-              <a:pathLst>
-                <a:path w="13055" h="1779" fill="none" extrusionOk="0">
-                  <a:moveTo>
-                    <a:pt x="6527" y="1535"/>
-                  </a:moveTo>
-                  <a:lnTo>
-                    <a:pt x="6527" y="1535"/>
-                  </a:lnTo>
-                  <a:lnTo>
-                    <a:pt x="8232" y="1535"/>
-                  </a:lnTo>
-                  <a:lnTo>
-                    <a:pt x="9815" y="1584"/>
-                  </a:lnTo>
-                  <a:lnTo>
-                    <a:pt x="11252" y="1657"/>
-                  </a:lnTo>
-                  <a:lnTo>
-                    <a:pt x="12543" y="1779"/>
-                  </a:lnTo>
-                  <a:lnTo>
-                    <a:pt x="13054" y="1"/>
-                  </a:lnTo>
-                  <a:lnTo>
-                    <a:pt x="0" y="1"/>
-                  </a:lnTo>
-                  <a:lnTo>
-                    <a:pt x="512" y="1779"/>
-                  </a:lnTo>
-                  <a:lnTo>
-                    <a:pt x="512" y="1779"/>
-                  </a:lnTo>
-                  <a:lnTo>
-                    <a:pt x="1803" y="1681"/>
-                  </a:lnTo>
-                  <a:lnTo>
-                    <a:pt x="3239" y="1584"/>
-                  </a:lnTo>
-                  <a:lnTo>
-                    <a:pt x="4823" y="1535"/>
-                  </a:lnTo>
-                  <a:lnTo>
-                    <a:pt x="6527" y="1535"/>
-                  </a:lnTo>
-                  <a:lnTo>
-                    <a:pt x="6527" y="1535"/>
-                  </a:lnTo>
-                  <a:close/>
-                </a:path>
-              </a:pathLst>
-            </a:custGeom>
-            <a:noFill/>
-            <a:ln w="12175" cap="rnd" cmpd="sng">
-              <a:solidFill>
-                <a:srgbClr val="FFFFFF"/>
-              </a:solidFill>
-              <a:prstDash val="solid"/>
-              <a:round/>
-              <a:headEnd type="none" w="med" len="med"/>
-              <a:tailEnd type="none" w="med" len="med"/>
-            </a:ln>
-          </p:spPr>
-          <p:txBody>
-            <a:bodyPr lIns="91425" tIns="91425" rIns="91425" bIns="91425" anchor="ctr" anchorCtr="0">
-              <a:noAutofit/>
-            </a:bodyPr>
-            <a:lstStyle/>
-            <a:p>
-              <a:pPr lvl="0">
-                <a:spcBef>
-                  <a:spcPts val="0"/>
-                </a:spcBef>
-                <a:buNone/>
-              </a:pPr>
-              <a:endParaRPr/>
-            </a:p>
-          </p:txBody>
-        </p:sp>
-      </p:grpSp>
-      <p:grpSp>
-        <p:nvGrpSpPr>
-          <p:cNvPr id="245" name="Shape 245"/>
-          <p:cNvGrpSpPr/>
-          <p:nvPr/>
-        </p:nvGrpSpPr>
-        <p:grpSpPr>
-          <a:xfrm>
-            <a:off x="6386411" y="1407705"/>
-            <a:ext cx="369504" cy="369504"/>
-            <a:chOff x="2594050" y="1631825"/>
-            <a:chExt cx="439625" cy="439625"/>
-          </a:xfrm>
-        </p:grpSpPr>
-        <p:sp>
-          <p:nvSpPr>
-            <p:cNvPr id="246" name="Shape 246"/>
-            <p:cNvSpPr/>
-            <p:nvPr/>
-          </p:nvSpPr>
-          <p:spPr>
-            <a:xfrm>
-              <a:off x="2594050" y="1883300"/>
-              <a:ext cx="188175" cy="188150"/>
-            </a:xfrm>
-            <a:custGeom>
-              <a:avLst/>
-              <a:gdLst/>
-              <a:ahLst/>
-              <a:cxnLst/>
-              <a:rect l="0" t="0" r="0" b="0"/>
-              <a:pathLst>
-                <a:path w="7527" h="7526" fill="none" extrusionOk="0">
-                  <a:moveTo>
-                    <a:pt x="5992" y="0"/>
-                  </a:moveTo>
-                  <a:lnTo>
-                    <a:pt x="537" y="6430"/>
-                  </a:lnTo>
-                  <a:lnTo>
-                    <a:pt x="1" y="7526"/>
-                  </a:lnTo>
-                  <a:lnTo>
-                    <a:pt x="1097" y="6990"/>
-                  </a:lnTo>
-                  <a:lnTo>
-                    <a:pt x="7526" y="1534"/>
-                  </a:lnTo>
-                  <a:lnTo>
-                    <a:pt x="5992" y="0"/>
-                  </a:lnTo>
-                  <a:close/>
-                </a:path>
-              </a:pathLst>
-            </a:custGeom>
-            <a:noFill/>
-            <a:ln w="12175" cap="rnd" cmpd="sng">
-              <a:solidFill>
-                <a:srgbClr val="FFFFFF"/>
-              </a:solidFill>
-              <a:prstDash val="solid"/>
-              <a:round/>
-              <a:headEnd type="none" w="med" len="med"/>
-              <a:tailEnd type="none" w="med" len="med"/>
-            </a:ln>
-          </p:spPr>
-          <p:txBody>
-            <a:bodyPr lIns="91425" tIns="91425" rIns="91425" bIns="91425" anchor="ctr" anchorCtr="0">
-              <a:noAutofit/>
-            </a:bodyPr>
-            <a:lstStyle/>
-            <a:p>
-              <a:pPr lvl="0">
-                <a:spcBef>
-                  <a:spcPts val="0"/>
-                </a:spcBef>
-                <a:buNone/>
-              </a:pPr>
-              <a:endParaRPr/>
-            </a:p>
-          </p:txBody>
-        </p:sp>
-        <p:sp>
-          <p:nvSpPr>
-            <p:cNvPr id="247" name="Shape 247"/>
-            <p:cNvSpPr/>
-            <p:nvPr/>
-          </p:nvSpPr>
-          <p:spPr>
-            <a:xfrm>
-              <a:off x="2857700" y="1631825"/>
-              <a:ext cx="175975" cy="176000"/>
-            </a:xfrm>
-            <a:custGeom>
-              <a:avLst/>
-              <a:gdLst/>
-              <a:ahLst/>
-              <a:cxnLst/>
-              <a:rect l="0" t="0" r="0" b="0"/>
-              <a:pathLst>
-                <a:path w="7039" h="7040" fill="none" extrusionOk="0">
-                  <a:moveTo>
-                    <a:pt x="268" y="2704"/>
-                  </a:moveTo>
-                  <a:lnTo>
-                    <a:pt x="4336" y="6771"/>
-                  </a:lnTo>
-                  <a:lnTo>
-                    <a:pt x="4336" y="6771"/>
-                  </a:lnTo>
-                  <a:lnTo>
-                    <a:pt x="4336" y="6771"/>
-                  </a:lnTo>
-                  <a:lnTo>
-                    <a:pt x="4652" y="6917"/>
-                  </a:lnTo>
-                  <a:lnTo>
-                    <a:pt x="4993" y="7015"/>
-                  </a:lnTo>
-                  <a:lnTo>
-                    <a:pt x="5310" y="7039"/>
-                  </a:lnTo>
-                  <a:lnTo>
-                    <a:pt x="5651" y="7039"/>
-                  </a:lnTo>
-                  <a:lnTo>
-                    <a:pt x="5992" y="6966"/>
-                  </a:lnTo>
-                  <a:lnTo>
-                    <a:pt x="6308" y="6844"/>
-                  </a:lnTo>
-                  <a:lnTo>
-                    <a:pt x="6454" y="6747"/>
-                  </a:lnTo>
-                  <a:lnTo>
-                    <a:pt x="6601" y="6674"/>
-                  </a:lnTo>
-                  <a:lnTo>
-                    <a:pt x="6747" y="6552"/>
-                  </a:lnTo>
-                  <a:lnTo>
-                    <a:pt x="6893" y="6430"/>
-                  </a:lnTo>
-                  <a:lnTo>
-                    <a:pt x="6893" y="6430"/>
-                  </a:lnTo>
-                  <a:lnTo>
-                    <a:pt x="6942" y="6357"/>
-                  </a:lnTo>
-                  <a:lnTo>
-                    <a:pt x="7015" y="6260"/>
-                  </a:lnTo>
-                  <a:lnTo>
-                    <a:pt x="7039" y="6138"/>
-                  </a:lnTo>
-                  <a:lnTo>
-                    <a:pt x="7039" y="6041"/>
-                  </a:lnTo>
-                  <a:lnTo>
-                    <a:pt x="7039" y="6041"/>
-                  </a:lnTo>
-                  <a:lnTo>
-                    <a:pt x="7039" y="5943"/>
-                  </a:lnTo>
-                  <a:lnTo>
-                    <a:pt x="7015" y="5846"/>
-                  </a:lnTo>
-                  <a:lnTo>
-                    <a:pt x="6942" y="5748"/>
-                  </a:lnTo>
-                  <a:lnTo>
-                    <a:pt x="6893" y="5651"/>
-                  </a:lnTo>
-                  <a:lnTo>
-                    <a:pt x="1389" y="147"/>
-                  </a:lnTo>
-                  <a:lnTo>
-                    <a:pt x="1389" y="147"/>
-                  </a:lnTo>
-                  <a:lnTo>
-                    <a:pt x="1291" y="98"/>
-                  </a:lnTo>
-                  <a:lnTo>
-                    <a:pt x="1194" y="25"/>
-                  </a:lnTo>
-                  <a:lnTo>
-                    <a:pt x="1096" y="0"/>
-                  </a:lnTo>
-                  <a:lnTo>
-                    <a:pt x="999" y="0"/>
-                  </a:lnTo>
-                  <a:lnTo>
-                    <a:pt x="999" y="0"/>
-                  </a:lnTo>
-                  <a:lnTo>
-                    <a:pt x="902" y="0"/>
-                  </a:lnTo>
-                  <a:lnTo>
-                    <a:pt x="780" y="25"/>
-                  </a:lnTo>
-                  <a:lnTo>
-                    <a:pt x="682" y="98"/>
-                  </a:lnTo>
-                  <a:lnTo>
-                    <a:pt x="609" y="147"/>
-                  </a:lnTo>
-                  <a:lnTo>
-                    <a:pt x="609" y="147"/>
-                  </a:lnTo>
-                  <a:lnTo>
-                    <a:pt x="487" y="293"/>
-                  </a:lnTo>
-                  <a:lnTo>
-                    <a:pt x="366" y="439"/>
-                  </a:lnTo>
-                  <a:lnTo>
-                    <a:pt x="293" y="585"/>
-                  </a:lnTo>
-                  <a:lnTo>
-                    <a:pt x="195" y="731"/>
-                  </a:lnTo>
-                  <a:lnTo>
-                    <a:pt x="73" y="1048"/>
-                  </a:lnTo>
-                  <a:lnTo>
-                    <a:pt x="0" y="1389"/>
-                  </a:lnTo>
-                  <a:lnTo>
-                    <a:pt x="0" y="1730"/>
-                  </a:lnTo>
-                  <a:lnTo>
-                    <a:pt x="25" y="2046"/>
-                  </a:lnTo>
-                  <a:lnTo>
-                    <a:pt x="122" y="2387"/>
-                  </a:lnTo>
-                  <a:lnTo>
-                    <a:pt x="268" y="2704"/>
-                  </a:lnTo>
-                  <a:lnTo>
-                    <a:pt x="268" y="2704"/>
-                  </a:lnTo>
-                  <a:close/>
-                </a:path>
-              </a:pathLst>
-            </a:custGeom>
-            <a:noFill/>
-            <a:ln w="12175" cap="rnd" cmpd="sng">
-              <a:solidFill>
-                <a:srgbClr val="FFFFFF"/>
-              </a:solidFill>
-              <a:prstDash val="solid"/>
-              <a:round/>
-              <a:headEnd type="none" w="med" len="med"/>
-              <a:tailEnd type="none" w="med" len="med"/>
-            </a:ln>
-          </p:spPr>
-          <p:txBody>
-            <a:bodyPr lIns="91425" tIns="91425" rIns="91425" bIns="91425" anchor="ctr" anchorCtr="0">
-              <a:noAutofit/>
-            </a:bodyPr>
-            <a:lstStyle/>
-            <a:p>
-              <a:pPr lvl="0">
-                <a:spcBef>
-                  <a:spcPts val="0"/>
-                </a:spcBef>
-                <a:buNone/>
-              </a:pPr>
-              <a:endParaRPr/>
-            </a:p>
-          </p:txBody>
-        </p:sp>
-        <p:sp>
-          <p:nvSpPr>
-            <p:cNvPr id="248" name="Shape 248"/>
-            <p:cNvSpPr/>
-            <p:nvPr/>
-          </p:nvSpPr>
-          <p:spPr>
-            <a:xfrm>
-              <a:off x="2662850" y="1699400"/>
-              <a:ext cx="303250" cy="303250"/>
-            </a:xfrm>
-            <a:custGeom>
-              <a:avLst/>
-              <a:gdLst/>
-              <a:ahLst/>
-              <a:cxnLst/>
-              <a:rect l="0" t="0" r="0" b="0"/>
-              <a:pathLst>
-                <a:path w="12130" h="12130" fill="none" extrusionOk="0">
-                  <a:moveTo>
-                    <a:pt x="8038" y="1"/>
-                  </a:moveTo>
-                  <a:lnTo>
-                    <a:pt x="4872" y="3191"/>
-                  </a:lnTo>
-                  <a:lnTo>
-                    <a:pt x="4872" y="3191"/>
-                  </a:lnTo>
-                  <a:lnTo>
-                    <a:pt x="4628" y="3094"/>
-                  </a:lnTo>
-                  <a:lnTo>
-                    <a:pt x="4385" y="2997"/>
-                  </a:lnTo>
-                  <a:lnTo>
-                    <a:pt x="4092" y="2899"/>
-                  </a:lnTo>
-                  <a:lnTo>
-                    <a:pt x="3800" y="2850"/>
-                  </a:lnTo>
-                  <a:lnTo>
-                    <a:pt x="3484" y="2777"/>
-                  </a:lnTo>
-                  <a:lnTo>
-                    <a:pt x="3167" y="2729"/>
-                  </a:lnTo>
-                  <a:lnTo>
-                    <a:pt x="2850" y="2704"/>
-                  </a:lnTo>
-                  <a:lnTo>
-                    <a:pt x="2534" y="2704"/>
-                  </a:lnTo>
-                  <a:lnTo>
-                    <a:pt x="2534" y="2704"/>
-                  </a:lnTo>
-                  <a:lnTo>
-                    <a:pt x="2241" y="2704"/>
-                  </a:lnTo>
-                  <a:lnTo>
-                    <a:pt x="1949" y="2729"/>
-                  </a:lnTo>
-                  <a:lnTo>
-                    <a:pt x="1633" y="2777"/>
-                  </a:lnTo>
-                  <a:lnTo>
-                    <a:pt x="1316" y="2850"/>
-                  </a:lnTo>
-                  <a:lnTo>
-                    <a:pt x="999" y="2972"/>
-                  </a:lnTo>
-                  <a:lnTo>
-                    <a:pt x="707" y="3094"/>
-                  </a:lnTo>
-                  <a:lnTo>
-                    <a:pt x="415" y="3289"/>
-                  </a:lnTo>
-                  <a:lnTo>
-                    <a:pt x="147" y="3508"/>
-                  </a:lnTo>
-                  <a:lnTo>
-                    <a:pt x="147" y="3508"/>
-                  </a:lnTo>
-                  <a:lnTo>
-                    <a:pt x="74" y="3581"/>
-                  </a:lnTo>
-                  <a:lnTo>
-                    <a:pt x="25" y="3678"/>
-                  </a:lnTo>
-                  <a:lnTo>
-                    <a:pt x="1" y="3776"/>
-                  </a:lnTo>
-                  <a:lnTo>
-                    <a:pt x="1" y="3898"/>
-                  </a:lnTo>
-                  <a:lnTo>
-                    <a:pt x="1" y="3898"/>
-                  </a:lnTo>
-                  <a:lnTo>
-                    <a:pt x="1" y="3995"/>
-                  </a:lnTo>
-                  <a:lnTo>
-                    <a:pt x="25" y="4093"/>
-                  </a:lnTo>
-                  <a:lnTo>
-                    <a:pt x="74" y="4190"/>
-                  </a:lnTo>
-                  <a:lnTo>
-                    <a:pt x="147" y="4287"/>
-                  </a:lnTo>
-                  <a:lnTo>
-                    <a:pt x="7843" y="11984"/>
-                  </a:lnTo>
-                  <a:lnTo>
-                    <a:pt x="7843" y="11984"/>
-                  </a:lnTo>
-                  <a:lnTo>
-                    <a:pt x="7941" y="12057"/>
-                  </a:lnTo>
-                  <a:lnTo>
-                    <a:pt x="8038" y="12105"/>
-                  </a:lnTo>
-                  <a:lnTo>
-                    <a:pt x="8135" y="12130"/>
-                  </a:lnTo>
-                  <a:lnTo>
-                    <a:pt x="8233" y="12130"/>
-                  </a:lnTo>
-                  <a:lnTo>
-                    <a:pt x="8233" y="12130"/>
-                  </a:lnTo>
-                  <a:lnTo>
-                    <a:pt x="8355" y="12130"/>
-                  </a:lnTo>
-                  <a:lnTo>
-                    <a:pt x="8452" y="12105"/>
-                  </a:lnTo>
-                  <a:lnTo>
-                    <a:pt x="8549" y="12057"/>
-                  </a:lnTo>
-                  <a:lnTo>
-                    <a:pt x="8622" y="11984"/>
-                  </a:lnTo>
-                  <a:lnTo>
-                    <a:pt x="8622" y="11984"/>
-                  </a:lnTo>
-                  <a:lnTo>
-                    <a:pt x="8842" y="11716"/>
-                  </a:lnTo>
-                  <a:lnTo>
-                    <a:pt x="9036" y="11423"/>
-                  </a:lnTo>
-                  <a:lnTo>
-                    <a:pt x="9158" y="11131"/>
-                  </a:lnTo>
-                  <a:lnTo>
-                    <a:pt x="9280" y="10814"/>
-                  </a:lnTo>
-                  <a:lnTo>
-                    <a:pt x="9353" y="10498"/>
-                  </a:lnTo>
-                  <a:lnTo>
-                    <a:pt x="9402" y="10181"/>
-                  </a:lnTo>
-                  <a:lnTo>
-                    <a:pt x="9426" y="9889"/>
-                  </a:lnTo>
-                  <a:lnTo>
-                    <a:pt x="9426" y="9597"/>
-                  </a:lnTo>
-                  <a:lnTo>
-                    <a:pt x="9426" y="9597"/>
-                  </a:lnTo>
-                  <a:lnTo>
-                    <a:pt x="9426" y="9280"/>
-                  </a:lnTo>
-                  <a:lnTo>
-                    <a:pt x="9402" y="8964"/>
-                  </a:lnTo>
-                  <a:lnTo>
-                    <a:pt x="9353" y="8647"/>
-                  </a:lnTo>
-                  <a:lnTo>
-                    <a:pt x="9280" y="8330"/>
-                  </a:lnTo>
-                  <a:lnTo>
-                    <a:pt x="9231" y="8038"/>
-                  </a:lnTo>
-                  <a:lnTo>
-                    <a:pt x="9134" y="7746"/>
-                  </a:lnTo>
-                  <a:lnTo>
-                    <a:pt x="9036" y="7502"/>
-                  </a:lnTo>
-                  <a:lnTo>
-                    <a:pt x="8939" y="7259"/>
-                  </a:lnTo>
-                  <a:lnTo>
-                    <a:pt x="12130" y="4093"/>
-                  </a:lnTo>
-                </a:path>
-              </a:pathLst>
-            </a:custGeom>
-            <a:noFill/>
-            <a:ln w="12175" cap="rnd" cmpd="sng">
-              <a:solidFill>
-                <a:srgbClr val="FFFFFF"/>
-              </a:solidFill>
-              <a:prstDash val="solid"/>
-              <a:round/>
-              <a:headEnd type="none" w="med" len="med"/>
-              <a:tailEnd type="none" w="med" len="med"/>
-            </a:ln>
-          </p:spPr>
-          <p:txBody>
-            <a:bodyPr lIns="91425" tIns="91425" rIns="91425" bIns="91425" anchor="ctr" anchorCtr="0">
-              <a:noAutofit/>
-            </a:bodyPr>
-            <a:lstStyle/>
-            <a:p>
-              <a:pPr lvl="0">
-                <a:spcBef>
-                  <a:spcPts val="0"/>
-                </a:spcBef>
-                <a:buNone/>
-              </a:pPr>
-              <a:endParaRPr/>
-            </a:p>
-          </p:txBody>
-        </p:sp>
-        <p:sp>
-          <p:nvSpPr>
-            <p:cNvPr id="249" name="Shape 249"/>
-            <p:cNvSpPr/>
-            <p:nvPr/>
-          </p:nvSpPr>
-          <p:spPr>
-            <a:xfrm>
-              <a:off x="2801675" y="1740825"/>
-              <a:ext cx="49950" cy="49950"/>
-            </a:xfrm>
-            <a:custGeom>
-              <a:avLst/>
-              <a:gdLst/>
-              <a:ahLst/>
-              <a:cxnLst/>
-              <a:rect l="0" t="0" r="0" b="0"/>
-              <a:pathLst>
-                <a:path w="1998" h="1998" fill="none" extrusionOk="0">
-                  <a:moveTo>
-                    <a:pt x="1" y="1997"/>
-                  </a:moveTo>
-                  <a:lnTo>
-                    <a:pt x="1998" y="0"/>
-                  </a:lnTo>
-                </a:path>
-              </a:pathLst>
-            </a:custGeom>
-            <a:noFill/>
-            <a:ln w="12175" cap="rnd" cmpd="sng">
-              <a:solidFill>
-                <a:srgbClr val="FFFFFF"/>
-              </a:solidFill>
-              <a:prstDash val="solid"/>
-              <a:round/>
-              <a:headEnd type="none" w="med" len="med"/>
-              <a:tailEnd type="none" w="med" len="med"/>
-            </a:ln>
-          </p:spPr>
-          <p:txBody>
-            <a:bodyPr lIns="91425" tIns="91425" rIns="91425" bIns="91425" anchor="ctr" anchorCtr="0">
-              <a:noAutofit/>
-            </a:bodyPr>
-            <a:lstStyle/>
-            <a:p>
-              <a:pPr lvl="0">
-                <a:spcBef>
-                  <a:spcPts val="0"/>
-                </a:spcBef>
-                <a:buNone/>
-              </a:pPr>
-              <a:endParaRPr/>
-            </a:p>
-          </p:txBody>
-        </p:sp>
-      </p:grpSp>
-    </p:spTree>
-  </p:cSld>
-  <p:clrMapOvr>
-    <a:masterClrMapping/>
-  </p:clrMapOvr>
-  <p:transition spd="slow">
-    <p:cut/>
-  </p:transition>
-  <p:timing>
-    <p:tnLst>
-      <p:par>
-        <p:cTn id="1" dur="indefinite" restart="never" nodeType="tmRoot"/>
-      </p:par>
-    </p:tnLst>
-  </p:timing>
-</p:sld>
-</file>
-
-<file path=ppt/slides/slide21.xml><?xml version="1.0" encoding="utf-8"?>
-<p:sld xmlns:a="http://schemas.openxmlformats.org/drawingml/2006/main" xmlns:r="http://schemas.openxmlformats.org/officeDocument/2006/relationships" xmlns:p="http://schemas.openxmlformats.org/presentationml/2006/main">
-  <p:cSld>
-    <p:spTree>
-      <p:nvGrpSpPr>
-        <p:cNvPr id="1" name="Shape 287"/>
-        <p:cNvGrpSpPr/>
-        <p:nvPr/>
-      </p:nvGrpSpPr>
-      <p:grpSpPr>
-        <a:xfrm>
-          <a:off x="0" y="0"/>
-          <a:ext cx="0" cy="0"/>
-          <a:chOff x="0" y="0"/>
-          <a:chExt cx="0" cy="0"/>
-        </a:xfrm>
-      </p:grpSpPr>
-      <p:sp>
-        <p:nvSpPr>
-          <p:cNvPr id="288" name="Shape 288"/>
-          <p:cNvSpPr txBox="1">
-            <a:spLocks noGrp="1"/>
-          </p:cNvSpPr>
-          <p:nvPr>
-            <p:ph type="ctrTitle" idx="4294967295"/>
-          </p:nvPr>
-        </p:nvSpPr>
-        <p:spPr>
-          <a:xfrm>
-            <a:off x="1336100" y="1679850"/>
-            <a:ext cx="7337699" cy="1546500"/>
-          </a:xfrm>
-          <a:prstGeom prst="rect">
-            <a:avLst/>
-          </a:prstGeom>
-        </p:spPr>
-        <p:txBody>
-          <a:bodyPr lIns="91425" tIns="91425" rIns="91425" bIns="91425" anchor="b" anchorCtr="0">
-            <a:noAutofit/>
-          </a:bodyPr>
-          <a:lstStyle/>
-          <a:p>
-            <a:pPr lvl="0" rtl="0">
-              <a:spcBef>
-                <a:spcPts val="0"/>
-              </a:spcBef>
-              <a:buNone/>
-            </a:pPr>
-            <a:r>
-              <a:rPr lang="en" sz="2200" b="1">
-                <a:solidFill>
-                  <a:srgbClr val="2E3037"/>
-                </a:solidFill>
-              </a:rPr>
-              <a:t>Thanks!</a:t>
-            </a:r>
-          </a:p>
-        </p:txBody>
-      </p:sp>
-      <p:sp>
-        <p:nvSpPr>
-          <p:cNvPr id="289" name="Shape 289"/>
-          <p:cNvSpPr txBox="1">
-            <a:spLocks noGrp="1"/>
-          </p:cNvSpPr>
-          <p:nvPr>
-            <p:ph type="subTitle" idx="4294967295"/>
-          </p:nvPr>
-        </p:nvSpPr>
-        <p:spPr>
-          <a:xfrm>
-            <a:off x="1336100" y="3022650"/>
-            <a:ext cx="7337699" cy="812700"/>
-          </a:xfrm>
-          <a:prstGeom prst="rect">
-            <a:avLst/>
-          </a:prstGeom>
-        </p:spPr>
-        <p:txBody>
-          <a:bodyPr lIns="91425" tIns="91425" rIns="91425" bIns="91425" anchor="ctr" anchorCtr="0">
-            <a:noAutofit/>
-          </a:bodyPr>
-          <a:lstStyle/>
-          <a:p>
-            <a:pPr lvl="0" rtl="0">
-              <a:spcBef>
-                <a:spcPts val="0"/>
-              </a:spcBef>
-              <a:buNone/>
-            </a:pPr>
-            <a:r>
-              <a:rPr lang="en" sz="3600" b="1">
-                <a:solidFill>
-                  <a:srgbClr val="F3F3F3"/>
-                </a:solidFill>
-              </a:rPr>
-              <a:t>ANY QUESTIONS?</a:t>
-            </a:r>
-          </a:p>
-        </p:txBody>
-      </p:sp>
-      <p:sp>
-        <p:nvSpPr>
-          <p:cNvPr id="290" name="Shape 290"/>
-          <p:cNvSpPr txBox="1">
-            <a:spLocks noGrp="1"/>
-          </p:cNvSpPr>
-          <p:nvPr>
-            <p:ph type="body" idx="4294967295"/>
-          </p:nvPr>
-        </p:nvSpPr>
-        <p:spPr>
-          <a:xfrm>
-            <a:off x="1336100" y="3797025"/>
-            <a:ext cx="7337699" cy="1134900"/>
-          </a:xfrm>
-          <a:prstGeom prst="rect">
-            <a:avLst/>
-          </a:prstGeom>
-        </p:spPr>
-        <p:txBody>
-          <a:bodyPr lIns="91425" tIns="91425" rIns="91425" bIns="91425" anchor="t" anchorCtr="0">
-            <a:noAutofit/>
-          </a:bodyPr>
-          <a:lstStyle/>
-          <a:p>
-            <a:pPr lvl="0" rtl="0">
-              <a:spcBef>
-                <a:spcPts val="0"/>
-              </a:spcBef>
-              <a:buNone/>
-            </a:pPr>
-            <a:r>
-              <a:rPr lang="en" sz="2200">
-                <a:solidFill>
-                  <a:srgbClr val="F3F3F3"/>
-                </a:solidFill>
-              </a:rPr>
-              <a:t>You can find me at</a:t>
-            </a:r>
-          </a:p>
-          <a:p>
-            <a:pPr lvl="0" rtl="0">
-              <a:spcBef>
-                <a:spcPts val="0"/>
-              </a:spcBef>
-              <a:buNone/>
-            </a:pPr>
-            <a:r>
-              <a:rPr lang="en" sz="2200">
-                <a:solidFill>
-                  <a:srgbClr val="F3F3F3"/>
-                </a:solidFill>
-              </a:rPr>
-              <a:t>@username</a:t>
-            </a:r>
-          </a:p>
-          <a:p>
-            <a:pPr lvl="0" rtl="0">
-              <a:spcBef>
-                <a:spcPts val="0"/>
-              </a:spcBef>
-              <a:buNone/>
-            </a:pPr>
-            <a:r>
-              <a:rPr lang="en" sz="2200">
-                <a:solidFill>
-                  <a:srgbClr val="F3F3F3"/>
-                </a:solidFill>
-              </a:rPr>
-              <a:t>user@mail.me</a:t>
-            </a:r>
-          </a:p>
-        </p:txBody>
-      </p:sp>
-    </p:spTree>
-  </p:cSld>
-  <p:clrMapOvr>
-    <a:masterClrMapping/>
-  </p:clrMapOvr>
-  <p:transition spd="slow">
-    <p:cut/>
-  </p:transition>
-  <p:timing>
-    <p:tnLst>
-      <p:par>
-        <p:cTn id="1" dur="indefinite" restart="never" nodeType="tmRoot"/>
-      </p:par>
-    </p:tnLst>
-  </p:timing>
-</p:sld>
-</file>
-
-<file path=ppt/slides/slide22.xml><?xml version="1.0" encoding="utf-8"?>
-<p:sld xmlns:a="http://schemas.openxmlformats.org/drawingml/2006/main" xmlns:r="http://schemas.openxmlformats.org/officeDocument/2006/relationships" xmlns:p="http://schemas.openxmlformats.org/presentationml/2006/main">
-  <p:cSld>
-    <p:spTree>
-      <p:nvGrpSpPr>
-        <p:cNvPr id="1" name="Shape 294"/>
-        <p:cNvGrpSpPr/>
-        <p:nvPr/>
-      </p:nvGrpSpPr>
-      <p:grpSpPr>
-        <a:xfrm>
-          <a:off x="0" y="0"/>
-          <a:ext cx="0" cy="0"/>
-          <a:chOff x="0" y="0"/>
-          <a:chExt cx="0" cy="0"/>
-        </a:xfrm>
-      </p:grpSpPr>
-      <p:sp>
-        <p:nvSpPr>
-          <p:cNvPr id="295" name="Shape 295"/>
-          <p:cNvSpPr txBox="1">
-            <a:spLocks noGrp="1"/>
-          </p:cNvSpPr>
-          <p:nvPr>
-            <p:ph type="title"/>
-          </p:nvPr>
-        </p:nvSpPr>
-        <p:spPr>
-          <a:xfrm>
-            <a:off x="1165475" y="665975"/>
-            <a:ext cx="6858000" cy="459900"/>
-          </a:xfrm>
-          <a:prstGeom prst="rect">
-            <a:avLst/>
-          </a:prstGeom>
-        </p:spPr>
-        <p:txBody>
-          <a:bodyPr lIns="91425" tIns="91425" rIns="91425" bIns="91425" anchor="b" anchorCtr="0">
-            <a:noAutofit/>
-          </a:bodyPr>
-          <a:lstStyle/>
-          <a:p>
-            <a:pPr lvl="0">
-              <a:spcBef>
-                <a:spcPts val="0"/>
-              </a:spcBef>
-              <a:buNone/>
-            </a:pPr>
-            <a:r>
-              <a:rPr lang="en"/>
-              <a:t>CREDITS</a:t>
-            </a:r>
-          </a:p>
-        </p:txBody>
-      </p:sp>
-      <p:sp>
-        <p:nvSpPr>
-          <p:cNvPr id="296" name="Shape 296"/>
-          <p:cNvSpPr txBox="1">
-            <a:spLocks noGrp="1"/>
-          </p:cNvSpPr>
-          <p:nvPr>
-            <p:ph type="body" idx="1"/>
-          </p:nvPr>
-        </p:nvSpPr>
-        <p:spPr>
-          <a:xfrm>
-            <a:off x="1165497" y="1600200"/>
-            <a:ext cx="6858000" cy="4967700"/>
-          </a:xfrm>
-          <a:prstGeom prst="rect">
-            <a:avLst/>
-          </a:prstGeom>
-        </p:spPr>
-        <p:txBody>
-          <a:bodyPr lIns="91425" tIns="91425" rIns="91425" bIns="91425" anchor="t" anchorCtr="0">
-            <a:noAutofit/>
-          </a:bodyPr>
-          <a:lstStyle/>
-          <a:p>
-            <a:pPr lvl="0" rtl="0">
-              <a:spcBef>
-                <a:spcPts val="0"/>
-              </a:spcBef>
-              <a:buClr>
-                <a:schemeClr val="dk1"/>
-              </a:buClr>
-              <a:buSzPct val="45833"/>
-              <a:buFont typeface="Arial"/>
-              <a:buNone/>
-            </a:pPr>
-            <a:r>
-              <a:rPr lang="en" sz="2400">
-                <a:solidFill>
-                  <a:srgbClr val="F3F3F3"/>
-                </a:solidFill>
-              </a:rPr>
-              <a:t>Special thanks to all the people who made and released these awesome resources for free:</a:t>
-            </a:r>
-          </a:p>
-          <a:p>
-            <a:pPr marL="457200" lvl="0" indent="-381000" rtl="0">
-              <a:lnSpc>
-                <a:spcPct val="115000"/>
-              </a:lnSpc>
-              <a:spcBef>
-                <a:spcPts val="0"/>
-              </a:spcBef>
-              <a:buClr>
-                <a:srgbClr val="F3F3F3"/>
-              </a:buClr>
-              <a:buSzPct val="100000"/>
-            </a:pPr>
-            <a:r>
-              <a:rPr lang="en" sz="2400">
-                <a:solidFill>
-                  <a:srgbClr val="F3F3F3"/>
-                </a:solidFill>
-              </a:rPr>
-              <a:t>Presentation template by </a:t>
-            </a:r>
-            <a:r>
-              <a:rPr lang="en" sz="2400" u="sng">
-                <a:solidFill>
-                  <a:srgbClr val="F3F3F3"/>
-                </a:solidFill>
-                <a:hlinkClick r:id="rId3"/>
-              </a:rPr>
-              <a:t>SlidesCarnival</a:t>
-            </a:r>
-          </a:p>
-          <a:p>
-            <a:pPr marL="457200" lvl="0" indent="-381000" rtl="0">
-              <a:lnSpc>
-                <a:spcPct val="115000"/>
-              </a:lnSpc>
-              <a:spcBef>
-                <a:spcPts val="0"/>
-              </a:spcBef>
-              <a:buClr>
-                <a:srgbClr val="F3F3F3"/>
-              </a:buClr>
-              <a:buSzPct val="100000"/>
-            </a:pPr>
-            <a:r>
-              <a:rPr lang="en" sz="2400">
-                <a:solidFill>
-                  <a:srgbClr val="F3F3F3"/>
-                </a:solidFill>
-              </a:rPr>
-              <a:t>Photographs by </a:t>
-            </a:r>
-            <a:r>
-              <a:rPr lang="en" sz="2400" u="sng">
-                <a:solidFill>
-                  <a:srgbClr val="F3F3F3"/>
-                </a:solidFill>
-                <a:hlinkClick r:id="rId4"/>
-              </a:rPr>
-              <a:t>Unsplash</a:t>
-            </a:r>
-          </a:p>
-        </p:txBody>
-      </p:sp>
-    </p:spTree>
-  </p:cSld>
-  <p:clrMapOvr>
-    <a:masterClrMapping/>
-  </p:clrMapOvr>
-  <p:transition spd="slow">
-    <p:cut/>
-  </p:transition>
-  <p:timing>
-    <p:tnLst>
-      <p:par>
-        <p:cTn id="1" dur="indefinite" restart="never" nodeType="tmRoot"/>
-      </p:par>
-    </p:tnLst>
-  </p:timing>
-</p:sld>
-</file>
-
 <file path=ppt/slides/slide3.xml><?xml version="1.0" encoding="utf-8"?>
 <p:sld xmlns:a="http://schemas.openxmlformats.org/drawingml/2006/main" xmlns:r="http://schemas.openxmlformats.org/officeDocument/2006/relationships" xmlns:p="http://schemas.openxmlformats.org/presentationml/2006/main">
   <p:cSld>
@@ -36789,10 +30852,10 @@
               <a:buNone/>
             </a:pPr>
             <a:r>
-              <a:rPr lang="en-US" dirty="0" smtClean="0"/>
+              <a:rPr lang="en-US" sz="2800" dirty="0" smtClean="0"/>
               <a:t>Some Background</a:t>
             </a:r>
-            <a:endParaRPr lang="en" dirty="0"/>
+            <a:endParaRPr lang="en" sz="2800" dirty="0"/>
           </a:p>
         </p:txBody>
       </p:sp>
@@ -38179,10 +32242,10 @@
               <a:buNone/>
             </a:pPr>
             <a:r>
-              <a:rPr lang="en-US" dirty="0" smtClean="0"/>
+              <a:rPr lang="en-US" sz="2800" dirty="0" smtClean="0"/>
               <a:t>Selected Articles</a:t>
             </a:r>
-            <a:endParaRPr lang="en" dirty="0"/>
+            <a:endParaRPr lang="en" sz="2800" dirty="0"/>
           </a:p>
         </p:txBody>
       </p:sp>
@@ -40429,7 +34492,7 @@
               <a:buNone/>
             </a:pPr>
             <a:r>
-              <a:rPr lang="en-US" sz="1800" dirty="0" smtClean="0">
+              <a:rPr lang="en-US" sz="2000" dirty="0" smtClean="0">
                 <a:solidFill>
                   <a:srgbClr val="F3F3F3"/>
                 </a:solidFill>
@@ -40440,7 +34503,7 @@
               </a:rPr>
               <a:t>Problem</a:t>
             </a:r>
-            <a:endParaRPr lang="en" sz="1800" dirty="0">
+            <a:endParaRPr lang="en" sz="2000" dirty="0">
               <a:solidFill>
                 <a:srgbClr val="F3F3F3"/>
               </a:solidFill>
@@ -40484,7 +34547,7 @@
               <a:buNone/>
             </a:pPr>
             <a:r>
-              <a:rPr lang="en-US" sz="1800" dirty="0" smtClean="0">
+              <a:rPr lang="en-US" sz="2000" dirty="0" smtClean="0">
                 <a:solidFill>
                   <a:srgbClr val="F3F3F3"/>
                 </a:solidFill>
@@ -40495,7 +34558,7 @@
               </a:rPr>
               <a:t>Approach</a:t>
             </a:r>
-            <a:endParaRPr lang="en" sz="1800" dirty="0">
+            <a:endParaRPr lang="en" sz="2000" dirty="0">
               <a:solidFill>
                 <a:srgbClr val="F3F3F3"/>
               </a:solidFill>
@@ -40539,7 +34602,7 @@
               <a:buNone/>
             </a:pPr>
             <a:r>
-              <a:rPr lang="en-US" sz="1800" dirty="0" smtClean="0">
+              <a:rPr lang="en-US" sz="2000" dirty="0" smtClean="0">
                 <a:solidFill>
                   <a:srgbClr val="F3F3F3"/>
                 </a:solidFill>
@@ -40550,7 +34613,7 @@
               </a:rPr>
               <a:t>Context</a:t>
             </a:r>
-            <a:endParaRPr lang="en" sz="1800" dirty="0">
+            <a:endParaRPr lang="en" sz="2000" dirty="0">
               <a:solidFill>
                 <a:srgbClr val="F3F3F3"/>
               </a:solidFill>
@@ -42056,7 +36119,7 @@
         </p:nvSpPr>
         <p:spPr>
           <a:xfrm>
-            <a:off x="1183334" y="155174"/>
+            <a:off x="928215" y="135806"/>
             <a:ext cx="6767100" cy="709799"/>
           </a:xfrm>
           <a:prstGeom prst="rect">
@@ -42076,10 +36139,10 @@
               <a:buNone/>
             </a:pPr>
             <a:r>
-              <a:rPr lang="en-US" dirty="0" smtClean="0"/>
+              <a:rPr lang="en-US" sz="2800" dirty="0" smtClean="0"/>
               <a:t>Deep Learning Today</a:t>
             </a:r>
-            <a:endParaRPr lang="en" dirty="0"/>
+            <a:endParaRPr lang="en" sz="2800" dirty="0"/>
           </a:p>
         </p:txBody>
       </p:sp>

--- a/Presentation/Eleanor.pptx
+++ b/Presentation/Eleanor.pptx
@@ -28559,7 +28559,7 @@
           </a:solidFill>
           <a:ln>
             <a:solidFill>
-              <a:srgbClr val="C00000"/>
+              <a:schemeClr val="accent1"/>
             </a:solidFill>
           </a:ln>
         </p:spPr>
@@ -28647,9 +28647,7 @@
           </a:solidFill>
           <a:ln>
             <a:solidFill>
-              <a:schemeClr val="accent4">
-                <a:lumMod val="50000"/>
-              </a:schemeClr>
+              <a:schemeClr val="accent1"/>
             </a:solidFill>
           </a:ln>
         </p:spPr>
@@ -28723,7 +28721,7 @@
         </p:nvSpPr>
         <p:spPr>
           <a:xfrm>
-            <a:off x="8093460" y="3538561"/>
+            <a:off x="8093460" y="3549194"/>
             <a:ext cx="931064" cy="409080"/>
           </a:xfrm>
           <a:prstGeom prst="rect">
@@ -28777,7 +28775,7 @@
           </a:solidFill>
           <a:ln>
             <a:solidFill>
-              <a:srgbClr val="FF0000"/>
+              <a:schemeClr val="accent1"/>
             </a:solidFill>
           </a:ln>
         </p:spPr>
@@ -28860,7 +28858,7 @@
           </a:solidFill>
           <a:ln>
             <a:solidFill>
-              <a:schemeClr val="accent3"/>
+              <a:schemeClr val="accent1"/>
             </a:solidFill>
           </a:ln>
         </p:spPr>
